--- a/TokyoWeb3Hackathon_dFund_Concept.pptx
+++ b/TokyoWeb3Hackathon_dFund_Concept.pptx
@@ -11,6 +11,7 @@
     <p:sldId id="262" r:id="rId5"/>
     <p:sldId id="257" r:id="rId6"/>
     <p:sldId id="263" r:id="rId7"/>
+    <p:sldId id="264" r:id="rId8"/>
   </p:sldIdLst>
   <p:sldSz cx="12192000" cy="6858000"/>
   <p:notesSz cx="6858000" cy="9144000"/>
@@ -11768,6 +11769,1613 @@
 </p:sld>
 </file>
 
+<file path=ppt/slides/slide7.xml><?xml version="1.0" encoding="utf-8"?>
+<p:sld xmlns:a="http://schemas.openxmlformats.org/drawingml/2006/main" xmlns:r="http://schemas.openxmlformats.org/officeDocument/2006/relationships" xmlns:p="http://schemas.openxmlformats.org/presentationml/2006/main">
+  <p:cSld>
+    <p:spTree>
+      <p:nvGrpSpPr>
+        <p:cNvPr id="1" name=""/>
+        <p:cNvGrpSpPr/>
+        <p:nvPr/>
+      </p:nvGrpSpPr>
+      <p:grpSpPr>
+        <a:xfrm>
+          <a:off x="0" y="0"/>
+          <a:ext cx="0" cy="0"/>
+          <a:chOff x="0" y="0"/>
+          <a:chExt cx="0" cy="0"/>
+        </a:xfrm>
+      </p:grpSpPr>
+      <p:sp>
+        <p:nvSpPr>
+          <p:cNvPr id="2" name="タイトル 1">
+            <a:extLst>
+              <a:ext uri="{FF2B5EF4-FFF2-40B4-BE49-F238E27FC236}">
+                <a16:creationId xmlns:a16="http://schemas.microsoft.com/office/drawing/2014/main" id="{E4424E83-742A-D800-382C-945D59C1355C}"/>
+              </a:ext>
+            </a:extLst>
+          </p:cNvPr>
+          <p:cNvSpPr>
+            <a:spLocks noGrp="1"/>
+          </p:cNvSpPr>
+          <p:nvPr>
+            <p:ph type="title"/>
+          </p:nvPr>
+        </p:nvSpPr>
+        <p:spPr>
+          <a:xfrm>
+            <a:off x="0" y="0"/>
+            <a:ext cx="12192000" cy="577849"/>
+          </a:xfrm>
+        </p:spPr>
+        <p:txBody>
+          <a:bodyPr>
+            <a:normAutofit/>
+          </a:bodyPr>
+          <a:lstStyle/>
+          <a:p>
+            <a:r>
+              <a:rPr lang="ja-JP" altLang="en-US" sz="2800" dirty="0">
+                <a:latin typeface="Meiryo UI" panose="020B0604030504040204" pitchFamily="50" charset="-128"/>
+                <a:ea typeface="Meiryo UI" panose="020B0604030504040204" pitchFamily="50" charset="-128"/>
+              </a:rPr>
+              <a:t>ファンドのスキームを</a:t>
+            </a:r>
+            <a:r>
+              <a:rPr lang="en-US" altLang="ja-JP" sz="2800" dirty="0" err="1">
+                <a:latin typeface="Meiryo UI" panose="020B0604030504040204" pitchFamily="50" charset="-128"/>
+                <a:ea typeface="Meiryo UI" panose="020B0604030504040204" pitchFamily="50" charset="-128"/>
+              </a:rPr>
+              <a:t>DeFi</a:t>
+            </a:r>
+            <a:r>
+              <a:rPr lang="ja-JP" altLang="en-US" sz="2800" dirty="0">
+                <a:latin typeface="Meiryo UI" panose="020B0604030504040204" pitchFamily="50" charset="-128"/>
+                <a:ea typeface="Meiryo UI" panose="020B0604030504040204" pitchFamily="50" charset="-128"/>
+              </a:rPr>
+              <a:t>の枠組みで再定義</a:t>
+            </a:r>
+            <a:endParaRPr kumimoji="1" lang="ja-JP" altLang="en-US" sz="2800" dirty="0">
+              <a:latin typeface="Meiryo UI" panose="020B0604030504040204" pitchFamily="50" charset="-128"/>
+              <a:ea typeface="Meiryo UI" panose="020B0604030504040204" pitchFamily="50" charset="-128"/>
+            </a:endParaRPr>
+          </a:p>
+        </p:txBody>
+      </p:sp>
+      <p:grpSp>
+        <p:nvGrpSpPr>
+          <p:cNvPr id="3" name="グループ化 2">
+            <a:extLst>
+              <a:ext uri="{FF2B5EF4-FFF2-40B4-BE49-F238E27FC236}">
+                <a16:creationId xmlns:a16="http://schemas.microsoft.com/office/drawing/2014/main" id="{21EC8DF3-6969-FE9C-BA68-3634480D80E3}"/>
+              </a:ext>
+            </a:extLst>
+          </p:cNvPr>
+          <p:cNvGrpSpPr/>
+          <p:nvPr/>
+        </p:nvGrpSpPr>
+        <p:grpSpPr>
+          <a:xfrm>
+            <a:off x="832559" y="929535"/>
+            <a:ext cx="10029214" cy="4998929"/>
+            <a:chOff x="734905" y="1218953"/>
+            <a:chExt cx="10029214" cy="4998929"/>
+          </a:xfrm>
+        </p:grpSpPr>
+        <p:sp>
+          <p:nvSpPr>
+            <p:cNvPr id="15" name="楕円 14">
+              <a:extLst>
+                <a:ext uri="{FF2B5EF4-FFF2-40B4-BE49-F238E27FC236}">
+                  <a16:creationId xmlns:a16="http://schemas.microsoft.com/office/drawing/2014/main" id="{381D79BA-E8C3-6FA9-DDEF-07B3CC7306CB}"/>
+                </a:ext>
+              </a:extLst>
+            </p:cNvPr>
+            <p:cNvSpPr/>
+            <p:nvPr/>
+          </p:nvSpPr>
+          <p:spPr>
+            <a:xfrm flipH="1" flipV="1">
+              <a:off x="1704972" y="1503849"/>
+              <a:ext cx="8305801" cy="4714033"/>
+            </a:xfrm>
+            <a:prstGeom prst="ellipse">
+              <a:avLst/>
+            </a:prstGeom>
+            <a:noFill/>
+            <a:ln w="38100">
+              <a:solidFill>
+                <a:srgbClr val="002060"/>
+              </a:solidFill>
+              <a:prstDash val="dash"/>
+            </a:ln>
+          </p:spPr>
+          <p:style>
+            <a:lnRef idx="2">
+              <a:schemeClr val="accent1">
+                <a:shade val="50000"/>
+              </a:schemeClr>
+            </a:lnRef>
+            <a:fillRef idx="1">
+              <a:schemeClr val="accent1"/>
+            </a:fillRef>
+            <a:effectRef idx="0">
+              <a:schemeClr val="accent1"/>
+            </a:effectRef>
+            <a:fontRef idx="minor">
+              <a:schemeClr val="lt1"/>
+            </a:fontRef>
+          </p:style>
+          <p:txBody>
+            <a:bodyPr rtlCol="0" anchor="ctr"/>
+            <a:lstStyle/>
+            <a:p>
+              <a:pPr algn="ctr"/>
+              <a:endParaRPr kumimoji="1" lang="ja-JP" altLang="en-US"/>
+            </a:p>
+          </p:txBody>
+        </p:sp>
+        <p:pic>
+          <p:nvPicPr>
+            <p:cNvPr id="6" name="Picture 4" descr="人のシルエットアイコンのフリーイラスト画像素材【商用無料】 | アイキャッチャー">
+              <a:extLst>
+                <a:ext uri="{FF2B5EF4-FFF2-40B4-BE49-F238E27FC236}">
+                  <a16:creationId xmlns:a16="http://schemas.microsoft.com/office/drawing/2014/main" id="{42EAD988-D745-B584-EBE4-416085970CEB}"/>
+                </a:ext>
+              </a:extLst>
+            </p:cNvPr>
+            <p:cNvPicPr>
+              <a:picLocks noChangeAspect="1" noChangeArrowheads="1"/>
+            </p:cNvPicPr>
+            <p:nvPr/>
+          </p:nvPicPr>
+          <p:blipFill>
+            <a:blip r:embed="rId2">
+              <a:extLst>
+                <a:ext uri="{28A0092B-C50C-407E-A947-70E740481C1C}">
+                  <a14:useLocalDpi xmlns:a14="http://schemas.microsoft.com/office/drawing/2010/main" val="0"/>
+                </a:ext>
+              </a:extLst>
+            </a:blip>
+            <a:srcRect/>
+            <a:stretch>
+              <a:fillRect/>
+            </a:stretch>
+          </p:blipFill>
+          <p:spPr bwMode="auto">
+            <a:xfrm>
+              <a:off x="871945" y="2073678"/>
+              <a:ext cx="982461" cy="982461"/>
+            </a:xfrm>
+            <a:prstGeom prst="rect">
+              <a:avLst/>
+            </a:prstGeom>
+            <a:noFill/>
+            <a:extLst>
+              <a:ext uri="{909E8E84-426E-40DD-AFC4-6F175D3DCCD1}">
+                <a14:hiddenFill xmlns:a14="http://schemas.microsoft.com/office/drawing/2010/main">
+                  <a:solidFill>
+                    <a:srgbClr val="FFFFFF"/>
+                  </a:solidFill>
+                </a14:hiddenFill>
+              </a:ext>
+            </a:extLst>
+          </p:spPr>
+        </p:pic>
+        <p:sp>
+          <p:nvSpPr>
+            <p:cNvPr id="7" name="テキスト ボックス 6">
+              <a:extLst>
+                <a:ext uri="{FF2B5EF4-FFF2-40B4-BE49-F238E27FC236}">
+                  <a16:creationId xmlns:a16="http://schemas.microsoft.com/office/drawing/2014/main" id="{0076ECE9-993D-37E4-C3D5-64547E49832B}"/>
+                </a:ext>
+              </a:extLst>
+            </p:cNvPr>
+            <p:cNvSpPr txBox="1"/>
+            <p:nvPr/>
+          </p:nvSpPr>
+          <p:spPr>
+            <a:xfrm>
+              <a:off x="734905" y="5072125"/>
+              <a:ext cx="1256536" cy="461665"/>
+            </a:xfrm>
+            <a:prstGeom prst="rect">
+              <a:avLst/>
+            </a:prstGeom>
+            <a:noFill/>
+          </p:spPr>
+          <p:txBody>
+            <a:bodyPr wrap="square" rtlCol="0">
+              <a:spAutoFit/>
+            </a:bodyPr>
+            <a:lstStyle/>
+            <a:p>
+              <a:pPr algn="ctr"/>
+              <a:r>
+                <a:rPr lang="ja-JP" altLang="en-US" sz="2400" b="1" dirty="0">
+                  <a:latin typeface="Meiryo UI" panose="020B0604030504040204" pitchFamily="50" charset="-128"/>
+                  <a:ea typeface="Meiryo UI" panose="020B0604030504040204" pitchFamily="50" charset="-128"/>
+                </a:rPr>
+                <a:t>投資家</a:t>
+              </a:r>
+              <a:endParaRPr lang="en-US" altLang="ja-JP" sz="2400" b="1" dirty="0">
+                <a:latin typeface="Meiryo UI" panose="020B0604030504040204" pitchFamily="50" charset="-128"/>
+                <a:ea typeface="Meiryo UI" panose="020B0604030504040204" pitchFamily="50" charset="-128"/>
+              </a:endParaRPr>
+            </a:p>
+          </p:txBody>
+        </p:sp>
+        <p:pic>
+          <p:nvPicPr>
+            <p:cNvPr id="8" name="Picture 4" descr="人のシルエットアイコンのフリーイラスト画像素材【商用無料】 | アイキャッチャー">
+              <a:extLst>
+                <a:ext uri="{FF2B5EF4-FFF2-40B4-BE49-F238E27FC236}">
+                  <a16:creationId xmlns:a16="http://schemas.microsoft.com/office/drawing/2014/main" id="{D3F44AEF-723E-4F51-D547-E68D400E639C}"/>
+                </a:ext>
+              </a:extLst>
+            </p:cNvPr>
+            <p:cNvPicPr>
+              <a:picLocks noChangeAspect="1" noChangeArrowheads="1"/>
+            </p:cNvPicPr>
+            <p:nvPr/>
+          </p:nvPicPr>
+          <p:blipFill>
+            <a:blip r:embed="rId2">
+              <a:extLst>
+                <a:ext uri="{28A0092B-C50C-407E-A947-70E740481C1C}">
+                  <a14:useLocalDpi xmlns:a14="http://schemas.microsoft.com/office/drawing/2010/main" val="0"/>
+                </a:ext>
+              </a:extLst>
+            </a:blip>
+            <a:srcRect/>
+            <a:stretch>
+              <a:fillRect/>
+            </a:stretch>
+          </p:blipFill>
+          <p:spPr bwMode="auto">
+            <a:xfrm>
+              <a:off x="871944" y="3056139"/>
+              <a:ext cx="982461" cy="982461"/>
+            </a:xfrm>
+            <a:prstGeom prst="rect">
+              <a:avLst/>
+            </a:prstGeom>
+            <a:noFill/>
+            <a:extLst>
+              <a:ext uri="{909E8E84-426E-40DD-AFC4-6F175D3DCCD1}">
+                <a14:hiddenFill xmlns:a14="http://schemas.microsoft.com/office/drawing/2010/main">
+                  <a:solidFill>
+                    <a:srgbClr val="FFFFFF"/>
+                  </a:solidFill>
+                </a14:hiddenFill>
+              </a:ext>
+            </a:extLst>
+          </p:spPr>
+        </p:pic>
+        <p:pic>
+          <p:nvPicPr>
+            <p:cNvPr id="9" name="Picture 4" descr="人のシルエットアイコンのフリーイラスト画像素材【商用無料】 | アイキャッチャー">
+              <a:extLst>
+                <a:ext uri="{FF2B5EF4-FFF2-40B4-BE49-F238E27FC236}">
+                  <a16:creationId xmlns:a16="http://schemas.microsoft.com/office/drawing/2014/main" id="{706FA015-4A3C-483D-3436-9F207CA3BE70}"/>
+                </a:ext>
+              </a:extLst>
+            </p:cNvPr>
+            <p:cNvPicPr>
+              <a:picLocks noChangeAspect="1" noChangeArrowheads="1"/>
+            </p:cNvPicPr>
+            <p:nvPr/>
+          </p:nvPicPr>
+          <p:blipFill>
+            <a:blip r:embed="rId2">
+              <a:extLst>
+                <a:ext uri="{28A0092B-C50C-407E-A947-70E740481C1C}">
+                  <a14:useLocalDpi xmlns:a14="http://schemas.microsoft.com/office/drawing/2010/main" val="0"/>
+                </a:ext>
+              </a:extLst>
+            </a:blip>
+            <a:srcRect/>
+            <a:stretch>
+              <a:fillRect/>
+            </a:stretch>
+          </p:blipFill>
+          <p:spPr bwMode="auto">
+            <a:xfrm>
+              <a:off x="871943" y="4038600"/>
+              <a:ext cx="982461" cy="982461"/>
+            </a:xfrm>
+            <a:prstGeom prst="rect">
+              <a:avLst/>
+            </a:prstGeom>
+            <a:noFill/>
+            <a:extLst>
+              <a:ext uri="{909E8E84-426E-40DD-AFC4-6F175D3DCCD1}">
+                <a14:hiddenFill xmlns:a14="http://schemas.microsoft.com/office/drawing/2010/main">
+                  <a:solidFill>
+                    <a:srgbClr val="FFFFFF"/>
+                  </a:solidFill>
+                </a14:hiddenFill>
+              </a:ext>
+            </a:extLst>
+          </p:spPr>
+        </p:pic>
+        <p:sp>
+          <p:nvSpPr>
+            <p:cNvPr id="10" name="正方形/長方形 9">
+              <a:extLst>
+                <a:ext uri="{FF2B5EF4-FFF2-40B4-BE49-F238E27FC236}">
+                  <a16:creationId xmlns:a16="http://schemas.microsoft.com/office/drawing/2014/main" id="{304DAC1D-60CA-95CA-FF50-A1A9C1CE0EA9}"/>
+                </a:ext>
+              </a:extLst>
+            </p:cNvPr>
+            <p:cNvSpPr/>
+            <p:nvPr/>
+          </p:nvSpPr>
+          <p:spPr>
+            <a:xfrm>
+              <a:off x="1363173" y="2700671"/>
+              <a:ext cx="982461" cy="381000"/>
+            </a:xfrm>
+            <a:prstGeom prst="rect">
+              <a:avLst/>
+            </a:prstGeom>
+            <a:solidFill>
+              <a:schemeClr val="tx1"/>
+            </a:solidFill>
+            <a:ln>
+              <a:solidFill>
+                <a:schemeClr val="bg1"/>
+              </a:solidFill>
+            </a:ln>
+          </p:spPr>
+          <p:style>
+            <a:lnRef idx="2">
+              <a:schemeClr val="accent1">
+                <a:shade val="50000"/>
+              </a:schemeClr>
+            </a:lnRef>
+            <a:fillRef idx="1">
+              <a:schemeClr val="accent1"/>
+            </a:fillRef>
+            <a:effectRef idx="0">
+              <a:schemeClr val="accent1"/>
+            </a:effectRef>
+            <a:fontRef idx="minor">
+              <a:schemeClr val="lt1"/>
+            </a:fontRef>
+          </p:style>
+          <p:txBody>
+            <a:bodyPr rtlCol="0" anchor="ctr"/>
+            <a:lstStyle/>
+            <a:p>
+              <a:pPr algn="ctr"/>
+              <a:r>
+                <a:rPr kumimoji="1" lang="en-US" altLang="ja-JP" sz="1600" b="1" dirty="0">
+                  <a:solidFill>
+                    <a:schemeClr val="bg1"/>
+                  </a:solidFill>
+                  <a:latin typeface="Meiryo UI" panose="020B0604030504040204" pitchFamily="50" charset="-128"/>
+                  <a:ea typeface="Meiryo UI" panose="020B0604030504040204" pitchFamily="50" charset="-128"/>
+                </a:rPr>
+                <a:t>Wallet</a:t>
+              </a:r>
+              <a:endParaRPr kumimoji="1" lang="ja-JP" altLang="en-US" sz="1600" b="1" dirty="0">
+                <a:solidFill>
+                  <a:schemeClr val="bg1"/>
+                </a:solidFill>
+                <a:latin typeface="Meiryo UI" panose="020B0604030504040204" pitchFamily="50" charset="-128"/>
+                <a:ea typeface="Meiryo UI" panose="020B0604030504040204" pitchFamily="50" charset="-128"/>
+              </a:endParaRPr>
+            </a:p>
+          </p:txBody>
+        </p:sp>
+        <p:sp>
+          <p:nvSpPr>
+            <p:cNvPr id="11" name="正方形/長方形 10">
+              <a:extLst>
+                <a:ext uri="{FF2B5EF4-FFF2-40B4-BE49-F238E27FC236}">
+                  <a16:creationId xmlns:a16="http://schemas.microsoft.com/office/drawing/2014/main" id="{C0577888-47FC-FD63-03A1-283A01472FED}"/>
+                </a:ext>
+              </a:extLst>
+            </p:cNvPr>
+            <p:cNvSpPr/>
+            <p:nvPr/>
+          </p:nvSpPr>
+          <p:spPr>
+            <a:xfrm>
+              <a:off x="1363172" y="3708664"/>
+              <a:ext cx="982461" cy="381000"/>
+            </a:xfrm>
+            <a:prstGeom prst="rect">
+              <a:avLst/>
+            </a:prstGeom>
+            <a:solidFill>
+              <a:schemeClr val="tx1"/>
+            </a:solidFill>
+            <a:ln>
+              <a:solidFill>
+                <a:schemeClr val="bg1"/>
+              </a:solidFill>
+            </a:ln>
+          </p:spPr>
+          <p:style>
+            <a:lnRef idx="2">
+              <a:schemeClr val="accent1">
+                <a:shade val="50000"/>
+              </a:schemeClr>
+            </a:lnRef>
+            <a:fillRef idx="1">
+              <a:schemeClr val="accent1"/>
+            </a:fillRef>
+            <a:effectRef idx="0">
+              <a:schemeClr val="accent1"/>
+            </a:effectRef>
+            <a:fontRef idx="minor">
+              <a:schemeClr val="lt1"/>
+            </a:fontRef>
+          </p:style>
+          <p:txBody>
+            <a:bodyPr rtlCol="0" anchor="ctr"/>
+            <a:lstStyle/>
+            <a:p>
+              <a:pPr algn="ctr"/>
+              <a:r>
+                <a:rPr kumimoji="1" lang="en-US" altLang="ja-JP" sz="1600" b="1" dirty="0">
+                  <a:solidFill>
+                    <a:schemeClr val="bg1"/>
+                  </a:solidFill>
+                  <a:latin typeface="Meiryo UI" panose="020B0604030504040204" pitchFamily="50" charset="-128"/>
+                  <a:ea typeface="Meiryo UI" panose="020B0604030504040204" pitchFamily="50" charset="-128"/>
+                </a:rPr>
+                <a:t>Wallet</a:t>
+              </a:r>
+              <a:endParaRPr kumimoji="1" lang="ja-JP" altLang="en-US" sz="1600" b="1" dirty="0">
+                <a:solidFill>
+                  <a:schemeClr val="bg1"/>
+                </a:solidFill>
+                <a:latin typeface="Meiryo UI" panose="020B0604030504040204" pitchFamily="50" charset="-128"/>
+                <a:ea typeface="Meiryo UI" panose="020B0604030504040204" pitchFamily="50" charset="-128"/>
+              </a:endParaRPr>
+            </a:p>
+          </p:txBody>
+        </p:sp>
+        <p:sp>
+          <p:nvSpPr>
+            <p:cNvPr id="12" name="正方形/長方形 11">
+              <a:extLst>
+                <a:ext uri="{FF2B5EF4-FFF2-40B4-BE49-F238E27FC236}">
+                  <a16:creationId xmlns:a16="http://schemas.microsoft.com/office/drawing/2014/main" id="{9B97A86D-659D-C72B-4749-1097045B0C8B}"/>
+                </a:ext>
+              </a:extLst>
+            </p:cNvPr>
+            <p:cNvSpPr/>
+            <p:nvPr/>
+          </p:nvSpPr>
+          <p:spPr>
+            <a:xfrm>
+              <a:off x="1363172" y="4716657"/>
+              <a:ext cx="982461" cy="381000"/>
+            </a:xfrm>
+            <a:prstGeom prst="rect">
+              <a:avLst/>
+            </a:prstGeom>
+            <a:solidFill>
+              <a:schemeClr val="tx1"/>
+            </a:solidFill>
+            <a:ln>
+              <a:solidFill>
+                <a:schemeClr val="bg1"/>
+              </a:solidFill>
+            </a:ln>
+          </p:spPr>
+          <p:style>
+            <a:lnRef idx="2">
+              <a:schemeClr val="accent1">
+                <a:shade val="50000"/>
+              </a:schemeClr>
+            </a:lnRef>
+            <a:fillRef idx="1">
+              <a:schemeClr val="accent1"/>
+            </a:fillRef>
+            <a:effectRef idx="0">
+              <a:schemeClr val="accent1"/>
+            </a:effectRef>
+            <a:fontRef idx="minor">
+              <a:schemeClr val="lt1"/>
+            </a:fontRef>
+          </p:style>
+          <p:txBody>
+            <a:bodyPr rtlCol="0" anchor="ctr"/>
+            <a:lstStyle/>
+            <a:p>
+              <a:pPr algn="ctr"/>
+              <a:r>
+                <a:rPr kumimoji="1" lang="en-US" altLang="ja-JP" sz="1600" b="1" dirty="0">
+                  <a:solidFill>
+                    <a:schemeClr val="bg1"/>
+                  </a:solidFill>
+                  <a:latin typeface="Meiryo UI" panose="020B0604030504040204" pitchFamily="50" charset="-128"/>
+                  <a:ea typeface="Meiryo UI" panose="020B0604030504040204" pitchFamily="50" charset="-128"/>
+                </a:rPr>
+                <a:t>Wallet</a:t>
+              </a:r>
+              <a:endParaRPr kumimoji="1" lang="ja-JP" altLang="en-US" sz="1600" b="1" dirty="0">
+                <a:solidFill>
+                  <a:schemeClr val="bg1"/>
+                </a:solidFill>
+                <a:latin typeface="Meiryo UI" panose="020B0604030504040204" pitchFamily="50" charset="-128"/>
+                <a:ea typeface="Meiryo UI" panose="020B0604030504040204" pitchFamily="50" charset="-128"/>
+              </a:endParaRPr>
+            </a:p>
+          </p:txBody>
+        </p:sp>
+        <p:sp>
+          <p:nvSpPr>
+            <p:cNvPr id="13" name="正方形/長方形 12">
+              <a:extLst>
+                <a:ext uri="{FF2B5EF4-FFF2-40B4-BE49-F238E27FC236}">
+                  <a16:creationId xmlns:a16="http://schemas.microsoft.com/office/drawing/2014/main" id="{9C8C28AA-CCE0-D428-792C-5515CE1FB08B}"/>
+                </a:ext>
+              </a:extLst>
+            </p:cNvPr>
+            <p:cNvSpPr/>
+            <p:nvPr/>
+          </p:nvSpPr>
+          <p:spPr>
+            <a:xfrm>
+              <a:off x="4419598" y="2564908"/>
+              <a:ext cx="2876550" cy="2351451"/>
+            </a:xfrm>
+            <a:prstGeom prst="rect">
+              <a:avLst/>
+            </a:prstGeom>
+            <a:solidFill>
+              <a:schemeClr val="tx1"/>
+            </a:solidFill>
+            <a:ln>
+              <a:solidFill>
+                <a:schemeClr val="bg1"/>
+              </a:solidFill>
+            </a:ln>
+          </p:spPr>
+          <p:style>
+            <a:lnRef idx="2">
+              <a:schemeClr val="accent1">
+                <a:shade val="50000"/>
+              </a:schemeClr>
+            </a:lnRef>
+            <a:fillRef idx="1">
+              <a:schemeClr val="accent1"/>
+            </a:fillRef>
+            <a:effectRef idx="0">
+              <a:schemeClr val="accent1"/>
+            </a:effectRef>
+            <a:fontRef idx="minor">
+              <a:schemeClr val="lt1"/>
+            </a:fontRef>
+          </p:style>
+          <p:txBody>
+            <a:bodyPr rtlCol="0" anchor="ctr"/>
+            <a:lstStyle/>
+            <a:p>
+              <a:pPr algn="ctr"/>
+              <a:r>
+                <a:rPr kumimoji="1" lang="en-US" altLang="ja-JP" sz="3600" b="1" dirty="0">
+                  <a:solidFill>
+                    <a:schemeClr val="bg1"/>
+                  </a:solidFill>
+                  <a:latin typeface="Meiryo UI" panose="020B0604030504040204" pitchFamily="50" charset="-128"/>
+                  <a:ea typeface="Meiryo UI" panose="020B0604030504040204" pitchFamily="50" charset="-128"/>
+                </a:rPr>
+                <a:t>Co-Wallet</a:t>
+              </a:r>
+            </a:p>
+            <a:p>
+              <a:pPr lvl="1"/>
+              <a:r>
+                <a:rPr lang="ja-JP" altLang="en-US" sz="2400" b="1" dirty="0">
+                  <a:solidFill>
+                    <a:schemeClr val="bg1"/>
+                  </a:solidFill>
+                  <a:latin typeface="Meiryo UI" panose="020B0604030504040204" pitchFamily="50" charset="-128"/>
+                  <a:ea typeface="Meiryo UI" panose="020B0604030504040204" pitchFamily="50" charset="-128"/>
+                </a:rPr>
+                <a:t>・</a:t>
+              </a:r>
+              <a:r>
+                <a:rPr lang="en-US" altLang="ja-JP" sz="2400" b="1" dirty="0" err="1">
+                  <a:solidFill>
+                    <a:schemeClr val="bg1"/>
+                  </a:solidFill>
+                  <a:latin typeface="Meiryo UI" panose="020B0604030504040204" pitchFamily="50" charset="-128"/>
+                  <a:ea typeface="Meiryo UI" panose="020B0604030504040204" pitchFamily="50" charset="-128"/>
+                </a:rPr>
+                <a:t>BitCoin</a:t>
+              </a:r>
+              <a:endParaRPr lang="en-US" altLang="ja-JP" sz="2400" b="1" dirty="0">
+                <a:solidFill>
+                  <a:schemeClr val="bg1"/>
+                </a:solidFill>
+                <a:latin typeface="Meiryo UI" panose="020B0604030504040204" pitchFamily="50" charset="-128"/>
+                <a:ea typeface="Meiryo UI" panose="020B0604030504040204" pitchFamily="50" charset="-128"/>
+              </a:endParaRPr>
+            </a:p>
+            <a:p>
+              <a:pPr lvl="1"/>
+              <a:r>
+                <a:rPr kumimoji="1" lang="ja-JP" altLang="en-US" sz="2400" b="1" dirty="0">
+                  <a:solidFill>
+                    <a:schemeClr val="bg1"/>
+                  </a:solidFill>
+                  <a:latin typeface="Meiryo UI" panose="020B0604030504040204" pitchFamily="50" charset="-128"/>
+                  <a:ea typeface="Meiryo UI" panose="020B0604030504040204" pitchFamily="50" charset="-128"/>
+                </a:rPr>
+                <a:t>・</a:t>
+              </a:r>
+              <a:r>
+                <a:rPr kumimoji="1" lang="en-US" altLang="ja-JP" sz="2400" b="1" dirty="0">
+                  <a:solidFill>
+                    <a:schemeClr val="bg1"/>
+                  </a:solidFill>
+                  <a:latin typeface="Meiryo UI" panose="020B0604030504040204" pitchFamily="50" charset="-128"/>
+                  <a:ea typeface="Meiryo UI" panose="020B0604030504040204" pitchFamily="50" charset="-128"/>
+                </a:rPr>
+                <a:t>Eth</a:t>
+              </a:r>
+            </a:p>
+            <a:p>
+              <a:pPr lvl="1"/>
+              <a:r>
+                <a:rPr lang="ja-JP" altLang="en-US" sz="2400" b="1" dirty="0">
+                  <a:solidFill>
+                    <a:schemeClr val="bg1"/>
+                  </a:solidFill>
+                  <a:latin typeface="Meiryo UI" panose="020B0604030504040204" pitchFamily="50" charset="-128"/>
+                  <a:ea typeface="Meiryo UI" panose="020B0604030504040204" pitchFamily="50" charset="-128"/>
+                </a:rPr>
+                <a:t>・</a:t>
+              </a:r>
+              <a:r>
+                <a:rPr lang="en-US" altLang="ja-JP" sz="2400" b="1" dirty="0">
+                  <a:solidFill>
+                    <a:schemeClr val="bg1"/>
+                  </a:solidFill>
+                  <a:latin typeface="Meiryo UI" panose="020B0604030504040204" pitchFamily="50" charset="-128"/>
+                  <a:ea typeface="Meiryo UI" panose="020B0604030504040204" pitchFamily="50" charset="-128"/>
+                </a:rPr>
+                <a:t>NFT</a:t>
+              </a:r>
+            </a:p>
+            <a:p>
+              <a:pPr lvl="1"/>
+              <a:r>
+                <a:rPr kumimoji="1" lang="en-US" altLang="ja-JP" sz="2400" b="1" dirty="0">
+                  <a:solidFill>
+                    <a:schemeClr val="bg1"/>
+                  </a:solidFill>
+                  <a:latin typeface="Meiryo UI" panose="020B0604030504040204" pitchFamily="50" charset="-128"/>
+                  <a:ea typeface="Meiryo UI" panose="020B0604030504040204" pitchFamily="50" charset="-128"/>
+                </a:rPr>
+                <a:t>…</a:t>
+              </a:r>
+              <a:r>
+                <a:rPr kumimoji="1" lang="en-US" altLang="ja-JP" sz="2400" b="1" dirty="0" err="1">
+                  <a:solidFill>
+                    <a:schemeClr val="bg1"/>
+                  </a:solidFill>
+                  <a:latin typeface="Meiryo UI" panose="020B0604030504040204" pitchFamily="50" charset="-128"/>
+                  <a:ea typeface="Meiryo UI" panose="020B0604030504040204" pitchFamily="50" charset="-128"/>
+                </a:rPr>
+                <a:t>etc</a:t>
+              </a:r>
+              <a:endParaRPr kumimoji="1" lang="ja-JP" altLang="en-US" sz="2400" b="1" dirty="0">
+                <a:solidFill>
+                  <a:schemeClr val="bg1"/>
+                </a:solidFill>
+                <a:latin typeface="Meiryo UI" panose="020B0604030504040204" pitchFamily="50" charset="-128"/>
+                <a:ea typeface="Meiryo UI" panose="020B0604030504040204" pitchFamily="50" charset="-128"/>
+              </a:endParaRPr>
+            </a:p>
+          </p:txBody>
+        </p:sp>
+        <p:sp>
+          <p:nvSpPr>
+            <p:cNvPr id="14" name="楕円 13">
+              <a:extLst>
+                <a:ext uri="{FF2B5EF4-FFF2-40B4-BE49-F238E27FC236}">
+                  <a16:creationId xmlns:a16="http://schemas.microsoft.com/office/drawing/2014/main" id="{3661AF29-099F-D9D2-5DB9-2F5E8B94AA97}"/>
+                </a:ext>
+              </a:extLst>
+            </p:cNvPr>
+            <p:cNvSpPr/>
+            <p:nvPr/>
+          </p:nvSpPr>
+          <p:spPr>
+            <a:xfrm>
+              <a:off x="8528694" y="2564908"/>
+              <a:ext cx="2235425" cy="2351451"/>
+            </a:xfrm>
+            <a:prstGeom prst="ellipse">
+              <a:avLst/>
+            </a:prstGeom>
+            <a:solidFill>
+              <a:schemeClr val="accent2">
+                <a:lumMod val="20000"/>
+                <a:lumOff val="80000"/>
+              </a:schemeClr>
+            </a:solidFill>
+            <a:ln>
+              <a:solidFill>
+                <a:schemeClr val="accent2">
+                  <a:lumMod val="20000"/>
+                  <a:lumOff val="80000"/>
+                </a:schemeClr>
+              </a:solidFill>
+            </a:ln>
+          </p:spPr>
+          <p:style>
+            <a:lnRef idx="2">
+              <a:schemeClr val="accent1">
+                <a:shade val="50000"/>
+              </a:schemeClr>
+            </a:lnRef>
+            <a:fillRef idx="1">
+              <a:schemeClr val="accent1"/>
+            </a:fillRef>
+            <a:effectRef idx="0">
+              <a:schemeClr val="accent1"/>
+            </a:effectRef>
+            <a:fontRef idx="minor">
+              <a:schemeClr val="lt1"/>
+            </a:fontRef>
+          </p:style>
+          <p:txBody>
+            <a:bodyPr wrap="none" rtlCol="0" anchor="ctr"/>
+            <a:lstStyle/>
+            <a:p>
+              <a:pPr algn="ctr"/>
+              <a:r>
+                <a:rPr kumimoji="1" lang="en-US" altLang="ja-JP" sz="2400" b="1" dirty="0">
+                  <a:solidFill>
+                    <a:schemeClr val="tx1"/>
+                  </a:solidFill>
+                  <a:latin typeface="Meiryo UI" panose="020B0604030504040204" pitchFamily="50" charset="-128"/>
+                  <a:ea typeface="Meiryo UI" panose="020B0604030504040204" pitchFamily="50" charset="-128"/>
+                </a:rPr>
+                <a:t>Market</a:t>
+              </a:r>
+            </a:p>
+            <a:p>
+              <a:r>
+                <a:rPr lang="ja-JP" altLang="en-US" b="1" dirty="0">
+                  <a:solidFill>
+                    <a:schemeClr val="tx1"/>
+                  </a:solidFill>
+                  <a:latin typeface="Meiryo UI" panose="020B0604030504040204" pitchFamily="50" charset="-128"/>
+                  <a:ea typeface="Meiryo UI" panose="020B0604030504040204" pitchFamily="50" charset="-128"/>
+                </a:rPr>
+                <a:t>・</a:t>
+              </a:r>
+              <a:r>
+                <a:rPr lang="en-US" altLang="ja-JP" b="1" dirty="0">
+                  <a:solidFill>
+                    <a:schemeClr val="tx1"/>
+                  </a:solidFill>
+                  <a:latin typeface="Meiryo UI" panose="020B0604030504040204" pitchFamily="50" charset="-128"/>
+                  <a:ea typeface="Meiryo UI" panose="020B0604030504040204" pitchFamily="50" charset="-128"/>
+                </a:rPr>
+                <a:t>Crypt Ccy</a:t>
+              </a:r>
+            </a:p>
+            <a:p>
+              <a:r>
+                <a:rPr lang="ja-JP" altLang="en-US" b="1" dirty="0">
+                  <a:solidFill>
+                    <a:schemeClr val="tx1"/>
+                  </a:solidFill>
+                  <a:latin typeface="Meiryo UI" panose="020B0604030504040204" pitchFamily="50" charset="-128"/>
+                  <a:ea typeface="Meiryo UI" panose="020B0604030504040204" pitchFamily="50" charset="-128"/>
+                </a:rPr>
+                <a:t>・</a:t>
+              </a:r>
+              <a:r>
+                <a:rPr lang="en-US" altLang="ja-JP" b="1" dirty="0">
+                  <a:solidFill>
+                    <a:schemeClr val="tx1"/>
+                  </a:solidFill>
+                  <a:latin typeface="Meiryo UI" panose="020B0604030504040204" pitchFamily="50" charset="-128"/>
+                  <a:ea typeface="Meiryo UI" panose="020B0604030504040204" pitchFamily="50" charset="-128"/>
+                </a:rPr>
+                <a:t>NFT</a:t>
+              </a:r>
+            </a:p>
+            <a:p>
+              <a:r>
+                <a:rPr kumimoji="1" lang="ja-JP" altLang="en-US" b="1" dirty="0">
+                  <a:solidFill>
+                    <a:schemeClr val="tx1"/>
+                  </a:solidFill>
+                  <a:latin typeface="Meiryo UI" panose="020B0604030504040204" pitchFamily="50" charset="-128"/>
+                  <a:ea typeface="Meiryo UI" panose="020B0604030504040204" pitchFamily="50" charset="-128"/>
+                </a:rPr>
+                <a:t>・</a:t>
+              </a:r>
+              <a:r>
+                <a:rPr kumimoji="1" lang="en-US" altLang="ja-JP" b="1" dirty="0">
+                  <a:solidFill>
+                    <a:schemeClr val="tx1"/>
+                  </a:solidFill>
+                  <a:latin typeface="Meiryo UI" panose="020B0604030504040204" pitchFamily="50" charset="-128"/>
+                  <a:ea typeface="Meiryo UI" panose="020B0604030504040204" pitchFamily="50" charset="-128"/>
+                </a:rPr>
+                <a:t>STO</a:t>
+              </a:r>
+            </a:p>
+            <a:p>
+              <a:r>
+                <a:rPr lang="en-US" altLang="ja-JP" b="1" dirty="0">
+                  <a:solidFill>
+                    <a:schemeClr val="tx1"/>
+                  </a:solidFill>
+                  <a:latin typeface="Meiryo UI" panose="020B0604030504040204" pitchFamily="50" charset="-128"/>
+                  <a:ea typeface="Meiryo UI" panose="020B0604030504040204" pitchFamily="50" charset="-128"/>
+                </a:rPr>
+                <a:t>…</a:t>
+              </a:r>
+              <a:r>
+                <a:rPr lang="en-US" altLang="ja-JP" b="1" dirty="0" err="1">
+                  <a:solidFill>
+                    <a:schemeClr val="tx1"/>
+                  </a:solidFill>
+                  <a:latin typeface="Meiryo UI" panose="020B0604030504040204" pitchFamily="50" charset="-128"/>
+                  <a:ea typeface="Meiryo UI" panose="020B0604030504040204" pitchFamily="50" charset="-128"/>
+                </a:rPr>
+                <a:t>etc</a:t>
+              </a:r>
+              <a:endParaRPr kumimoji="1" lang="en-US" altLang="ja-JP" sz="2400" b="1" dirty="0">
+                <a:solidFill>
+                  <a:schemeClr val="tx1"/>
+                </a:solidFill>
+                <a:latin typeface="Meiryo UI" panose="020B0604030504040204" pitchFamily="50" charset="-128"/>
+                <a:ea typeface="Meiryo UI" panose="020B0604030504040204" pitchFamily="50" charset="-128"/>
+              </a:endParaRPr>
+            </a:p>
+          </p:txBody>
+        </p:sp>
+        <p:sp>
+          <p:nvSpPr>
+            <p:cNvPr id="16" name="正方形/長方形 15">
+              <a:extLst>
+                <a:ext uri="{FF2B5EF4-FFF2-40B4-BE49-F238E27FC236}">
+                  <a16:creationId xmlns:a16="http://schemas.microsoft.com/office/drawing/2014/main" id="{4B6AE985-8CA2-6FC9-6E81-1D42E5C84233}"/>
+                </a:ext>
+              </a:extLst>
+            </p:cNvPr>
+            <p:cNvSpPr/>
+            <p:nvPr/>
+          </p:nvSpPr>
+          <p:spPr>
+            <a:xfrm>
+              <a:off x="4571997" y="1218953"/>
+              <a:ext cx="2571750" cy="704850"/>
+            </a:xfrm>
+            <a:prstGeom prst="rect">
+              <a:avLst/>
+            </a:prstGeom>
+            <a:solidFill>
+              <a:schemeClr val="bg1"/>
+            </a:solidFill>
+            <a:ln w="38100">
+              <a:solidFill>
+                <a:srgbClr val="002060"/>
+              </a:solidFill>
+            </a:ln>
+          </p:spPr>
+          <p:style>
+            <a:lnRef idx="2">
+              <a:schemeClr val="accent1">
+                <a:shade val="50000"/>
+              </a:schemeClr>
+            </a:lnRef>
+            <a:fillRef idx="1">
+              <a:schemeClr val="accent1"/>
+            </a:fillRef>
+            <a:effectRef idx="0">
+              <a:schemeClr val="accent1"/>
+            </a:effectRef>
+            <a:fontRef idx="minor">
+              <a:schemeClr val="lt1"/>
+            </a:fontRef>
+          </p:style>
+          <p:txBody>
+            <a:bodyPr rtlCol="0" anchor="ctr"/>
+            <a:lstStyle/>
+            <a:p>
+              <a:pPr algn="ctr"/>
+              <a:r>
+                <a:rPr kumimoji="1" lang="en-US" altLang="ja-JP" sz="2400" b="1" dirty="0">
+                  <a:solidFill>
+                    <a:schemeClr val="tx1"/>
+                  </a:solidFill>
+                  <a:latin typeface="Meiryo UI" panose="020B0604030504040204" pitchFamily="50" charset="-128"/>
+                  <a:ea typeface="Meiryo UI" panose="020B0604030504040204" pitchFamily="50" charset="-128"/>
+                </a:rPr>
+                <a:t>Blockchain</a:t>
+              </a:r>
+              <a:endParaRPr kumimoji="1" lang="ja-JP" altLang="en-US" sz="2400" b="1" dirty="0">
+                <a:solidFill>
+                  <a:schemeClr val="tx1"/>
+                </a:solidFill>
+                <a:latin typeface="Meiryo UI" panose="020B0604030504040204" pitchFamily="50" charset="-128"/>
+                <a:ea typeface="Meiryo UI" panose="020B0604030504040204" pitchFamily="50" charset="-128"/>
+              </a:endParaRPr>
+            </a:p>
+          </p:txBody>
+        </p:sp>
+        <p:sp>
+          <p:nvSpPr>
+            <p:cNvPr id="18" name="矢印: 左 17">
+              <a:extLst>
+                <a:ext uri="{FF2B5EF4-FFF2-40B4-BE49-F238E27FC236}">
+                  <a16:creationId xmlns:a16="http://schemas.microsoft.com/office/drawing/2014/main" id="{2EE3E334-2A42-C2B1-DDF1-7BF830C31CE9}"/>
+                </a:ext>
+              </a:extLst>
+            </p:cNvPr>
+            <p:cNvSpPr/>
+            <p:nvPr/>
+          </p:nvSpPr>
+          <p:spPr>
+            <a:xfrm flipH="1">
+              <a:off x="2733911" y="2564908"/>
+              <a:ext cx="1207959" cy="538985"/>
+            </a:xfrm>
+            <a:prstGeom prst="leftArrow">
+              <a:avLst>
+                <a:gd name="adj1" fmla="val 62651"/>
+                <a:gd name="adj2" fmla="val 50000"/>
+              </a:avLst>
+            </a:prstGeom>
+            <a:solidFill>
+              <a:schemeClr val="accent4">
+                <a:lumMod val="40000"/>
+                <a:lumOff val="60000"/>
+              </a:schemeClr>
+            </a:solidFill>
+            <a:ln>
+              <a:solidFill>
+                <a:schemeClr val="accent4">
+                  <a:lumMod val="40000"/>
+                  <a:lumOff val="60000"/>
+                </a:schemeClr>
+              </a:solidFill>
+            </a:ln>
+          </p:spPr>
+          <p:style>
+            <a:lnRef idx="2">
+              <a:schemeClr val="accent1">
+                <a:shade val="50000"/>
+              </a:schemeClr>
+            </a:lnRef>
+            <a:fillRef idx="1">
+              <a:schemeClr val="accent1"/>
+            </a:fillRef>
+            <a:effectRef idx="0">
+              <a:schemeClr val="accent1"/>
+            </a:effectRef>
+            <a:fontRef idx="minor">
+              <a:schemeClr val="lt1"/>
+            </a:fontRef>
+          </p:style>
+          <p:txBody>
+            <a:bodyPr wrap="none" rtlCol="0" anchor="ctr"/>
+            <a:lstStyle/>
+            <a:p>
+              <a:pPr algn="ctr"/>
+              <a:r>
+                <a:rPr lang="ja-JP" altLang="en-US" dirty="0">
+                  <a:solidFill>
+                    <a:schemeClr val="tx1"/>
+                  </a:solidFill>
+                  <a:latin typeface="Meiryo UI" panose="020B0604030504040204" pitchFamily="50" charset="-128"/>
+                  <a:ea typeface="Meiryo UI" panose="020B0604030504040204" pitchFamily="50" charset="-128"/>
+                </a:rPr>
+                <a:t>資金提供</a:t>
+              </a:r>
+              <a:endParaRPr kumimoji="1" lang="ja-JP" altLang="en-US" dirty="0">
+                <a:solidFill>
+                  <a:schemeClr val="tx1"/>
+                </a:solidFill>
+                <a:latin typeface="Meiryo UI" panose="020B0604030504040204" pitchFamily="50" charset="-128"/>
+                <a:ea typeface="Meiryo UI" panose="020B0604030504040204" pitchFamily="50" charset="-128"/>
+              </a:endParaRPr>
+            </a:p>
+          </p:txBody>
+        </p:sp>
+        <p:sp>
+          <p:nvSpPr>
+            <p:cNvPr id="19" name="矢印: 左 18">
+              <a:extLst>
+                <a:ext uri="{FF2B5EF4-FFF2-40B4-BE49-F238E27FC236}">
+                  <a16:creationId xmlns:a16="http://schemas.microsoft.com/office/drawing/2014/main" id="{1B525B51-6510-B7E0-0D6E-1B341B07F1C3}"/>
+                </a:ext>
+              </a:extLst>
+            </p:cNvPr>
+            <p:cNvSpPr/>
+            <p:nvPr/>
+          </p:nvSpPr>
+          <p:spPr>
+            <a:xfrm>
+              <a:off x="2733911" y="4325638"/>
+              <a:ext cx="1207959" cy="538985"/>
+            </a:xfrm>
+            <a:prstGeom prst="leftArrow">
+              <a:avLst>
+                <a:gd name="adj1" fmla="val 60603"/>
+                <a:gd name="adj2" fmla="val 50000"/>
+              </a:avLst>
+            </a:prstGeom>
+            <a:solidFill>
+              <a:schemeClr val="accent1">
+                <a:lumMod val="40000"/>
+                <a:lumOff val="60000"/>
+              </a:schemeClr>
+            </a:solidFill>
+            <a:ln>
+              <a:solidFill>
+                <a:schemeClr val="accent1">
+                  <a:lumMod val="40000"/>
+                  <a:lumOff val="60000"/>
+                </a:schemeClr>
+              </a:solidFill>
+            </a:ln>
+          </p:spPr>
+          <p:style>
+            <a:lnRef idx="2">
+              <a:schemeClr val="accent1">
+                <a:shade val="50000"/>
+              </a:schemeClr>
+            </a:lnRef>
+            <a:fillRef idx="1">
+              <a:schemeClr val="accent1"/>
+            </a:fillRef>
+            <a:effectRef idx="0">
+              <a:schemeClr val="accent1"/>
+            </a:effectRef>
+            <a:fontRef idx="minor">
+              <a:schemeClr val="lt1"/>
+            </a:fontRef>
+          </p:style>
+          <p:txBody>
+            <a:bodyPr wrap="none" rtlCol="0" anchor="ctr"/>
+            <a:lstStyle/>
+            <a:p>
+              <a:pPr algn="ctr"/>
+              <a:r>
+                <a:rPr kumimoji="1" lang="ja-JP" altLang="en-US" dirty="0">
+                  <a:solidFill>
+                    <a:schemeClr val="tx1"/>
+                  </a:solidFill>
+                  <a:latin typeface="Meiryo UI" panose="020B0604030504040204" pitchFamily="50" charset="-128"/>
+                  <a:ea typeface="Meiryo UI" panose="020B0604030504040204" pitchFamily="50" charset="-128"/>
+                </a:rPr>
+                <a:t>分配・償還</a:t>
+              </a:r>
+            </a:p>
+          </p:txBody>
+        </p:sp>
+        <p:sp>
+          <p:nvSpPr>
+            <p:cNvPr id="20" name="矢印: 左 19">
+              <a:extLst>
+                <a:ext uri="{FF2B5EF4-FFF2-40B4-BE49-F238E27FC236}">
+                  <a16:creationId xmlns:a16="http://schemas.microsoft.com/office/drawing/2014/main" id="{5BB84E9C-5218-5F09-D9E5-8CED37F6BA30}"/>
+                </a:ext>
+              </a:extLst>
+            </p:cNvPr>
+            <p:cNvSpPr/>
+            <p:nvPr/>
+          </p:nvSpPr>
+          <p:spPr>
+            <a:xfrm>
+              <a:off x="2733911" y="3409479"/>
+              <a:ext cx="1207959" cy="538985"/>
+            </a:xfrm>
+            <a:prstGeom prst="leftArrow">
+              <a:avLst>
+                <a:gd name="adj1" fmla="val 67672"/>
+                <a:gd name="adj2" fmla="val 50000"/>
+              </a:avLst>
+            </a:prstGeom>
+            <a:solidFill>
+              <a:schemeClr val="accent4">
+                <a:lumMod val="40000"/>
+                <a:lumOff val="60000"/>
+              </a:schemeClr>
+            </a:solidFill>
+            <a:ln>
+              <a:solidFill>
+                <a:schemeClr val="accent4">
+                  <a:lumMod val="40000"/>
+                  <a:lumOff val="60000"/>
+                </a:schemeClr>
+              </a:solidFill>
+            </a:ln>
+          </p:spPr>
+          <p:style>
+            <a:lnRef idx="2">
+              <a:schemeClr val="accent1">
+                <a:shade val="50000"/>
+              </a:schemeClr>
+            </a:lnRef>
+            <a:fillRef idx="1">
+              <a:schemeClr val="accent1"/>
+            </a:fillRef>
+            <a:effectRef idx="0">
+              <a:schemeClr val="accent1"/>
+            </a:effectRef>
+            <a:fontRef idx="minor">
+              <a:schemeClr val="lt1"/>
+            </a:fontRef>
+          </p:style>
+          <p:txBody>
+            <a:bodyPr wrap="none" rtlCol="0" anchor="ctr"/>
+            <a:lstStyle/>
+            <a:p>
+              <a:pPr algn="ctr"/>
+              <a:r>
+                <a:rPr kumimoji="1" lang="ja-JP" altLang="en-US" dirty="0">
+                  <a:solidFill>
+                    <a:schemeClr val="tx1"/>
+                  </a:solidFill>
+                  <a:latin typeface="Meiryo UI" panose="020B0604030504040204" pitchFamily="50" charset="-128"/>
+                  <a:ea typeface="Meiryo UI" panose="020B0604030504040204" pitchFamily="50" charset="-128"/>
+                </a:rPr>
+                <a:t>トークン</a:t>
+              </a:r>
+              <a:endParaRPr kumimoji="1" lang="en-US" altLang="ja-JP" dirty="0">
+                <a:solidFill>
+                  <a:schemeClr val="tx1"/>
+                </a:solidFill>
+                <a:latin typeface="Meiryo UI" panose="020B0604030504040204" pitchFamily="50" charset="-128"/>
+                <a:ea typeface="Meiryo UI" panose="020B0604030504040204" pitchFamily="50" charset="-128"/>
+              </a:endParaRPr>
+            </a:p>
+          </p:txBody>
+        </p:sp>
+        <p:sp>
+          <p:nvSpPr>
+            <p:cNvPr id="21" name="矢印: 左 20">
+              <a:extLst>
+                <a:ext uri="{FF2B5EF4-FFF2-40B4-BE49-F238E27FC236}">
+                  <a16:creationId xmlns:a16="http://schemas.microsoft.com/office/drawing/2014/main" id="{3ABBA001-F3C0-9FE7-0477-53A772DF6332}"/>
+                </a:ext>
+              </a:extLst>
+            </p:cNvPr>
+            <p:cNvSpPr/>
+            <p:nvPr/>
+          </p:nvSpPr>
+          <p:spPr>
+            <a:xfrm rot="10800000">
+              <a:off x="7481485" y="3056138"/>
+              <a:ext cx="979374" cy="538985"/>
+            </a:xfrm>
+            <a:prstGeom prst="leftArrow">
+              <a:avLst>
+                <a:gd name="adj1" fmla="val 60603"/>
+                <a:gd name="adj2" fmla="val 50000"/>
+              </a:avLst>
+            </a:prstGeom>
+            <a:solidFill>
+              <a:schemeClr val="accent1">
+                <a:lumMod val="40000"/>
+                <a:lumOff val="60000"/>
+              </a:schemeClr>
+            </a:solidFill>
+            <a:ln>
+              <a:solidFill>
+                <a:schemeClr val="accent1">
+                  <a:lumMod val="40000"/>
+                  <a:lumOff val="60000"/>
+                </a:schemeClr>
+              </a:solidFill>
+            </a:ln>
+          </p:spPr>
+          <p:style>
+            <a:lnRef idx="2">
+              <a:schemeClr val="accent1">
+                <a:shade val="50000"/>
+              </a:schemeClr>
+            </a:lnRef>
+            <a:fillRef idx="1">
+              <a:schemeClr val="accent1"/>
+            </a:fillRef>
+            <a:effectRef idx="0">
+              <a:schemeClr val="accent1"/>
+            </a:effectRef>
+            <a:fontRef idx="minor">
+              <a:schemeClr val="lt1"/>
+            </a:fontRef>
+          </p:style>
+          <p:txBody>
+            <a:bodyPr wrap="none" rtlCol="0" anchor="ctr"/>
+            <a:lstStyle/>
+            <a:p>
+              <a:pPr algn="ctr"/>
+              <a:endParaRPr kumimoji="1" lang="ja-JP" altLang="en-US" sz="1400" dirty="0">
+                <a:solidFill>
+                  <a:schemeClr val="tx1"/>
+                </a:solidFill>
+                <a:latin typeface="Meiryo UI" panose="020B0604030504040204" pitchFamily="50" charset="-128"/>
+                <a:ea typeface="Meiryo UI" panose="020B0604030504040204" pitchFamily="50" charset="-128"/>
+              </a:endParaRPr>
+            </a:p>
+          </p:txBody>
+        </p:sp>
+        <p:sp>
+          <p:nvSpPr>
+            <p:cNvPr id="22" name="矢印: 左 21">
+              <a:extLst>
+                <a:ext uri="{FF2B5EF4-FFF2-40B4-BE49-F238E27FC236}">
+                  <a16:creationId xmlns:a16="http://schemas.microsoft.com/office/drawing/2014/main" id="{2BB6FEF0-4FE2-8242-DCF0-C046C3F5B5B2}"/>
+                </a:ext>
+              </a:extLst>
+            </p:cNvPr>
+            <p:cNvSpPr/>
+            <p:nvPr/>
+          </p:nvSpPr>
+          <p:spPr>
+            <a:xfrm>
+              <a:off x="7434953" y="3860866"/>
+              <a:ext cx="979374" cy="538985"/>
+            </a:xfrm>
+            <a:prstGeom prst="leftArrow">
+              <a:avLst>
+                <a:gd name="adj1" fmla="val 60603"/>
+                <a:gd name="adj2" fmla="val 50000"/>
+              </a:avLst>
+            </a:prstGeom>
+            <a:solidFill>
+              <a:schemeClr val="accent1">
+                <a:lumMod val="40000"/>
+                <a:lumOff val="60000"/>
+              </a:schemeClr>
+            </a:solidFill>
+            <a:ln>
+              <a:solidFill>
+                <a:schemeClr val="accent1">
+                  <a:lumMod val="40000"/>
+                  <a:lumOff val="60000"/>
+                </a:schemeClr>
+              </a:solidFill>
+            </a:ln>
+          </p:spPr>
+          <p:style>
+            <a:lnRef idx="2">
+              <a:schemeClr val="accent1">
+                <a:shade val="50000"/>
+              </a:schemeClr>
+            </a:lnRef>
+            <a:fillRef idx="1">
+              <a:schemeClr val="accent1"/>
+            </a:fillRef>
+            <a:effectRef idx="0">
+              <a:schemeClr val="accent1"/>
+            </a:effectRef>
+            <a:fontRef idx="minor">
+              <a:schemeClr val="lt1"/>
+            </a:fontRef>
+          </p:style>
+          <p:txBody>
+            <a:bodyPr wrap="none" rtlCol="0" anchor="ctr"/>
+            <a:lstStyle/>
+            <a:p>
+              <a:pPr algn="ctr"/>
+              <a:endParaRPr kumimoji="1" lang="ja-JP" altLang="en-US" sz="1400" dirty="0">
+                <a:solidFill>
+                  <a:schemeClr val="tx1"/>
+                </a:solidFill>
+                <a:latin typeface="Meiryo UI" panose="020B0604030504040204" pitchFamily="50" charset="-128"/>
+                <a:ea typeface="Meiryo UI" panose="020B0604030504040204" pitchFamily="50" charset="-128"/>
+              </a:endParaRPr>
+            </a:p>
+          </p:txBody>
+        </p:sp>
+        <p:sp>
+          <p:nvSpPr>
+            <p:cNvPr id="23" name="テキスト ボックス 22">
+              <a:extLst>
+                <a:ext uri="{FF2B5EF4-FFF2-40B4-BE49-F238E27FC236}">
+                  <a16:creationId xmlns:a16="http://schemas.microsoft.com/office/drawing/2014/main" id="{C4B0F3B8-DBCC-C2C6-DB57-0712E9313B9D}"/>
+                </a:ext>
+              </a:extLst>
+            </p:cNvPr>
+            <p:cNvSpPr txBox="1"/>
+            <p:nvPr/>
+          </p:nvSpPr>
+          <p:spPr>
+            <a:xfrm>
+              <a:off x="4698298" y="5021061"/>
+              <a:ext cx="2319147" cy="1015663"/>
+            </a:xfrm>
+            <a:prstGeom prst="rect">
+              <a:avLst/>
+            </a:prstGeom>
+            <a:noFill/>
+          </p:spPr>
+          <p:txBody>
+            <a:bodyPr wrap="square" rtlCol="0">
+              <a:spAutoFit/>
+            </a:bodyPr>
+            <a:lstStyle/>
+            <a:p>
+              <a:pPr algn="ctr"/>
+              <a:r>
+                <a:rPr lang="ja-JP" altLang="en-US" sz="2400" b="1" dirty="0">
+                  <a:latin typeface="Meiryo UI" panose="020B0604030504040204" pitchFamily="50" charset="-128"/>
+                  <a:ea typeface="Meiryo UI" panose="020B0604030504040204" pitchFamily="50" charset="-128"/>
+                </a:rPr>
+                <a:t>共有</a:t>
+              </a:r>
+              <a:r>
+                <a:rPr lang="en-US" altLang="ja-JP" sz="2400" b="1" dirty="0">
+                  <a:latin typeface="Meiryo UI" panose="020B0604030504040204" pitchFamily="50" charset="-128"/>
+                  <a:ea typeface="Meiryo UI" panose="020B0604030504040204" pitchFamily="50" charset="-128"/>
+                </a:rPr>
+                <a:t>Wallet</a:t>
+              </a:r>
+            </a:p>
+            <a:p>
+              <a:pPr algn="ctr"/>
+              <a:r>
+                <a:rPr lang="ja-JP" altLang="en-US" dirty="0">
+                  <a:latin typeface="Meiryo UI" panose="020B0604030504040204" pitchFamily="50" charset="-128"/>
+                  <a:ea typeface="Meiryo UI" panose="020B0604030504040204" pitchFamily="50" charset="-128"/>
+                </a:rPr>
+                <a:t>・投資家</a:t>
+              </a:r>
+              <a:r>
+                <a:rPr lang="ja-JP" altLang="en-US">
+                  <a:latin typeface="Meiryo UI" panose="020B0604030504040204" pitchFamily="50" charset="-128"/>
+                  <a:ea typeface="Meiryo UI" panose="020B0604030504040204" pitchFamily="50" charset="-128"/>
+                </a:rPr>
+                <a:t>の合意で</a:t>
+              </a:r>
+              <a:r>
+                <a:rPr lang="ja-JP" altLang="en-US" dirty="0">
+                  <a:latin typeface="Meiryo UI" panose="020B0604030504040204" pitchFamily="50" charset="-128"/>
+                  <a:ea typeface="Meiryo UI" panose="020B0604030504040204" pitchFamily="50" charset="-128"/>
+                </a:rPr>
+                <a:t>のみ資産の移動が可能</a:t>
+              </a:r>
+              <a:endParaRPr lang="en-US" altLang="ja-JP" sz="1400" dirty="0">
+                <a:latin typeface="Meiryo UI" panose="020B0604030504040204" pitchFamily="50" charset="-128"/>
+                <a:ea typeface="Meiryo UI" panose="020B0604030504040204" pitchFamily="50" charset="-128"/>
+              </a:endParaRPr>
+            </a:p>
+          </p:txBody>
+        </p:sp>
+      </p:grpSp>
+      <p:sp>
+        <p:nvSpPr>
+          <p:cNvPr id="4" name="正方形/長方形 3">
+            <a:extLst>
+              <a:ext uri="{FF2B5EF4-FFF2-40B4-BE49-F238E27FC236}">
+                <a16:creationId xmlns:a16="http://schemas.microsoft.com/office/drawing/2014/main" id="{5CEBC008-BEF6-9230-978F-80B835CCD97A}"/>
+              </a:ext>
+            </a:extLst>
+          </p:cNvPr>
+          <p:cNvSpPr/>
+          <p:nvPr/>
+        </p:nvSpPr>
+        <p:spPr>
+          <a:xfrm>
+            <a:off x="1882067" y="2112883"/>
+            <a:ext cx="4507158" cy="2437601"/>
+          </a:xfrm>
+          <a:prstGeom prst="rect">
+            <a:avLst/>
+          </a:prstGeom>
+          <a:noFill/>
+          <a:ln w="38100">
+            <a:solidFill>
+              <a:srgbClr val="FF0000"/>
+            </a:solidFill>
+            <a:prstDash val="dash"/>
+          </a:ln>
+        </p:spPr>
+        <p:style>
+          <a:lnRef idx="2">
+            <a:schemeClr val="accent1">
+              <a:shade val="50000"/>
+            </a:schemeClr>
+          </a:lnRef>
+          <a:fillRef idx="1">
+            <a:schemeClr val="accent1"/>
+          </a:fillRef>
+          <a:effectRef idx="0">
+            <a:schemeClr val="accent1"/>
+          </a:effectRef>
+          <a:fontRef idx="minor">
+            <a:schemeClr val="lt1"/>
+          </a:fontRef>
+        </p:style>
+        <p:txBody>
+          <a:bodyPr rtlCol="0" anchor="ctr"/>
+          <a:lstStyle/>
+          <a:p>
+            <a:pPr algn="ctr"/>
+            <a:endParaRPr kumimoji="1" lang="ja-JP" altLang="en-US"/>
+          </a:p>
+        </p:txBody>
+      </p:sp>
+      <p:sp>
+        <p:nvSpPr>
+          <p:cNvPr id="5" name="吹き出し: 四角形 4">
+            <a:extLst>
+              <a:ext uri="{FF2B5EF4-FFF2-40B4-BE49-F238E27FC236}">
+                <a16:creationId xmlns:a16="http://schemas.microsoft.com/office/drawing/2014/main" id="{E73F91FF-3EA7-E89A-788F-16BA8D4F20F5}"/>
+              </a:ext>
+            </a:extLst>
+          </p:cNvPr>
+          <p:cNvSpPr/>
+          <p:nvPr/>
+        </p:nvSpPr>
+        <p:spPr>
+          <a:xfrm>
+            <a:off x="468390" y="5529759"/>
+            <a:ext cx="8976946" cy="1217870"/>
+          </a:xfrm>
+          <a:prstGeom prst="wedgeRectCallout">
+            <a:avLst>
+              <a:gd name="adj1" fmla="val -21999"/>
+              <a:gd name="adj2" fmla="val -126075"/>
+            </a:avLst>
+          </a:prstGeom>
+          <a:solidFill>
+            <a:schemeClr val="accent1">
+              <a:lumMod val="40000"/>
+              <a:lumOff val="60000"/>
+              <a:alpha val="50000"/>
+            </a:schemeClr>
+          </a:solidFill>
+          <a:ln w="38100">
+            <a:solidFill>
+              <a:srgbClr val="002060"/>
+            </a:solidFill>
+          </a:ln>
+        </p:spPr>
+        <p:style>
+          <a:lnRef idx="2">
+            <a:schemeClr val="accent1">
+              <a:shade val="50000"/>
+            </a:schemeClr>
+          </a:lnRef>
+          <a:fillRef idx="1">
+            <a:schemeClr val="accent1"/>
+          </a:fillRef>
+          <a:effectRef idx="0">
+            <a:schemeClr val="accent1"/>
+          </a:effectRef>
+          <a:fontRef idx="minor">
+            <a:schemeClr val="lt1"/>
+          </a:fontRef>
+        </p:style>
+        <p:txBody>
+          <a:bodyPr rtlCol="0" anchor="ctr"/>
+          <a:lstStyle/>
+          <a:p>
+            <a:r>
+              <a:rPr kumimoji="1" lang="ja-JP" altLang="en-US" dirty="0">
+                <a:solidFill>
+                  <a:schemeClr val="tx1"/>
+                </a:solidFill>
+                <a:latin typeface="Meiryo UI" panose="020B0604030504040204" pitchFamily="50" charset="-128"/>
+                <a:ea typeface="Meiryo UI" panose="020B0604030504040204" pitchFamily="50" charset="-128"/>
+              </a:rPr>
+              <a:t>今回実装したプロトタイプ</a:t>
+            </a:r>
+            <a:r>
+              <a:rPr lang="ja-JP" altLang="en-US" dirty="0">
+                <a:solidFill>
+                  <a:schemeClr val="tx1"/>
+                </a:solidFill>
+                <a:latin typeface="Meiryo UI" panose="020B0604030504040204" pitchFamily="50" charset="-128"/>
+                <a:ea typeface="Meiryo UI" panose="020B0604030504040204" pitchFamily="50" charset="-128"/>
+              </a:rPr>
+              <a:t>（スマートコントラクトのみ）</a:t>
+            </a:r>
+            <a:endParaRPr kumimoji="1" lang="en-US" altLang="ja-JP" dirty="0">
+              <a:solidFill>
+                <a:schemeClr val="tx1"/>
+              </a:solidFill>
+              <a:latin typeface="Meiryo UI" panose="020B0604030504040204" pitchFamily="50" charset="-128"/>
+              <a:ea typeface="Meiryo UI" panose="020B0604030504040204" pitchFamily="50" charset="-128"/>
+            </a:endParaRPr>
+          </a:p>
+          <a:p>
+            <a:pPr marL="285750" indent="-285750">
+              <a:buFont typeface="Wingdings" panose="05000000000000000000" pitchFamily="2" charset="2"/>
+              <a:buChar char="l"/>
+            </a:pPr>
+            <a:r>
+              <a:rPr lang="ja-JP" altLang="en-US" dirty="0">
+                <a:solidFill>
+                  <a:schemeClr val="tx1"/>
+                </a:solidFill>
+                <a:latin typeface="Meiryo UI" panose="020B0604030504040204" pitchFamily="50" charset="-128"/>
+                <a:ea typeface="Meiryo UI" panose="020B0604030504040204" pitchFamily="50" charset="-128"/>
+              </a:rPr>
+              <a:t>新規ファンドの組成申請</a:t>
+            </a:r>
+            <a:endParaRPr lang="en-US" altLang="ja-JP" dirty="0">
+              <a:solidFill>
+                <a:schemeClr val="tx1"/>
+              </a:solidFill>
+              <a:latin typeface="Meiryo UI" panose="020B0604030504040204" pitchFamily="50" charset="-128"/>
+              <a:ea typeface="Meiryo UI" panose="020B0604030504040204" pitchFamily="50" charset="-128"/>
+            </a:endParaRPr>
+          </a:p>
+          <a:p>
+            <a:pPr marL="285750" indent="-285750">
+              <a:buFont typeface="Wingdings" panose="05000000000000000000" pitchFamily="2" charset="2"/>
+              <a:buChar char="l"/>
+            </a:pPr>
+            <a:r>
+              <a:rPr kumimoji="1" lang="ja-JP" altLang="en-US" dirty="0">
+                <a:solidFill>
+                  <a:schemeClr val="tx1"/>
+                </a:solidFill>
+                <a:latin typeface="Meiryo UI" panose="020B0604030504040204" pitchFamily="50" charset="-128"/>
+                <a:ea typeface="Meiryo UI" panose="020B0604030504040204" pitchFamily="50" charset="-128"/>
+              </a:rPr>
+              <a:t>トークンの発行</a:t>
+            </a:r>
+            <a:endParaRPr kumimoji="1" lang="en-US" altLang="ja-JP" dirty="0">
+              <a:solidFill>
+                <a:schemeClr val="tx1"/>
+              </a:solidFill>
+              <a:latin typeface="Meiryo UI" panose="020B0604030504040204" pitchFamily="50" charset="-128"/>
+              <a:ea typeface="Meiryo UI" panose="020B0604030504040204" pitchFamily="50" charset="-128"/>
+            </a:endParaRPr>
+          </a:p>
+          <a:p>
+            <a:pPr marL="285750" indent="-285750">
+              <a:buFont typeface="Wingdings" panose="05000000000000000000" pitchFamily="2" charset="2"/>
+              <a:buChar char="l"/>
+            </a:pPr>
+            <a:r>
+              <a:rPr lang="ja-JP" altLang="en-US" dirty="0">
+                <a:solidFill>
+                  <a:schemeClr val="tx1"/>
+                </a:solidFill>
+                <a:latin typeface="Meiryo UI" panose="020B0604030504040204" pitchFamily="50" charset="-128"/>
+                <a:ea typeface="Meiryo UI" panose="020B0604030504040204" pitchFamily="50" charset="-128"/>
+              </a:rPr>
+              <a:t>トークンの償還</a:t>
+            </a:r>
+            <a:endParaRPr kumimoji="1" lang="en-US" altLang="ja-JP" dirty="0">
+              <a:solidFill>
+                <a:schemeClr val="tx1"/>
+              </a:solidFill>
+              <a:latin typeface="Meiryo UI" panose="020B0604030504040204" pitchFamily="50" charset="-128"/>
+              <a:ea typeface="Meiryo UI" panose="020B0604030504040204" pitchFamily="50" charset="-128"/>
+            </a:endParaRPr>
+          </a:p>
+        </p:txBody>
+      </p:sp>
+    </p:spTree>
+    <p:extLst>
+      <p:ext uri="{BB962C8B-B14F-4D97-AF65-F5344CB8AC3E}">
+        <p14:creationId xmlns:p14="http://schemas.microsoft.com/office/powerpoint/2010/main" val="1178383288"/>
+      </p:ext>
+    </p:extLst>
+  </p:cSld>
+  <p:clrMapOvr>
+    <a:masterClrMapping/>
+  </p:clrMapOvr>
+</p:sld>
+</file>
+
 <file path=ppt/theme/theme1.xml><?xml version="1.0" encoding="utf-8"?>
 <a:theme xmlns:a="http://schemas.openxmlformats.org/drawingml/2006/main" name="Office テーマ">
   <a:themeElements>

--- a/TokyoWeb3Hackathon_dFund_Concept.pptx
+++ b/TokyoWeb3Hackathon_dFund_Concept.pptx
@@ -5,14 +5,15 @@
     <p:sldMasterId id="2147483648" r:id="rId1"/>
   </p:sldMasterIdLst>
   <p:notesMasterIdLst>
-    <p:notesMasterId r:id="rId7"/>
+    <p:notesMasterId r:id="rId8"/>
   </p:notesMasterIdLst>
   <p:sldIdLst>
     <p:sldId id="264" r:id="rId2"/>
     <p:sldId id="265" r:id="rId3"/>
     <p:sldId id="257" r:id="rId4"/>
-    <p:sldId id="269" r:id="rId5"/>
+    <p:sldId id="271" r:id="rId5"/>
     <p:sldId id="267" r:id="rId6"/>
+    <p:sldId id="270" r:id="rId7"/>
   </p:sldIdLst>
   <p:sldSz cx="12192000" cy="6858000"/>
   <p:notesSz cx="6858000" cy="9144000"/>
@@ -201,7 +202,7 @@
           <a:p>
             <a:fld id="{C1F0BA84-6281-4DDD-BF4B-59AD053AC2E5}" type="datetimeFigureOut">
               <a:rPr kumimoji="1" lang="ja-JP" altLang="en-US" smtClean="0"/>
-              <a:t>2022/11/9</a:t>
+              <a:t>2022/11/12</a:t>
             </a:fld>
             <a:endParaRPr kumimoji="1" lang="ja-JP" altLang="en-US"/>
           </a:p>
@@ -826,7 +827,7 @@
     </p:spTree>
     <p:extLst>
       <p:ext uri="{BB962C8B-B14F-4D97-AF65-F5344CB8AC3E}">
-        <p14:creationId xmlns:p14="http://schemas.microsoft.com/office/powerpoint/2010/main" val="2465277825"/>
+        <p14:creationId xmlns:p14="http://schemas.microsoft.com/office/powerpoint/2010/main" val="474281836"/>
       </p:ext>
     </p:extLst>
   </p:cSld>
@@ -911,6 +912,90 @@
     <p:extLst>
       <p:ext uri="{BB962C8B-B14F-4D97-AF65-F5344CB8AC3E}">
         <p14:creationId xmlns:p14="http://schemas.microsoft.com/office/powerpoint/2010/main" val="179159511"/>
+      </p:ext>
+    </p:extLst>
+  </p:cSld>
+  <p:clrMapOvr>
+    <a:masterClrMapping/>
+  </p:clrMapOvr>
+</p:notes>
+</file>
+
+<file path=ppt/notesSlides/notesSlide6.xml><?xml version="1.0" encoding="utf-8"?>
+<p:notes xmlns:a="http://schemas.openxmlformats.org/drawingml/2006/main" xmlns:r="http://schemas.openxmlformats.org/officeDocument/2006/relationships" xmlns:p="http://schemas.openxmlformats.org/presentationml/2006/main">
+  <p:cSld>
+    <p:spTree>
+      <p:nvGrpSpPr>
+        <p:cNvPr id="1" name=""/>
+        <p:cNvGrpSpPr/>
+        <p:nvPr/>
+      </p:nvGrpSpPr>
+      <p:grpSpPr>
+        <a:xfrm>
+          <a:off x="0" y="0"/>
+          <a:ext cx="0" cy="0"/>
+          <a:chOff x="0" y="0"/>
+          <a:chExt cx="0" cy="0"/>
+        </a:xfrm>
+      </p:grpSpPr>
+      <p:sp>
+        <p:nvSpPr>
+          <p:cNvPr id="2" name="スライド イメージ プレースホルダー 1"/>
+          <p:cNvSpPr>
+            <a:spLocks noGrp="1" noRot="1" noChangeAspect="1"/>
+          </p:cNvSpPr>
+          <p:nvPr>
+            <p:ph type="sldImg"/>
+          </p:nvPr>
+        </p:nvSpPr>
+        <p:spPr/>
+      </p:sp>
+      <p:sp>
+        <p:nvSpPr>
+          <p:cNvPr id="3" name="ノート プレースホルダー 2"/>
+          <p:cNvSpPr>
+            <a:spLocks noGrp="1"/>
+          </p:cNvSpPr>
+          <p:nvPr>
+            <p:ph type="body" idx="1"/>
+          </p:nvPr>
+        </p:nvSpPr>
+        <p:spPr/>
+        <p:txBody>
+          <a:bodyPr/>
+          <a:lstStyle/>
+          <a:p>
+            <a:endParaRPr kumimoji="1" lang="ja-JP" altLang="en-US" dirty="0"/>
+          </a:p>
+        </p:txBody>
+      </p:sp>
+      <p:sp>
+        <p:nvSpPr>
+          <p:cNvPr id="4" name="スライド番号プレースホルダー 3"/>
+          <p:cNvSpPr>
+            <a:spLocks noGrp="1"/>
+          </p:cNvSpPr>
+          <p:nvPr>
+            <p:ph type="sldNum" sz="quarter" idx="5"/>
+          </p:nvPr>
+        </p:nvSpPr>
+        <p:spPr/>
+        <p:txBody>
+          <a:bodyPr/>
+          <a:lstStyle/>
+          <a:p>
+            <a:fld id="{0B9ADECB-21F5-4D49-A591-AF1B4B343C46}" type="slidenum">
+              <a:rPr kumimoji="1" lang="ja-JP" altLang="en-US" smtClean="0"/>
+              <a:t>6</a:t>
+            </a:fld>
+            <a:endParaRPr kumimoji="1" lang="ja-JP" altLang="en-US"/>
+          </a:p>
+        </p:txBody>
+      </p:sp>
+    </p:spTree>
+    <p:extLst>
+      <p:ext uri="{BB962C8B-B14F-4D97-AF65-F5344CB8AC3E}">
+        <p14:creationId xmlns:p14="http://schemas.microsoft.com/office/powerpoint/2010/main" val="2880915929"/>
       </p:ext>
     </p:extLst>
   </p:cSld>
@@ -4186,22 +4271,15 @@
           <a:p>
             <a:pPr algn="ctr"/>
             <a:r>
-              <a:rPr lang="en-US" altLang="ja-JP" sz="2800" dirty="0">
+              <a:rPr kumimoji="1" lang="ja-JP" altLang="en-US" sz="2800" dirty="0">
                 <a:solidFill>
                   <a:schemeClr val="tx1"/>
                 </a:solidFill>
                 <a:latin typeface="Meiryo UI" panose="020B0604030504040204" pitchFamily="50" charset="-128"/>
                 <a:ea typeface="Meiryo UI" panose="020B0604030504040204" pitchFamily="50" charset="-128"/>
               </a:rPr>
-              <a:t>Fund Scheme</a:t>
-            </a:r>
-            <a:endParaRPr kumimoji="1" lang="ja-JP" altLang="en-US" sz="2800" dirty="0">
-              <a:solidFill>
-                <a:schemeClr val="tx1"/>
-              </a:solidFill>
-              <a:latin typeface="Meiryo UI" panose="020B0604030504040204" pitchFamily="50" charset="-128"/>
-              <a:ea typeface="Meiryo UI" panose="020B0604030504040204" pitchFamily="50" charset="-128"/>
-            </a:endParaRPr>
+              <a:t>ファンドの仕組み</a:t>
+            </a:r>
           </a:p>
         </p:txBody>
       </p:sp>
@@ -4362,12 +4440,8 @@
               <a:t>～</a:t>
             </a:r>
             <a:r>
-              <a:rPr kumimoji="1" lang="en-US" altLang="ja-JP" sz="3600" b="0" dirty="0"/>
-              <a:t>Web</a:t>
-            </a:r>
-            <a:r>
               <a:rPr lang="ja-JP" altLang="en-US" sz="3600" b="0" dirty="0"/>
-              <a:t>アプリケーション </a:t>
+              <a:t>スマートコントラクト </a:t>
             </a:r>
             <a:r>
               <a:rPr lang="en-US" altLang="ja-JP" sz="3600" b="0" dirty="0"/>
@@ -5268,6 +5342,16 @@
           <a:lstStyle/>
           <a:p>
             <a:r>
+              <a:rPr kumimoji="1" lang="ja-JP" altLang="en-US" sz="2800" dirty="0">
+                <a:solidFill>
+                  <a:schemeClr val="tx1"/>
+                </a:solidFill>
+                <a:latin typeface="Meiryo UI" panose="020B0604030504040204" pitchFamily="50" charset="-128"/>
+                <a:ea typeface="Meiryo UI" panose="020B0604030504040204" pitchFamily="50" charset="-128"/>
+              </a:rPr>
+              <a:t>ファンドの機能を実装したスマートコントラクト </a:t>
+            </a:r>
+            <a:r>
               <a:rPr kumimoji="1" lang="en-US" altLang="ja-JP" sz="2800" dirty="0">
                 <a:solidFill>
                   <a:schemeClr val="tx1"/>
@@ -5275,7 +5359,37 @@
                 <a:latin typeface="Meiryo UI" panose="020B0604030504040204" pitchFamily="50" charset="-128"/>
                 <a:ea typeface="Meiryo UI" panose="020B0604030504040204" pitchFamily="50" charset="-128"/>
               </a:rPr>
-              <a:t>Web</a:t>
+              <a:t>“</a:t>
+            </a:r>
+            <a:r>
+              <a:rPr kumimoji="1" lang="en-US" altLang="ja-JP" sz="2800" dirty="0" err="1">
+                <a:solidFill>
+                  <a:schemeClr val="tx1"/>
+                </a:solidFill>
+                <a:latin typeface="Meiryo UI" panose="020B0604030504040204" pitchFamily="50" charset="-128"/>
+                <a:ea typeface="Meiryo UI" panose="020B0604030504040204" pitchFamily="50" charset="-128"/>
+              </a:rPr>
+              <a:t>dFund</a:t>
+            </a:r>
+            <a:r>
+              <a:rPr kumimoji="1" lang="en-US" altLang="ja-JP" sz="2800" dirty="0">
+                <a:solidFill>
+                  <a:schemeClr val="tx1"/>
+                </a:solidFill>
+                <a:latin typeface="Meiryo UI" panose="020B0604030504040204" pitchFamily="50" charset="-128"/>
+                <a:ea typeface="Meiryo UI" panose="020B0604030504040204" pitchFamily="50" charset="-128"/>
+              </a:rPr>
+              <a:t>”</a:t>
+            </a:r>
+            <a:r>
+              <a:rPr kumimoji="1" lang="ja-JP" altLang="en-US" sz="2800" dirty="0">
+                <a:solidFill>
+                  <a:schemeClr val="tx1"/>
+                </a:solidFill>
+                <a:latin typeface="Meiryo UI" panose="020B0604030504040204" pitchFamily="50" charset="-128"/>
+                <a:ea typeface="Meiryo UI" panose="020B0604030504040204" pitchFamily="50" charset="-128"/>
+              </a:rPr>
+              <a:t> を</a:t>
             </a:r>
             <a:r>
               <a:rPr lang="ja-JP" altLang="en-US" sz="2800" dirty="0">
@@ -5285,17 +5399,7 @@
                 <a:latin typeface="Meiryo UI" panose="020B0604030504040204" pitchFamily="50" charset="-128"/>
                 <a:ea typeface="Meiryo UI" panose="020B0604030504040204" pitchFamily="50" charset="-128"/>
               </a:rPr>
-              <a:t>アプリケーションによって、</a:t>
-            </a:r>
-            <a:r>
-              <a:rPr kumimoji="1" lang="ja-JP" altLang="en-US" sz="2800" dirty="0">
-                <a:solidFill>
-                  <a:schemeClr val="tx1"/>
-                </a:solidFill>
-                <a:latin typeface="Meiryo UI" panose="020B0604030504040204" pitchFamily="50" charset="-128"/>
-                <a:ea typeface="Meiryo UI" panose="020B0604030504040204" pitchFamily="50" charset="-128"/>
-              </a:rPr>
-              <a:t>ファンドの機能を実装したスマートコントラクトをデプロイ</a:t>
+              <a:t>ブロックチェーン上で管理</a:t>
             </a:r>
             <a:endParaRPr lang="en-US" altLang="ja-JP" sz="2800" dirty="0">
               <a:solidFill>
@@ -5440,7 +5544,7 @@
                 <a:latin typeface="Meiryo UI" panose="020B0604030504040204" pitchFamily="50" charset="-128"/>
                 <a:ea typeface="Meiryo UI" panose="020B0604030504040204" pitchFamily="50" charset="-128"/>
               </a:rPr>
-              <a:t>①ファンドの登録</a:t>
+              <a:t>①ファンドの登録 </a:t>
             </a:r>
             <a:r>
               <a:rPr lang="ja-JP" altLang="en-US" sz="2400" dirty="0">
@@ -5453,6 +5557,16 @@
               <a:t>→ </a:t>
             </a:r>
             <a:r>
+              <a:rPr lang="en-US" altLang="ja-JP" sz="2400" b="1" dirty="0" err="1">
+                <a:solidFill>
+                  <a:schemeClr val="tx1"/>
+                </a:solidFill>
+                <a:latin typeface="Meiryo UI" panose="020B0604030504040204" pitchFamily="50" charset="-128"/>
+                <a:ea typeface="Meiryo UI" panose="020B0604030504040204" pitchFamily="50" charset="-128"/>
+              </a:rPr>
+              <a:t>dFund</a:t>
+            </a:r>
+            <a:r>
               <a:rPr lang="ja-JP" altLang="en-US" sz="2400" b="1" dirty="0">
                 <a:solidFill>
                   <a:schemeClr val="tx1"/>
@@ -5460,7 +5574,7 @@
                 <a:latin typeface="Meiryo UI" panose="020B0604030504040204" pitchFamily="50" charset="-128"/>
                 <a:ea typeface="Meiryo UI" panose="020B0604030504040204" pitchFamily="50" charset="-128"/>
               </a:rPr>
-              <a:t>スマートコントラクトをデプロイ</a:t>
+              <a:t>をデプロイ</a:t>
             </a:r>
             <a:r>
               <a:rPr lang="ja-JP" altLang="en-US" sz="2400" dirty="0">
@@ -5470,7 +5584,7 @@
                 <a:latin typeface="Meiryo UI" panose="020B0604030504040204" pitchFamily="50" charset="-128"/>
                 <a:ea typeface="Meiryo UI" panose="020B0604030504040204" pitchFamily="50" charset="-128"/>
               </a:rPr>
-              <a:t>→ </a:t>
+              <a:t> → </a:t>
             </a:r>
             <a:r>
               <a:rPr lang="ja-JP" altLang="en-US" sz="2400" u="sng" dirty="0">
@@ -5822,26 +5936,6 @@
           <a:p>
             <a:pPr algn="ctr"/>
             <a:r>
-              <a:rPr kumimoji="1" lang="en-US" altLang="ja-JP" sz="2800" b="1" dirty="0" err="1">
-                <a:solidFill>
-                  <a:schemeClr val="bg1"/>
-                </a:solidFill>
-                <a:latin typeface="Meiryo UI" panose="020B0604030504040204" pitchFamily="50" charset="-128"/>
-                <a:ea typeface="Meiryo UI" panose="020B0604030504040204" pitchFamily="50" charset="-128"/>
-              </a:rPr>
-              <a:t>dFund</a:t>
-            </a:r>
-            <a:endParaRPr kumimoji="1" lang="en-US" altLang="ja-JP" sz="2800" b="1" dirty="0">
-              <a:solidFill>
-                <a:schemeClr val="bg1"/>
-              </a:solidFill>
-              <a:latin typeface="Meiryo UI" panose="020B0604030504040204" pitchFamily="50" charset="-128"/>
-              <a:ea typeface="Meiryo UI" panose="020B0604030504040204" pitchFamily="50" charset="-128"/>
-            </a:endParaRPr>
-          </a:p>
-          <a:p>
-            <a:pPr algn="ctr"/>
-            <a:r>
               <a:rPr kumimoji="1" lang="en-US" altLang="ja-JP" sz="2000" b="1" dirty="0">
                 <a:solidFill>
                   <a:schemeClr val="bg1"/>
@@ -5957,11 +6051,11 @@
           <a:p>
             <a:pPr algn="ctr"/>
             <a:r>
-              <a:rPr kumimoji="1" lang="ja-JP" altLang="en-US" sz="3200" b="1" dirty="0">
-                <a:latin typeface="Meiryo UI" panose="020B0604030504040204" pitchFamily="50" charset="-128"/>
-                <a:ea typeface="Meiryo UI" panose="020B0604030504040204" pitchFamily="50" charset="-128"/>
-              </a:rPr>
-              <a:t>デプロイ</a:t>
+              <a:rPr kumimoji="1" lang="en-US" altLang="ja-JP" sz="3200" b="1" dirty="0">
+                <a:latin typeface="Meiryo UI" panose="020B0604030504040204" pitchFamily="50" charset="-128"/>
+                <a:ea typeface="Meiryo UI" panose="020B0604030504040204" pitchFamily="50" charset="-128"/>
+              </a:rPr>
+              <a:t>Deploy</a:t>
             </a:r>
             <a:endParaRPr kumimoji="1" lang="ja-JP" altLang="en-US" sz="2000" b="1" dirty="0">
               <a:latin typeface="Meiryo UI" panose="020B0604030504040204" pitchFamily="50" charset="-128"/>
@@ -6110,11 +6204,11 @@
           <a:p>
             <a:pPr algn="ctr"/>
             <a:r>
-              <a:rPr kumimoji="1" lang="ja-JP" altLang="en-US" sz="2800" b="1" dirty="0">
-                <a:latin typeface="Meiryo UI" panose="020B0604030504040204" pitchFamily="50" charset="-128"/>
-                <a:ea typeface="Meiryo UI" panose="020B0604030504040204" pitchFamily="50" charset="-128"/>
-              </a:rPr>
-              <a:t>スマート</a:t>
+              <a:rPr kumimoji="1" lang="en-US" altLang="ja-JP" sz="2800" b="1" dirty="0" err="1">
+                <a:latin typeface="Meiryo UI" panose="020B0604030504040204" pitchFamily="50" charset="-128"/>
+                <a:ea typeface="Meiryo UI" panose="020B0604030504040204" pitchFamily="50" charset="-128"/>
+              </a:rPr>
+              <a:t>dFund</a:t>
             </a:r>
             <a:endParaRPr kumimoji="1" lang="en-US" altLang="ja-JP" sz="2800" b="1" dirty="0">
               <a:latin typeface="Meiryo UI" panose="020B0604030504040204" pitchFamily="50" charset="-128"/>
@@ -6124,13 +6218,27 @@
           <a:p>
             <a:pPr algn="ctr"/>
             <a:r>
-              <a:rPr kumimoji="1" lang="ja-JP" altLang="en-US" sz="2800" b="1" dirty="0">
+              <a:rPr kumimoji="1" lang="ja-JP" altLang="en-US" sz="2000" b="1" dirty="0">
+                <a:latin typeface="Meiryo UI" panose="020B0604030504040204" pitchFamily="50" charset="-128"/>
+                <a:ea typeface="Meiryo UI" panose="020B0604030504040204" pitchFamily="50" charset="-128"/>
+              </a:rPr>
+              <a:t>スマート</a:t>
+            </a:r>
+            <a:endParaRPr kumimoji="1" lang="en-US" altLang="ja-JP" sz="2000" b="1" dirty="0">
+              <a:latin typeface="Meiryo UI" panose="020B0604030504040204" pitchFamily="50" charset="-128"/>
+              <a:ea typeface="Meiryo UI" panose="020B0604030504040204" pitchFamily="50" charset="-128"/>
+            </a:endParaRPr>
+          </a:p>
+          <a:p>
+            <a:pPr algn="ctr"/>
+            <a:r>
+              <a:rPr kumimoji="1" lang="ja-JP" altLang="en-US" sz="2000" b="1" dirty="0">
                 <a:latin typeface="Meiryo UI" panose="020B0604030504040204" pitchFamily="50" charset="-128"/>
                 <a:ea typeface="Meiryo UI" panose="020B0604030504040204" pitchFamily="50" charset="-128"/>
               </a:rPr>
               <a:t>コントラクト</a:t>
             </a:r>
-            <a:endParaRPr kumimoji="1" lang="en-US" altLang="ja-JP" sz="2800" b="1" dirty="0">
+            <a:endParaRPr kumimoji="1" lang="en-US" altLang="ja-JP" sz="2000" b="1" dirty="0">
               <a:latin typeface="Meiryo UI" panose="020B0604030504040204" pitchFamily="50" charset="-128"/>
               <a:ea typeface="Meiryo UI" panose="020B0604030504040204" pitchFamily="50" charset="-128"/>
             </a:endParaRPr>
@@ -6500,50 +6608,6 @@
       </p:sp>
       <p:cxnSp>
         <p:nvCxnSpPr>
-          <p:cNvPr id="3" name="直線矢印コネクタ 2">
-            <a:extLst>
-              <a:ext uri="{FF2B5EF4-FFF2-40B4-BE49-F238E27FC236}">
-                <a16:creationId xmlns:a16="http://schemas.microsoft.com/office/drawing/2014/main" id="{9A825C23-33DF-C1EB-3716-B4A5615C4BAC}"/>
-              </a:ext>
-            </a:extLst>
-          </p:cNvPr>
-          <p:cNvCxnSpPr>
-            <a:cxnSpLocks/>
-          </p:cNvCxnSpPr>
-          <p:nvPr/>
-        </p:nvCxnSpPr>
-        <p:spPr>
-          <a:xfrm flipV="1">
-            <a:off x="908157" y="1278934"/>
-            <a:ext cx="0" cy="5040000"/>
-          </a:xfrm>
-          <a:prstGeom prst="straightConnector1">
-            <a:avLst/>
-          </a:prstGeom>
-          <a:ln w="127000">
-            <a:solidFill>
-              <a:schemeClr val="tx1"/>
-            </a:solidFill>
-            <a:tailEnd type="triangle"/>
-          </a:ln>
-        </p:spPr>
-        <p:style>
-          <a:lnRef idx="1">
-            <a:schemeClr val="accent1"/>
-          </a:lnRef>
-          <a:fillRef idx="0">
-            <a:schemeClr val="accent1"/>
-          </a:fillRef>
-          <a:effectRef idx="0">
-            <a:schemeClr val="accent1"/>
-          </a:effectRef>
-          <a:fontRef idx="minor">
-            <a:schemeClr val="tx1"/>
-          </a:fontRef>
-        </p:style>
-      </p:cxnSp>
-      <p:cxnSp>
-        <p:nvCxnSpPr>
           <p:cNvPr id="6" name="直線矢印コネクタ 5">
             <a:extLst>
               <a:ext uri="{FF2B5EF4-FFF2-40B4-BE49-F238E27FC236}">
@@ -6558,15 +6622,15 @@
         </p:nvCxnSpPr>
         <p:spPr>
           <a:xfrm>
-            <a:off x="971362" y="6256630"/>
-            <a:ext cx="10800000" cy="0"/>
+            <a:off x="4206908" y="5634744"/>
+            <a:ext cx="7560000" cy="0"/>
           </a:xfrm>
           <a:prstGeom prst="straightConnector1">
             <a:avLst/>
           </a:prstGeom>
-          <a:ln w="127000">
+          <a:ln w="76200">
             <a:solidFill>
-              <a:srgbClr val="FFC000"/>
+              <a:schemeClr val="tx1"/>
             </a:solidFill>
             <a:tailEnd type="triangle"/>
           </a:ln>
@@ -6588,116 +6652,6 @@
       </p:cxnSp>
       <p:sp>
         <p:nvSpPr>
-          <p:cNvPr id="9" name="テキスト ボックス 8">
-            <a:extLst>
-              <a:ext uri="{FF2B5EF4-FFF2-40B4-BE49-F238E27FC236}">
-                <a16:creationId xmlns:a16="http://schemas.microsoft.com/office/drawing/2014/main" id="{752B9CE1-ED3B-C70E-59D2-0BE3160FAE2F}"/>
-              </a:ext>
-            </a:extLst>
-          </p:cNvPr>
-          <p:cNvSpPr txBox="1"/>
-          <p:nvPr/>
-        </p:nvSpPr>
-        <p:spPr>
-          <a:xfrm>
-            <a:off x="9602126" y="5627048"/>
-            <a:ext cx="2217010" cy="523220"/>
-          </a:xfrm>
-          <a:prstGeom prst="rect">
-            <a:avLst/>
-          </a:prstGeom>
-          <a:noFill/>
-        </p:spPr>
-        <p:txBody>
-          <a:bodyPr wrap="square" rtlCol="0">
-            <a:spAutoFit/>
-          </a:bodyPr>
-          <a:lstStyle/>
-          <a:p>
-            <a:pPr algn="ctr"/>
-            <a:r>
-              <a:rPr kumimoji="1" lang="ja-JP" altLang="en-US" sz="2800" b="1" dirty="0">
-                <a:solidFill>
-                  <a:schemeClr val="accent4">
-                    <a:lumMod val="75000"/>
-                  </a:schemeClr>
-                </a:solidFill>
-                <a:latin typeface="Meiryo UI" panose="020B0604030504040204" pitchFamily="50" charset="-128"/>
-                <a:ea typeface="Meiryo UI" panose="020B0604030504040204" pitchFamily="50" charset="-128"/>
-              </a:rPr>
-              <a:t>機能拡張</a:t>
-            </a:r>
-            <a:endParaRPr kumimoji="1" lang="ja-JP" altLang="en-US" b="1" dirty="0">
-              <a:solidFill>
-                <a:schemeClr val="accent4">
-                  <a:lumMod val="75000"/>
-                </a:schemeClr>
-              </a:solidFill>
-              <a:latin typeface="Meiryo UI" panose="020B0604030504040204" pitchFamily="50" charset="-128"/>
-              <a:ea typeface="Meiryo UI" panose="020B0604030504040204" pitchFamily="50" charset="-128"/>
-            </a:endParaRPr>
-          </a:p>
-        </p:txBody>
-      </p:sp>
-      <p:sp>
-        <p:nvSpPr>
-          <p:cNvPr id="10" name="テキスト ボックス 9">
-            <a:extLst>
-              <a:ext uri="{FF2B5EF4-FFF2-40B4-BE49-F238E27FC236}">
-                <a16:creationId xmlns:a16="http://schemas.microsoft.com/office/drawing/2014/main" id="{CBE98B48-6DCD-1761-6331-7762CB1D6189}"/>
-              </a:ext>
-            </a:extLst>
-          </p:cNvPr>
-          <p:cNvSpPr txBox="1"/>
-          <p:nvPr/>
-        </p:nvSpPr>
-        <p:spPr>
-          <a:xfrm rot="16200000">
-            <a:off x="-1743207" y="3347896"/>
-            <a:ext cx="4466435" cy="523220"/>
-          </a:xfrm>
-          <a:prstGeom prst="rect">
-            <a:avLst/>
-          </a:prstGeom>
-          <a:noFill/>
-        </p:spPr>
-        <p:txBody>
-          <a:bodyPr wrap="square" rtlCol="0">
-            <a:spAutoFit/>
-          </a:bodyPr>
-          <a:lstStyle/>
-          <a:p>
-            <a:pPr algn="ctr"/>
-            <a:r>
-              <a:rPr kumimoji="1" lang="ja-JP" altLang="en-US" sz="2800" b="1" dirty="0">
-                <a:latin typeface="Meiryo UI" panose="020B0604030504040204" pitchFamily="50" charset="-128"/>
-                <a:ea typeface="Meiryo UI" panose="020B0604030504040204" pitchFamily="50" charset="-128"/>
-              </a:rPr>
-              <a:t>投資対象 </a:t>
-            </a:r>
-            <a:r>
-              <a:rPr kumimoji="1" lang="en-US" altLang="ja-JP" sz="2800" b="1" dirty="0">
-                <a:latin typeface="Meiryo UI" panose="020B0604030504040204" pitchFamily="50" charset="-128"/>
-                <a:ea typeface="Meiryo UI" panose="020B0604030504040204" pitchFamily="50" charset="-128"/>
-              </a:rPr>
-              <a:t>&amp; </a:t>
-            </a:r>
-            <a:r>
-              <a:rPr kumimoji="1" lang="ja-JP" altLang="en-US" sz="2800" b="1" dirty="0">
-                <a:latin typeface="Meiryo UI" panose="020B0604030504040204" pitchFamily="50" charset="-128"/>
-                <a:ea typeface="Meiryo UI" panose="020B0604030504040204" pitchFamily="50" charset="-128"/>
-              </a:rPr>
-              <a:t>ファンド</a:t>
-            </a:r>
-            <a:endParaRPr kumimoji="1" lang="ja-JP" altLang="en-US" b="1" dirty="0">
-              <a:latin typeface="Meiryo UI" panose="020B0604030504040204" pitchFamily="50" charset="-128"/>
-              <a:ea typeface="Meiryo UI" panose="020B0604030504040204" pitchFamily="50" charset="-128"/>
-            </a:endParaRPr>
-          </a:p>
-        </p:txBody>
-      </p:sp>
-      <p:sp>
-        <p:nvSpPr>
           <p:cNvPr id="7" name="L 字 6">
             <a:extLst>
               <a:ext uri="{FF2B5EF4-FFF2-40B4-BE49-F238E27FC236}">
@@ -6710,7 +6664,7 @@
         </p:nvSpPr>
         <p:spPr>
           <a:xfrm flipV="1">
-            <a:off x="4202126" y="4743168"/>
+            <a:off x="3636517" y="4102464"/>
             <a:ext cx="1800000" cy="1440000"/>
           </a:xfrm>
           <a:prstGeom prst="corner">
@@ -6773,7 +6727,7 @@
         </p:nvSpPr>
         <p:spPr>
           <a:xfrm>
-            <a:off x="2131279" y="4236452"/>
+            <a:off x="1453062" y="3691109"/>
             <a:ext cx="1853326" cy="1846659"/>
           </a:xfrm>
           <a:prstGeom prst="rect">
@@ -6935,7 +6889,7 @@
         </p:nvSpPr>
         <p:spPr>
           <a:xfrm>
-            <a:off x="4077934" y="3615712"/>
+            <a:off x="3499639" y="2987880"/>
             <a:ext cx="1778446" cy="1015663"/>
           </a:xfrm>
           <a:prstGeom prst="rect">
@@ -7031,7 +6985,7 @@
         </p:nvSpPr>
         <p:spPr>
           <a:xfrm>
-            <a:off x="5611629" y="2477364"/>
+            <a:off x="5102584" y="1940353"/>
             <a:ext cx="2057400" cy="1015663"/>
           </a:xfrm>
           <a:prstGeom prst="rect">
@@ -7112,96 +7066,6 @@
       </p:sp>
       <p:sp>
         <p:nvSpPr>
-          <p:cNvPr id="23" name="テキスト ボックス 22">
-            <a:extLst>
-              <a:ext uri="{FF2B5EF4-FFF2-40B4-BE49-F238E27FC236}">
-                <a16:creationId xmlns:a16="http://schemas.microsoft.com/office/drawing/2014/main" id="{07F4E2A7-238A-D1DB-9E01-05EF79B5B206}"/>
-              </a:ext>
-            </a:extLst>
-          </p:cNvPr>
-          <p:cNvSpPr txBox="1"/>
-          <p:nvPr/>
-        </p:nvSpPr>
-        <p:spPr>
-          <a:xfrm>
-            <a:off x="7192965" y="1400358"/>
-            <a:ext cx="2363437" cy="1015663"/>
-          </a:xfrm>
-          <a:prstGeom prst="rect">
-            <a:avLst/>
-          </a:prstGeom>
-          <a:solidFill>
-            <a:schemeClr val="accent4"/>
-          </a:solidFill>
-        </p:spPr>
-        <p:txBody>
-          <a:bodyPr wrap="square">
-            <a:spAutoFit/>
-          </a:bodyPr>
-          <a:lstStyle/>
-          <a:p>
-            <a:r>
-              <a:rPr lang="ja-JP" altLang="en-US" sz="2400" u="sng" dirty="0">
-                <a:solidFill>
-                  <a:schemeClr val="tx1"/>
-                </a:solidFill>
-                <a:latin typeface="Meiryo UI" panose="020B0604030504040204" pitchFamily="50" charset="-128"/>
-                <a:ea typeface="Meiryo UI" panose="020B0604030504040204" pitchFamily="50" charset="-128"/>
-              </a:rPr>
-              <a:t>運用指示者追加</a:t>
-            </a:r>
-            <a:endParaRPr lang="en-US" altLang="ja-JP" sz="2400" u="sng" dirty="0">
-              <a:solidFill>
-                <a:schemeClr val="tx1"/>
-              </a:solidFill>
-              <a:latin typeface="Meiryo UI" panose="020B0604030504040204" pitchFamily="50" charset="-128"/>
-              <a:ea typeface="Meiryo UI" panose="020B0604030504040204" pitchFamily="50" charset="-128"/>
-            </a:endParaRPr>
-          </a:p>
-          <a:p>
-            <a:pPr marL="342900" indent="-342900">
-              <a:buFont typeface="Wingdings" panose="05000000000000000000" pitchFamily="2" charset="2"/>
-              <a:buChar char="ü"/>
-            </a:pPr>
-            <a:r>
-              <a:rPr lang="ja-JP" altLang="en-US" dirty="0">
-                <a:latin typeface="Meiryo UI" panose="020B0604030504040204" pitchFamily="50" charset="-128"/>
-                <a:ea typeface="Meiryo UI" panose="020B0604030504040204" pitchFamily="50" charset="-128"/>
-              </a:rPr>
-              <a:t>セキュリティ強化</a:t>
-            </a:r>
-            <a:endParaRPr lang="en-US" altLang="ja-JP" dirty="0">
-              <a:latin typeface="Meiryo UI" panose="020B0604030504040204" pitchFamily="50" charset="-128"/>
-              <a:ea typeface="Meiryo UI" panose="020B0604030504040204" pitchFamily="50" charset="-128"/>
-            </a:endParaRPr>
-          </a:p>
-          <a:p>
-            <a:pPr marL="342900" indent="-342900">
-              <a:buFont typeface="Wingdings" panose="05000000000000000000" pitchFamily="2" charset="2"/>
-              <a:buChar char="ü"/>
-            </a:pPr>
-            <a:r>
-              <a:rPr lang="ja-JP" altLang="en-US" dirty="0">
-                <a:solidFill>
-                  <a:schemeClr val="tx1"/>
-                </a:solidFill>
-                <a:latin typeface="Meiryo UI" panose="020B0604030504040204" pitchFamily="50" charset="-128"/>
-                <a:ea typeface="Meiryo UI" panose="020B0604030504040204" pitchFamily="50" charset="-128"/>
-              </a:rPr>
-              <a:t>運用内容透明化</a:t>
-            </a:r>
-            <a:endParaRPr lang="en-US" altLang="ja-JP" dirty="0">
-              <a:solidFill>
-                <a:schemeClr val="tx1"/>
-              </a:solidFill>
-              <a:latin typeface="Meiryo UI" panose="020B0604030504040204" pitchFamily="50" charset="-128"/>
-              <a:ea typeface="Meiryo UI" panose="020B0604030504040204" pitchFamily="50" charset="-128"/>
-            </a:endParaRPr>
-          </a:p>
-        </p:txBody>
-      </p:sp>
-      <p:sp>
-        <p:nvSpPr>
           <p:cNvPr id="28" name="L 字 27">
             <a:extLst>
               <a:ext uri="{FF2B5EF4-FFF2-40B4-BE49-F238E27FC236}">
@@ -7214,7 +7078,7 @@
         </p:nvSpPr>
         <p:spPr>
           <a:xfrm flipV="1">
-            <a:off x="6002126" y="3769810"/>
+            <a:off x="5436517" y="3129106"/>
             <a:ext cx="1800000" cy="1440000"/>
           </a:xfrm>
           <a:prstGeom prst="corner">
@@ -7277,7 +7141,7 @@
         </p:nvSpPr>
         <p:spPr>
           <a:xfrm flipV="1">
-            <a:off x="7802126" y="2796452"/>
+            <a:off x="7236517" y="2155748"/>
             <a:ext cx="1800000" cy="1440000"/>
           </a:xfrm>
           <a:prstGeom prst="corner">
@@ -7340,8 +7204,8 @@
         </p:nvSpPr>
         <p:spPr>
           <a:xfrm flipV="1">
-            <a:off x="9593332" y="1826803"/>
-            <a:ext cx="1800000" cy="1440000"/>
+            <a:off x="9027722" y="1176672"/>
+            <a:ext cx="2125721" cy="1440000"/>
           </a:xfrm>
           <a:prstGeom prst="corner">
             <a:avLst>
@@ -7391,73 +7255,19 @@
       </p:sp>
       <p:sp>
         <p:nvSpPr>
-          <p:cNvPr id="32" name="テキスト ボックス 31">
-            <a:extLst>
-              <a:ext uri="{FF2B5EF4-FFF2-40B4-BE49-F238E27FC236}">
-                <a16:creationId xmlns:a16="http://schemas.microsoft.com/office/drawing/2014/main" id="{0930652B-71D4-376F-7B58-C613444737B7}"/>
-              </a:ext>
-            </a:extLst>
-          </p:cNvPr>
-          <p:cNvSpPr txBox="1"/>
+          <p:cNvPr id="33" name="楕円 32">
+            <a:extLst>
+              <a:ext uri="{FF2B5EF4-FFF2-40B4-BE49-F238E27FC236}">
+                <a16:creationId xmlns:a16="http://schemas.microsoft.com/office/drawing/2014/main" id="{1C2C68A0-1F4C-7E89-B431-D73483089FC7}"/>
+              </a:ext>
+            </a:extLst>
+          </p:cNvPr>
+          <p:cNvSpPr/>
           <p:nvPr/>
         </p:nvSpPr>
         <p:spPr>
           <a:xfrm>
-            <a:off x="4777381" y="5301927"/>
-            <a:ext cx="1343785" cy="369332"/>
-          </a:xfrm>
-          <a:prstGeom prst="rect">
-            <a:avLst/>
-          </a:prstGeom>
-          <a:solidFill>
-            <a:schemeClr val="accent4">
-              <a:lumMod val="20000"/>
-              <a:lumOff val="80000"/>
-            </a:schemeClr>
-          </a:solidFill>
-        </p:spPr>
-        <p:txBody>
-          <a:bodyPr wrap="square">
-            <a:spAutoFit/>
-          </a:bodyPr>
-          <a:lstStyle/>
-          <a:p>
-            <a:pPr algn="ctr"/>
-            <a:r>
-              <a:rPr lang="ja-JP" altLang="en-US" dirty="0">
-                <a:solidFill>
-                  <a:schemeClr val="tx1"/>
-                </a:solidFill>
-                <a:latin typeface="Meiryo UI" panose="020B0604030504040204" pitchFamily="50" charset="-128"/>
-                <a:ea typeface="Meiryo UI" panose="020B0604030504040204" pitchFamily="50" charset="-128"/>
-              </a:rPr>
-              <a:t>第１ステップ</a:t>
-            </a:r>
-            <a:endParaRPr lang="en-US" altLang="ja-JP" dirty="0">
-              <a:solidFill>
-                <a:schemeClr val="tx1"/>
-              </a:solidFill>
-              <a:latin typeface="Meiryo UI" panose="020B0604030504040204" pitchFamily="50" charset="-128"/>
-              <a:ea typeface="Meiryo UI" panose="020B0604030504040204" pitchFamily="50" charset="-128"/>
-            </a:endParaRPr>
-          </a:p>
-        </p:txBody>
-      </p:sp>
-      <p:sp>
-        <p:nvSpPr>
-          <p:cNvPr id="33" name="楕円 32">
-            <a:extLst>
-              <a:ext uri="{FF2B5EF4-FFF2-40B4-BE49-F238E27FC236}">
-                <a16:creationId xmlns:a16="http://schemas.microsoft.com/office/drawing/2014/main" id="{1C2C68A0-1F4C-7E89-B431-D73483089FC7}"/>
-              </a:ext>
-            </a:extLst>
-          </p:cNvPr>
-          <p:cNvSpPr/>
-          <p:nvPr/>
-        </p:nvSpPr>
-        <p:spPr>
-          <a:xfrm>
-            <a:off x="6076860" y="3837751"/>
+            <a:off x="5511251" y="3197047"/>
             <a:ext cx="360000" cy="360000"/>
           </a:xfrm>
           <a:prstGeom prst="ellipse">
@@ -7505,10 +7315,846 @@
       </p:sp>
       <p:sp>
         <p:nvSpPr>
-          <p:cNvPr id="34" name="テキスト ボックス 33">
-            <a:extLst>
-              <a:ext uri="{FF2B5EF4-FFF2-40B4-BE49-F238E27FC236}">
-                <a16:creationId xmlns:a16="http://schemas.microsoft.com/office/drawing/2014/main" id="{E9419F82-6372-B1E2-9733-1943CF09B8B5}"/>
+          <p:cNvPr id="35" name="楕円 34">
+            <a:extLst>
+              <a:ext uri="{FF2B5EF4-FFF2-40B4-BE49-F238E27FC236}">
+                <a16:creationId xmlns:a16="http://schemas.microsoft.com/office/drawing/2014/main" id="{A0807249-6CD9-A82D-7B6A-E2E38DFBD087}"/>
+              </a:ext>
+            </a:extLst>
+          </p:cNvPr>
+          <p:cNvSpPr/>
+          <p:nvPr/>
+        </p:nvSpPr>
+        <p:spPr>
+          <a:xfrm>
+            <a:off x="7311251" y="2228869"/>
+            <a:ext cx="360000" cy="360000"/>
+          </a:xfrm>
+          <a:prstGeom prst="ellipse">
+            <a:avLst/>
+          </a:prstGeom>
+          <a:solidFill>
+            <a:schemeClr val="accent4">
+              <a:lumMod val="60000"/>
+              <a:lumOff val="40000"/>
+            </a:schemeClr>
+          </a:solidFill>
+          <a:ln>
+            <a:solidFill>
+              <a:schemeClr val="accent4">
+                <a:lumMod val="60000"/>
+                <a:lumOff val="40000"/>
+              </a:schemeClr>
+            </a:solidFill>
+          </a:ln>
+        </p:spPr>
+        <p:style>
+          <a:lnRef idx="2">
+            <a:schemeClr val="accent1">
+              <a:shade val="50000"/>
+            </a:schemeClr>
+          </a:lnRef>
+          <a:fillRef idx="1">
+            <a:schemeClr val="accent1"/>
+          </a:fillRef>
+          <a:effectRef idx="0">
+            <a:schemeClr val="accent1"/>
+          </a:effectRef>
+          <a:fontRef idx="minor">
+            <a:schemeClr val="lt1"/>
+          </a:fontRef>
+        </p:style>
+        <p:txBody>
+          <a:bodyPr rtlCol="0" anchor="ctr"/>
+          <a:lstStyle/>
+          <a:p>
+            <a:pPr algn="ctr"/>
+            <a:endParaRPr kumimoji="1" lang="ja-JP" altLang="en-US"/>
+          </a:p>
+        </p:txBody>
+      </p:sp>
+      <p:sp>
+        <p:nvSpPr>
+          <p:cNvPr id="37" name="楕円 36">
+            <a:extLst>
+              <a:ext uri="{FF2B5EF4-FFF2-40B4-BE49-F238E27FC236}">
+                <a16:creationId xmlns:a16="http://schemas.microsoft.com/office/drawing/2014/main" id="{C9708258-CC56-C6AB-3481-E942739094E8}"/>
+              </a:ext>
+            </a:extLst>
+          </p:cNvPr>
+          <p:cNvSpPr/>
+          <p:nvPr/>
+        </p:nvSpPr>
+        <p:spPr>
+          <a:xfrm>
+            <a:off x="9090395" y="1229343"/>
+            <a:ext cx="360000" cy="360000"/>
+          </a:xfrm>
+          <a:prstGeom prst="ellipse">
+            <a:avLst/>
+          </a:prstGeom>
+          <a:solidFill>
+            <a:schemeClr val="accent4"/>
+          </a:solidFill>
+          <a:ln>
+            <a:solidFill>
+              <a:schemeClr val="accent4"/>
+            </a:solidFill>
+          </a:ln>
+        </p:spPr>
+        <p:style>
+          <a:lnRef idx="2">
+            <a:schemeClr val="accent1">
+              <a:shade val="50000"/>
+            </a:schemeClr>
+          </a:lnRef>
+          <a:fillRef idx="1">
+            <a:schemeClr val="accent1"/>
+          </a:fillRef>
+          <a:effectRef idx="0">
+            <a:schemeClr val="accent1"/>
+          </a:effectRef>
+          <a:fontRef idx="minor">
+            <a:schemeClr val="lt1"/>
+          </a:fontRef>
+        </p:style>
+        <p:txBody>
+          <a:bodyPr rtlCol="0" anchor="ctr"/>
+          <a:lstStyle/>
+          <a:p>
+            <a:pPr algn="ctr"/>
+            <a:endParaRPr kumimoji="1" lang="ja-JP" altLang="en-US"/>
+          </a:p>
+        </p:txBody>
+      </p:sp>
+      <p:cxnSp>
+        <p:nvCxnSpPr>
+          <p:cNvPr id="40" name="直線コネクタ 39">
+            <a:extLst>
+              <a:ext uri="{FF2B5EF4-FFF2-40B4-BE49-F238E27FC236}">
+                <a16:creationId xmlns:a16="http://schemas.microsoft.com/office/drawing/2014/main" id="{C2080F13-0BCF-384F-DF5A-135FB2F0B131}"/>
+              </a:ext>
+            </a:extLst>
+          </p:cNvPr>
+          <p:cNvCxnSpPr>
+            <a:cxnSpLocks/>
+            <a:stCxn id="7" idx="3"/>
+            <a:endCxn id="31" idx="4"/>
+          </p:cNvCxnSpPr>
+          <p:nvPr/>
+        </p:nvCxnSpPr>
+        <p:spPr>
+          <a:xfrm flipV="1">
+            <a:off x="3872785" y="4527161"/>
+            <a:ext cx="0" cy="1015303"/>
+          </a:xfrm>
+          <a:prstGeom prst="line">
+            <a:avLst/>
+          </a:prstGeom>
+          <a:ln w="28575">
+            <a:solidFill>
+              <a:schemeClr val="bg1"/>
+            </a:solidFill>
+            <a:prstDash val="dash"/>
+          </a:ln>
+        </p:spPr>
+        <p:style>
+          <a:lnRef idx="1">
+            <a:schemeClr val="accent1"/>
+          </a:lnRef>
+          <a:fillRef idx="0">
+            <a:schemeClr val="accent1"/>
+          </a:fillRef>
+          <a:effectRef idx="0">
+            <a:schemeClr val="accent1"/>
+          </a:effectRef>
+          <a:fontRef idx="minor">
+            <a:schemeClr val="tx1"/>
+          </a:fontRef>
+        </p:style>
+      </p:cxnSp>
+      <p:sp>
+        <p:nvSpPr>
+          <p:cNvPr id="31" name="楕円 30">
+            <a:extLst>
+              <a:ext uri="{FF2B5EF4-FFF2-40B4-BE49-F238E27FC236}">
+                <a16:creationId xmlns:a16="http://schemas.microsoft.com/office/drawing/2014/main" id="{507FEE3E-DA9E-36DE-CA22-3D32AC171F5C}"/>
+              </a:ext>
+            </a:extLst>
+          </p:cNvPr>
+          <p:cNvSpPr/>
+          <p:nvPr/>
+        </p:nvSpPr>
+        <p:spPr>
+          <a:xfrm>
+            <a:off x="3697194" y="4167161"/>
+            <a:ext cx="360000" cy="360000"/>
+          </a:xfrm>
+          <a:prstGeom prst="ellipse">
+            <a:avLst/>
+          </a:prstGeom>
+          <a:solidFill>
+            <a:schemeClr val="accent4">
+              <a:lumMod val="20000"/>
+              <a:lumOff val="80000"/>
+            </a:schemeClr>
+          </a:solidFill>
+          <a:ln>
+            <a:solidFill>
+              <a:schemeClr val="accent4">
+                <a:lumMod val="20000"/>
+                <a:lumOff val="80000"/>
+              </a:schemeClr>
+            </a:solidFill>
+          </a:ln>
+        </p:spPr>
+        <p:style>
+          <a:lnRef idx="2">
+            <a:schemeClr val="accent1">
+              <a:shade val="50000"/>
+            </a:schemeClr>
+          </a:lnRef>
+          <a:fillRef idx="1">
+            <a:schemeClr val="accent1"/>
+          </a:fillRef>
+          <a:effectRef idx="0">
+            <a:schemeClr val="accent1"/>
+          </a:effectRef>
+          <a:fontRef idx="minor">
+            <a:schemeClr val="lt1"/>
+          </a:fontRef>
+        </p:style>
+        <p:txBody>
+          <a:bodyPr rtlCol="0" anchor="ctr"/>
+          <a:lstStyle/>
+          <a:p>
+            <a:pPr algn="ctr"/>
+            <a:endParaRPr kumimoji="1" lang="ja-JP" altLang="en-US"/>
+          </a:p>
+        </p:txBody>
+      </p:sp>
+      <p:cxnSp>
+        <p:nvCxnSpPr>
+          <p:cNvPr id="45" name="直線コネクタ 44">
+            <a:extLst>
+              <a:ext uri="{FF2B5EF4-FFF2-40B4-BE49-F238E27FC236}">
+                <a16:creationId xmlns:a16="http://schemas.microsoft.com/office/drawing/2014/main" id="{0179E751-A254-C1C0-3267-3C8D6A0744C2}"/>
+              </a:ext>
+            </a:extLst>
+          </p:cNvPr>
+          <p:cNvCxnSpPr>
+            <a:cxnSpLocks/>
+            <a:endCxn id="31" idx="6"/>
+          </p:cNvCxnSpPr>
+          <p:nvPr/>
+        </p:nvCxnSpPr>
+        <p:spPr>
+          <a:xfrm flipH="1">
+            <a:off x="4057194" y="4347161"/>
+            <a:ext cx="1596844" cy="0"/>
+          </a:xfrm>
+          <a:prstGeom prst="line">
+            <a:avLst/>
+          </a:prstGeom>
+          <a:ln w="28575">
+            <a:solidFill>
+              <a:schemeClr val="bg1"/>
+            </a:solidFill>
+            <a:prstDash val="dash"/>
+          </a:ln>
+        </p:spPr>
+        <p:style>
+          <a:lnRef idx="1">
+            <a:schemeClr val="accent1"/>
+          </a:lnRef>
+          <a:fillRef idx="0">
+            <a:schemeClr val="accent1"/>
+          </a:fillRef>
+          <a:effectRef idx="0">
+            <a:schemeClr val="accent1"/>
+          </a:effectRef>
+          <a:fontRef idx="minor">
+            <a:schemeClr val="tx1"/>
+          </a:fontRef>
+        </p:style>
+      </p:cxnSp>
+      <p:cxnSp>
+        <p:nvCxnSpPr>
+          <p:cNvPr id="48" name="直線コネクタ 47">
+            <a:extLst>
+              <a:ext uri="{FF2B5EF4-FFF2-40B4-BE49-F238E27FC236}">
+                <a16:creationId xmlns:a16="http://schemas.microsoft.com/office/drawing/2014/main" id="{D141A9DC-CA73-BF3A-3335-3EF21F478D30}"/>
+              </a:ext>
+            </a:extLst>
+          </p:cNvPr>
+          <p:cNvCxnSpPr>
+            <a:cxnSpLocks/>
+            <a:endCxn id="33" idx="4"/>
+          </p:cNvCxnSpPr>
+          <p:nvPr/>
+        </p:nvCxnSpPr>
+        <p:spPr>
+          <a:xfrm flipV="1">
+            <a:off x="5691251" y="3557047"/>
+            <a:ext cx="0" cy="774995"/>
+          </a:xfrm>
+          <a:prstGeom prst="line">
+            <a:avLst/>
+          </a:prstGeom>
+          <a:ln w="28575">
+            <a:solidFill>
+              <a:schemeClr val="bg1"/>
+            </a:solidFill>
+            <a:prstDash val="dash"/>
+          </a:ln>
+        </p:spPr>
+        <p:style>
+          <a:lnRef idx="1">
+            <a:schemeClr val="accent1"/>
+          </a:lnRef>
+          <a:fillRef idx="0">
+            <a:schemeClr val="accent1"/>
+          </a:fillRef>
+          <a:effectRef idx="0">
+            <a:schemeClr val="accent1"/>
+          </a:effectRef>
+          <a:fontRef idx="minor">
+            <a:schemeClr val="tx1"/>
+          </a:fontRef>
+        </p:style>
+      </p:cxnSp>
+      <p:cxnSp>
+        <p:nvCxnSpPr>
+          <p:cNvPr id="51" name="直線コネクタ 50">
+            <a:extLst>
+              <a:ext uri="{FF2B5EF4-FFF2-40B4-BE49-F238E27FC236}">
+                <a16:creationId xmlns:a16="http://schemas.microsoft.com/office/drawing/2014/main" id="{AD389415-1326-958F-0DD7-A5728007F160}"/>
+              </a:ext>
+            </a:extLst>
+          </p:cNvPr>
+          <p:cNvCxnSpPr>
+            <a:cxnSpLocks/>
+            <a:endCxn id="33" idx="6"/>
+          </p:cNvCxnSpPr>
+          <p:nvPr/>
+        </p:nvCxnSpPr>
+        <p:spPr>
+          <a:xfrm flipH="1">
+            <a:off x="5871251" y="3376845"/>
+            <a:ext cx="1562651" cy="202"/>
+          </a:xfrm>
+          <a:prstGeom prst="line">
+            <a:avLst/>
+          </a:prstGeom>
+          <a:ln w="28575">
+            <a:solidFill>
+              <a:schemeClr val="bg1"/>
+            </a:solidFill>
+            <a:prstDash val="dash"/>
+          </a:ln>
+        </p:spPr>
+        <p:style>
+          <a:lnRef idx="1">
+            <a:schemeClr val="accent1"/>
+          </a:lnRef>
+          <a:fillRef idx="0">
+            <a:schemeClr val="accent1"/>
+          </a:fillRef>
+          <a:effectRef idx="0">
+            <a:schemeClr val="accent1"/>
+          </a:effectRef>
+          <a:fontRef idx="minor">
+            <a:schemeClr val="tx1"/>
+          </a:fontRef>
+        </p:style>
+      </p:cxnSp>
+      <p:cxnSp>
+        <p:nvCxnSpPr>
+          <p:cNvPr id="52" name="直線コネクタ 51">
+            <a:extLst>
+              <a:ext uri="{FF2B5EF4-FFF2-40B4-BE49-F238E27FC236}">
+                <a16:creationId xmlns:a16="http://schemas.microsoft.com/office/drawing/2014/main" id="{63DEC709-FC44-568E-0E27-5D156AD139C4}"/>
+              </a:ext>
+            </a:extLst>
+          </p:cNvPr>
+          <p:cNvCxnSpPr>
+            <a:cxnSpLocks/>
+            <a:endCxn id="35" idx="4"/>
+          </p:cNvCxnSpPr>
+          <p:nvPr/>
+        </p:nvCxnSpPr>
+        <p:spPr>
+          <a:xfrm flipH="1" flipV="1">
+            <a:off x="7491251" y="2588869"/>
+            <a:ext cx="0" cy="792000"/>
+          </a:xfrm>
+          <a:prstGeom prst="line">
+            <a:avLst/>
+          </a:prstGeom>
+          <a:ln w="28575">
+            <a:solidFill>
+              <a:schemeClr val="bg1"/>
+            </a:solidFill>
+            <a:prstDash val="dash"/>
+          </a:ln>
+        </p:spPr>
+        <p:style>
+          <a:lnRef idx="1">
+            <a:schemeClr val="accent1"/>
+          </a:lnRef>
+          <a:fillRef idx="0">
+            <a:schemeClr val="accent1"/>
+          </a:fillRef>
+          <a:effectRef idx="0">
+            <a:schemeClr val="accent1"/>
+          </a:effectRef>
+          <a:fontRef idx="minor">
+            <a:schemeClr val="tx1"/>
+          </a:fontRef>
+        </p:style>
+      </p:cxnSp>
+      <p:cxnSp>
+        <p:nvCxnSpPr>
+          <p:cNvPr id="60" name="直線コネクタ 59">
+            <a:extLst>
+              <a:ext uri="{FF2B5EF4-FFF2-40B4-BE49-F238E27FC236}">
+                <a16:creationId xmlns:a16="http://schemas.microsoft.com/office/drawing/2014/main" id="{EC6DD448-4BF4-2C1F-596F-5D244A9A2682}"/>
+              </a:ext>
+            </a:extLst>
+          </p:cNvPr>
+          <p:cNvCxnSpPr>
+            <a:cxnSpLocks/>
+            <a:endCxn id="35" idx="6"/>
+          </p:cNvCxnSpPr>
+          <p:nvPr/>
+        </p:nvCxnSpPr>
+        <p:spPr>
+          <a:xfrm flipH="1">
+            <a:off x="7671251" y="2402253"/>
+            <a:ext cx="1557895" cy="0"/>
+          </a:xfrm>
+          <a:prstGeom prst="line">
+            <a:avLst/>
+          </a:prstGeom>
+          <a:ln w="28575">
+            <a:solidFill>
+              <a:schemeClr val="bg1"/>
+            </a:solidFill>
+            <a:prstDash val="dash"/>
+          </a:ln>
+        </p:spPr>
+        <p:style>
+          <a:lnRef idx="1">
+            <a:schemeClr val="accent1"/>
+          </a:lnRef>
+          <a:fillRef idx="0">
+            <a:schemeClr val="accent1"/>
+          </a:fillRef>
+          <a:effectRef idx="0">
+            <a:schemeClr val="accent1"/>
+          </a:effectRef>
+          <a:fontRef idx="minor">
+            <a:schemeClr val="tx1"/>
+          </a:fontRef>
+        </p:style>
+      </p:cxnSp>
+      <p:cxnSp>
+        <p:nvCxnSpPr>
+          <p:cNvPr id="61" name="直線コネクタ 60">
+            <a:extLst>
+              <a:ext uri="{FF2B5EF4-FFF2-40B4-BE49-F238E27FC236}">
+                <a16:creationId xmlns:a16="http://schemas.microsoft.com/office/drawing/2014/main" id="{B9B1E74E-9A13-A0D6-4353-4BCD60BAD39B}"/>
+              </a:ext>
+            </a:extLst>
+          </p:cNvPr>
+          <p:cNvCxnSpPr>
+            <a:cxnSpLocks/>
+            <a:endCxn id="37" idx="4"/>
+          </p:cNvCxnSpPr>
+          <p:nvPr/>
+        </p:nvCxnSpPr>
+        <p:spPr>
+          <a:xfrm flipV="1">
+            <a:off x="9266359" y="1589343"/>
+            <a:ext cx="0" cy="788364"/>
+          </a:xfrm>
+          <a:prstGeom prst="line">
+            <a:avLst/>
+          </a:prstGeom>
+          <a:ln w="28575">
+            <a:solidFill>
+              <a:schemeClr val="bg1"/>
+            </a:solidFill>
+            <a:prstDash val="dash"/>
+          </a:ln>
+        </p:spPr>
+        <p:style>
+          <a:lnRef idx="1">
+            <a:schemeClr val="accent1"/>
+          </a:lnRef>
+          <a:fillRef idx="0">
+            <a:schemeClr val="accent1"/>
+          </a:fillRef>
+          <a:effectRef idx="0">
+            <a:schemeClr val="accent1"/>
+          </a:effectRef>
+          <a:fontRef idx="minor">
+            <a:schemeClr val="tx1"/>
+          </a:fontRef>
+        </p:style>
+      </p:cxnSp>
+      <p:cxnSp>
+        <p:nvCxnSpPr>
+          <p:cNvPr id="65" name="直線コネクタ 64">
+            <a:extLst>
+              <a:ext uri="{FF2B5EF4-FFF2-40B4-BE49-F238E27FC236}">
+                <a16:creationId xmlns:a16="http://schemas.microsoft.com/office/drawing/2014/main" id="{2B73B80F-A245-7FBD-71B8-C96370B7618E}"/>
+              </a:ext>
+            </a:extLst>
+          </p:cNvPr>
+          <p:cNvCxnSpPr>
+            <a:cxnSpLocks/>
+            <a:stCxn id="30" idx="0"/>
+            <a:endCxn id="37" idx="6"/>
+          </p:cNvCxnSpPr>
+          <p:nvPr/>
+        </p:nvCxnSpPr>
+        <p:spPr>
+          <a:xfrm flipH="1" flipV="1">
+            <a:off x="9450395" y="1409343"/>
+            <a:ext cx="1703048" cy="184"/>
+          </a:xfrm>
+          <a:prstGeom prst="line">
+            <a:avLst/>
+          </a:prstGeom>
+          <a:ln w="28575">
+            <a:solidFill>
+              <a:schemeClr val="bg1"/>
+            </a:solidFill>
+            <a:prstDash val="dash"/>
+          </a:ln>
+        </p:spPr>
+        <p:style>
+          <a:lnRef idx="1">
+            <a:schemeClr val="accent1"/>
+          </a:lnRef>
+          <a:fillRef idx="0">
+            <a:schemeClr val="accent1"/>
+          </a:fillRef>
+          <a:effectRef idx="0">
+            <a:schemeClr val="accent1"/>
+          </a:effectRef>
+          <a:fontRef idx="minor">
+            <a:schemeClr val="tx1"/>
+          </a:fontRef>
+        </p:style>
+      </p:cxnSp>
+      <p:sp>
+        <p:nvSpPr>
+          <p:cNvPr id="75" name="四角形: 角を丸くする 74">
+            <a:extLst>
+              <a:ext uri="{FF2B5EF4-FFF2-40B4-BE49-F238E27FC236}">
+                <a16:creationId xmlns:a16="http://schemas.microsoft.com/office/drawing/2014/main" id="{FCB5BC8F-BAA9-1EEA-3197-02E7FF134954}"/>
+              </a:ext>
+            </a:extLst>
+          </p:cNvPr>
+          <p:cNvSpPr/>
+          <p:nvPr/>
+        </p:nvSpPr>
+        <p:spPr>
+          <a:xfrm>
+            <a:off x="1042448" y="5602465"/>
+            <a:ext cx="2626465" cy="466717"/>
+          </a:xfrm>
+          <a:prstGeom prst="roundRect">
+            <a:avLst>
+              <a:gd name="adj" fmla="val 50000"/>
+            </a:avLst>
+          </a:prstGeom>
+          <a:solidFill>
+            <a:schemeClr val="accent2">
+              <a:lumMod val="20000"/>
+              <a:lumOff val="80000"/>
+            </a:schemeClr>
+          </a:solidFill>
+          <a:ln w="28575">
+            <a:solidFill>
+              <a:srgbClr val="FF0000"/>
+            </a:solidFill>
+          </a:ln>
+        </p:spPr>
+        <p:style>
+          <a:lnRef idx="2">
+            <a:schemeClr val="accent1">
+              <a:shade val="50000"/>
+            </a:schemeClr>
+          </a:lnRef>
+          <a:fillRef idx="1">
+            <a:schemeClr val="accent1"/>
+          </a:fillRef>
+          <a:effectRef idx="0">
+            <a:schemeClr val="accent1"/>
+          </a:effectRef>
+          <a:fontRef idx="minor">
+            <a:schemeClr val="lt1"/>
+          </a:fontRef>
+        </p:style>
+        <p:txBody>
+          <a:bodyPr wrap="none" rtlCol="0" anchor="ctr"/>
+          <a:lstStyle/>
+          <a:p>
+            <a:pPr algn="ctr"/>
+            <a:r>
+              <a:rPr kumimoji="1" lang="ja-JP" altLang="en-US" sz="2000" b="1" dirty="0">
+                <a:solidFill>
+                  <a:srgbClr val="FF0000"/>
+                </a:solidFill>
+                <a:latin typeface="Meiryo UI" panose="020B0604030504040204" pitchFamily="50" charset="-128"/>
+                <a:ea typeface="Meiryo UI" panose="020B0604030504040204" pitchFamily="50" charset="-128"/>
+              </a:rPr>
+              <a:t>ハッカソン期間中に実装</a:t>
+            </a:r>
+            <a:endParaRPr kumimoji="1" lang="en-US" altLang="ja-JP" sz="2000" b="1" dirty="0">
+              <a:solidFill>
+                <a:srgbClr val="FF0000"/>
+              </a:solidFill>
+              <a:latin typeface="Meiryo UI" panose="020B0604030504040204" pitchFamily="50" charset="-128"/>
+              <a:ea typeface="Meiryo UI" panose="020B0604030504040204" pitchFamily="50" charset="-128"/>
+            </a:endParaRPr>
+          </a:p>
+        </p:txBody>
+      </p:sp>
+      <p:sp>
+        <p:nvSpPr>
+          <p:cNvPr id="76" name="正方形/長方形 75">
+            <a:extLst>
+              <a:ext uri="{FF2B5EF4-FFF2-40B4-BE49-F238E27FC236}">
+                <a16:creationId xmlns:a16="http://schemas.microsoft.com/office/drawing/2014/main" id="{721DDD90-496F-47A9-4794-4F1D00121C44}"/>
+              </a:ext>
+            </a:extLst>
+          </p:cNvPr>
+          <p:cNvSpPr/>
+          <p:nvPr/>
+        </p:nvSpPr>
+        <p:spPr>
+          <a:xfrm>
+            <a:off x="212389" y="813541"/>
+            <a:ext cx="4476318" cy="2070973"/>
+          </a:xfrm>
+          <a:prstGeom prst="rect">
+            <a:avLst/>
+          </a:prstGeom>
+          <a:solidFill>
+            <a:schemeClr val="bg1"/>
+          </a:solidFill>
+          <a:ln w="38100">
+            <a:solidFill>
+              <a:srgbClr val="002060"/>
+            </a:solidFill>
+          </a:ln>
+        </p:spPr>
+        <p:style>
+          <a:lnRef idx="2">
+            <a:schemeClr val="accent1">
+              <a:shade val="50000"/>
+            </a:schemeClr>
+          </a:lnRef>
+          <a:fillRef idx="1">
+            <a:schemeClr val="accent1"/>
+          </a:fillRef>
+          <a:effectRef idx="0">
+            <a:schemeClr val="accent1"/>
+          </a:effectRef>
+          <a:fontRef idx="minor">
+            <a:schemeClr val="lt1"/>
+          </a:fontRef>
+        </p:style>
+        <p:txBody>
+          <a:bodyPr rtlCol="0" anchor="ctr"/>
+          <a:lstStyle/>
+          <a:p>
+            <a:pPr algn="ctr"/>
+            <a:r>
+              <a:rPr lang="ja-JP" altLang="en-US" sz="2800" b="1" dirty="0">
+                <a:solidFill>
+                  <a:schemeClr val="tx1"/>
+                </a:solidFill>
+                <a:latin typeface="Meiryo UI" panose="020B0604030504040204" pitchFamily="50" charset="-128"/>
+                <a:ea typeface="Meiryo UI" panose="020B0604030504040204" pitchFamily="50" charset="-128"/>
+              </a:rPr>
+              <a:t>プロダクトの成長</a:t>
+            </a:r>
+            <a:endParaRPr lang="en-US" altLang="ja-JP" sz="2800" b="1" dirty="0">
+              <a:solidFill>
+                <a:schemeClr val="tx1"/>
+              </a:solidFill>
+              <a:latin typeface="Meiryo UI" panose="020B0604030504040204" pitchFamily="50" charset="-128"/>
+              <a:ea typeface="Meiryo UI" panose="020B0604030504040204" pitchFamily="50" charset="-128"/>
+            </a:endParaRPr>
+          </a:p>
+          <a:p>
+            <a:pPr algn="ctr"/>
+            <a:endParaRPr lang="en-US" altLang="ja-JP" sz="2800" b="1" dirty="0">
+              <a:solidFill>
+                <a:schemeClr val="tx1"/>
+              </a:solidFill>
+              <a:latin typeface="Meiryo UI" panose="020B0604030504040204" pitchFamily="50" charset="-128"/>
+              <a:ea typeface="Meiryo UI" panose="020B0604030504040204" pitchFamily="50" charset="-128"/>
+            </a:endParaRPr>
+          </a:p>
+          <a:p>
+            <a:pPr algn="ctr"/>
+            <a:r>
+              <a:rPr lang="ja-JP" altLang="en-US" sz="2800" b="1" dirty="0">
+                <a:solidFill>
+                  <a:schemeClr val="tx1"/>
+                </a:solidFill>
+                <a:latin typeface="Meiryo UI" panose="020B0604030504040204" pitchFamily="50" charset="-128"/>
+                <a:ea typeface="Meiryo UI" panose="020B0604030504040204" pitchFamily="50" charset="-128"/>
+              </a:rPr>
+              <a:t>投資対象 </a:t>
+            </a:r>
+            <a:r>
+              <a:rPr lang="en-US" altLang="ja-JP" sz="2800" b="1" dirty="0">
+                <a:solidFill>
+                  <a:schemeClr val="tx1"/>
+                </a:solidFill>
+                <a:latin typeface="Meiryo UI" panose="020B0604030504040204" pitchFamily="50" charset="-128"/>
+                <a:ea typeface="Meiryo UI" panose="020B0604030504040204" pitchFamily="50" charset="-128"/>
+              </a:rPr>
+              <a:t>&amp; </a:t>
+            </a:r>
+            <a:r>
+              <a:rPr lang="ja-JP" altLang="en-US" sz="2800" b="1" dirty="0">
+                <a:solidFill>
+                  <a:schemeClr val="tx1"/>
+                </a:solidFill>
+                <a:latin typeface="Meiryo UI" panose="020B0604030504040204" pitchFamily="50" charset="-128"/>
+                <a:ea typeface="Meiryo UI" panose="020B0604030504040204" pitchFamily="50" charset="-128"/>
+              </a:rPr>
+              <a:t>ファンドの種類</a:t>
+            </a:r>
+            <a:endParaRPr lang="en-US" altLang="ja-JP" sz="2800" b="1" dirty="0">
+              <a:solidFill>
+                <a:schemeClr val="tx1"/>
+              </a:solidFill>
+              <a:latin typeface="Meiryo UI" panose="020B0604030504040204" pitchFamily="50" charset="-128"/>
+              <a:ea typeface="Meiryo UI" panose="020B0604030504040204" pitchFamily="50" charset="-128"/>
+            </a:endParaRPr>
+          </a:p>
+          <a:p>
+            <a:pPr algn="ctr"/>
+            <a:r>
+              <a:rPr lang="ja-JP" altLang="en-US" sz="2800" b="1" dirty="0">
+                <a:solidFill>
+                  <a:schemeClr val="tx1"/>
+                </a:solidFill>
+                <a:latin typeface="Meiryo UI" panose="020B0604030504040204" pitchFamily="50" charset="-128"/>
+                <a:ea typeface="Meiryo UI" panose="020B0604030504040204" pitchFamily="50" charset="-128"/>
+              </a:rPr>
+              <a:t>拡大</a:t>
+            </a:r>
+            <a:endParaRPr kumimoji="1" lang="en-US" altLang="ja-JP" sz="2800" b="1" dirty="0">
+              <a:solidFill>
+                <a:schemeClr val="tx1"/>
+              </a:solidFill>
+              <a:latin typeface="Meiryo UI" panose="020B0604030504040204" pitchFamily="50" charset="-128"/>
+              <a:ea typeface="Meiryo UI" panose="020B0604030504040204" pitchFamily="50" charset="-128"/>
+            </a:endParaRPr>
+          </a:p>
+        </p:txBody>
+      </p:sp>
+      <p:sp>
+        <p:nvSpPr>
+          <p:cNvPr id="4" name="四角形: 角を丸くする 3">
+            <a:extLst>
+              <a:ext uri="{FF2B5EF4-FFF2-40B4-BE49-F238E27FC236}">
+                <a16:creationId xmlns:a16="http://schemas.microsoft.com/office/drawing/2014/main" id="{3DBFEC15-8BB4-DF82-708A-59666A6BE98A}"/>
+              </a:ext>
+            </a:extLst>
+          </p:cNvPr>
+          <p:cNvSpPr/>
+          <p:nvPr/>
+        </p:nvSpPr>
+        <p:spPr>
+          <a:xfrm>
+            <a:off x="4211772" y="5122156"/>
+            <a:ext cx="1645418" cy="332514"/>
+          </a:xfrm>
+          <a:prstGeom prst="roundRect">
+            <a:avLst/>
+          </a:prstGeom>
+          <a:solidFill>
+            <a:schemeClr val="bg2"/>
+          </a:solidFill>
+          <a:ln>
+            <a:solidFill>
+              <a:schemeClr val="bg1">
+                <a:lumMod val="95000"/>
+              </a:schemeClr>
+            </a:solidFill>
+          </a:ln>
+        </p:spPr>
+        <p:style>
+          <a:lnRef idx="2">
+            <a:schemeClr val="accent1">
+              <a:shade val="50000"/>
+            </a:schemeClr>
+          </a:lnRef>
+          <a:fillRef idx="1">
+            <a:schemeClr val="accent1"/>
+          </a:fillRef>
+          <a:effectRef idx="0">
+            <a:schemeClr val="accent1"/>
+          </a:effectRef>
+          <a:fontRef idx="minor">
+            <a:schemeClr val="lt1"/>
+          </a:fontRef>
+        </p:style>
+        <p:txBody>
+          <a:bodyPr wrap="none" rtlCol="0" anchor="ctr"/>
+          <a:lstStyle/>
+          <a:p>
+            <a:pPr algn="ctr"/>
+            <a:r>
+              <a:rPr kumimoji="1" lang="en-US" altLang="ja-JP" sz="2400" b="1" dirty="0">
+                <a:solidFill>
+                  <a:schemeClr val="tx1"/>
+                </a:solidFill>
+                <a:latin typeface="Meiryo UI" panose="020B0604030504040204" pitchFamily="50" charset="-128"/>
+                <a:ea typeface="Meiryo UI" panose="020B0604030504040204" pitchFamily="50" charset="-128"/>
+              </a:rPr>
+              <a:t>NFT</a:t>
+            </a:r>
+          </a:p>
+          <a:p>
+            <a:pPr algn="ctr"/>
+            <a:r>
+              <a:rPr kumimoji="1" lang="en-US" altLang="ja-JP" sz="1200" b="1" dirty="0">
+                <a:solidFill>
+                  <a:schemeClr val="tx1"/>
+                </a:solidFill>
+                <a:latin typeface="Meiryo UI" panose="020B0604030504040204" pitchFamily="50" charset="-128"/>
+                <a:ea typeface="Meiryo UI" panose="020B0604030504040204" pitchFamily="50" charset="-128"/>
+              </a:rPr>
+              <a:t>(Non CF)</a:t>
+            </a:r>
+            <a:endParaRPr kumimoji="1" lang="ja-JP" altLang="en-US" sz="2400" b="1" dirty="0">
+              <a:solidFill>
+                <a:schemeClr val="tx1"/>
+              </a:solidFill>
+              <a:latin typeface="Meiryo UI" panose="020B0604030504040204" pitchFamily="50" charset="-128"/>
+              <a:ea typeface="Meiryo UI" panose="020B0604030504040204" pitchFamily="50" charset="-128"/>
+            </a:endParaRPr>
+          </a:p>
+        </p:txBody>
+      </p:sp>
+      <p:sp>
+        <p:nvSpPr>
+          <p:cNvPr id="32" name="テキスト ボックス 31">
+            <a:extLst>
+              <a:ext uri="{FF2B5EF4-FFF2-40B4-BE49-F238E27FC236}">
+                <a16:creationId xmlns:a16="http://schemas.microsoft.com/office/drawing/2014/main" id="{0930652B-71D4-376F-7B58-C613444737B7}"/>
               </a:ext>
             </a:extLst>
           </p:cNvPr>
@@ -7517,8 +8163,62 @@
         </p:nvSpPr>
         <p:spPr>
           <a:xfrm>
-            <a:off x="6591438" y="4331813"/>
-            <a:ext cx="1343785" cy="369332"/>
+            <a:off x="4211772" y="4661223"/>
+            <a:ext cx="1659478" cy="369332"/>
+          </a:xfrm>
+          <a:prstGeom prst="rect">
+            <a:avLst/>
+          </a:prstGeom>
+          <a:solidFill>
+            <a:schemeClr val="accent4">
+              <a:lumMod val="20000"/>
+              <a:lumOff val="80000"/>
+            </a:schemeClr>
+          </a:solidFill>
+        </p:spPr>
+        <p:txBody>
+          <a:bodyPr wrap="square">
+            <a:spAutoFit/>
+          </a:bodyPr>
+          <a:lstStyle/>
+          <a:p>
+            <a:pPr algn="ctr"/>
+            <a:r>
+              <a:rPr lang="ja-JP" altLang="en-US" dirty="0">
+                <a:solidFill>
+                  <a:schemeClr val="tx1"/>
+                </a:solidFill>
+                <a:latin typeface="Meiryo UI" panose="020B0604030504040204" pitchFamily="50" charset="-128"/>
+                <a:ea typeface="Meiryo UI" panose="020B0604030504040204" pitchFamily="50" charset="-128"/>
+              </a:rPr>
+              <a:t>第１ステップ</a:t>
+            </a:r>
+            <a:endParaRPr lang="en-US" altLang="ja-JP" dirty="0">
+              <a:solidFill>
+                <a:schemeClr val="tx1"/>
+              </a:solidFill>
+              <a:latin typeface="Meiryo UI" panose="020B0604030504040204" pitchFamily="50" charset="-128"/>
+              <a:ea typeface="Meiryo UI" panose="020B0604030504040204" pitchFamily="50" charset="-128"/>
+            </a:endParaRPr>
+          </a:p>
+        </p:txBody>
+      </p:sp>
+      <p:sp>
+        <p:nvSpPr>
+          <p:cNvPr id="34" name="テキスト ボックス 33">
+            <a:extLst>
+              <a:ext uri="{FF2B5EF4-FFF2-40B4-BE49-F238E27FC236}">
+                <a16:creationId xmlns:a16="http://schemas.microsoft.com/office/drawing/2014/main" id="{E9419F82-6372-B1E2-9733-1943CF09B8B5}"/>
+              </a:ext>
+            </a:extLst>
+          </p:cNvPr>
+          <p:cNvSpPr txBox="1"/>
+          <p:nvPr/>
+        </p:nvSpPr>
+        <p:spPr>
+          <a:xfrm>
+            <a:off x="6025829" y="3691109"/>
+            <a:ext cx="1645419" cy="369332"/>
           </a:xfrm>
           <a:prstGeom prst="rect">
             <a:avLst/>
@@ -7567,80 +8267,20 @@
       </p:sp>
       <p:sp>
         <p:nvSpPr>
-          <p:cNvPr id="35" name="楕円 34">
-            <a:extLst>
-              <a:ext uri="{FF2B5EF4-FFF2-40B4-BE49-F238E27FC236}">
-                <a16:creationId xmlns:a16="http://schemas.microsoft.com/office/drawing/2014/main" id="{A0807249-6CD9-A82D-7B6A-E2E38DFBD087}"/>
-              </a:ext>
-            </a:extLst>
-          </p:cNvPr>
-          <p:cNvSpPr/>
+          <p:cNvPr id="36" name="テキスト ボックス 35">
+            <a:extLst>
+              <a:ext uri="{FF2B5EF4-FFF2-40B4-BE49-F238E27FC236}">
+                <a16:creationId xmlns:a16="http://schemas.microsoft.com/office/drawing/2014/main" id="{D86BBA7C-EF27-CE4E-A101-E694C255051C}"/>
+              </a:ext>
+            </a:extLst>
+          </p:cNvPr>
+          <p:cNvSpPr txBox="1"/>
           <p:nvPr/>
         </p:nvSpPr>
         <p:spPr>
           <a:xfrm>
-            <a:off x="7876860" y="2869573"/>
-            <a:ext cx="360000" cy="360000"/>
-          </a:xfrm>
-          <a:prstGeom prst="ellipse">
-            <a:avLst/>
-          </a:prstGeom>
-          <a:solidFill>
-            <a:schemeClr val="accent4">
-              <a:lumMod val="60000"/>
-              <a:lumOff val="40000"/>
-            </a:schemeClr>
-          </a:solidFill>
-          <a:ln>
-            <a:solidFill>
-              <a:schemeClr val="accent4">
-                <a:lumMod val="60000"/>
-                <a:lumOff val="40000"/>
-              </a:schemeClr>
-            </a:solidFill>
-          </a:ln>
-        </p:spPr>
-        <p:style>
-          <a:lnRef idx="2">
-            <a:schemeClr val="accent1">
-              <a:shade val="50000"/>
-            </a:schemeClr>
-          </a:lnRef>
-          <a:fillRef idx="1">
-            <a:schemeClr val="accent1"/>
-          </a:fillRef>
-          <a:effectRef idx="0">
-            <a:schemeClr val="accent1"/>
-          </a:effectRef>
-          <a:fontRef idx="minor">
-            <a:schemeClr val="lt1"/>
-          </a:fontRef>
-        </p:style>
-        <p:txBody>
-          <a:bodyPr rtlCol="0" anchor="ctr"/>
-          <a:lstStyle/>
-          <a:p>
-            <a:pPr algn="ctr"/>
-            <a:endParaRPr kumimoji="1" lang="ja-JP" altLang="en-US"/>
-          </a:p>
-        </p:txBody>
-      </p:sp>
-      <p:sp>
-        <p:nvSpPr>
-          <p:cNvPr id="36" name="テキスト ボックス 35">
-            <a:extLst>
-              <a:ext uri="{FF2B5EF4-FFF2-40B4-BE49-F238E27FC236}">
-                <a16:creationId xmlns:a16="http://schemas.microsoft.com/office/drawing/2014/main" id="{D86BBA7C-EF27-CE4E-A101-E694C255051C}"/>
-              </a:ext>
-            </a:extLst>
-          </p:cNvPr>
-          <p:cNvSpPr txBox="1"/>
-          <p:nvPr/>
-        </p:nvSpPr>
-        <p:spPr>
-          <a:xfrm>
-            <a:off x="8391438" y="3363635"/>
-            <a:ext cx="1343785" cy="369332"/>
+            <a:off x="7825829" y="2722931"/>
+            <a:ext cx="1624566" cy="369332"/>
           </a:xfrm>
           <a:prstGeom prst="rect">
             <a:avLst/>
@@ -7689,74 +8329,20 @@
       </p:sp>
       <p:sp>
         <p:nvSpPr>
-          <p:cNvPr id="37" name="楕円 36">
-            <a:extLst>
-              <a:ext uri="{FF2B5EF4-FFF2-40B4-BE49-F238E27FC236}">
-                <a16:creationId xmlns:a16="http://schemas.microsoft.com/office/drawing/2014/main" id="{C9708258-CC56-C6AB-3481-E942739094E8}"/>
-              </a:ext>
-            </a:extLst>
-          </p:cNvPr>
-          <p:cNvSpPr/>
+          <p:cNvPr id="38" name="テキスト ボックス 37">
+            <a:extLst>
+              <a:ext uri="{FF2B5EF4-FFF2-40B4-BE49-F238E27FC236}">
+                <a16:creationId xmlns:a16="http://schemas.microsoft.com/office/drawing/2014/main" id="{2039DE26-FFBD-6E09-98C7-40B7A2171F27}"/>
+              </a:ext>
+            </a:extLst>
+          </p:cNvPr>
+          <p:cNvSpPr txBox="1"/>
           <p:nvPr/>
         </p:nvSpPr>
         <p:spPr>
           <a:xfrm>
-            <a:off x="9656004" y="1879474"/>
-            <a:ext cx="360000" cy="360000"/>
-          </a:xfrm>
-          <a:prstGeom prst="ellipse">
-            <a:avLst/>
-          </a:prstGeom>
-          <a:solidFill>
-            <a:schemeClr val="accent4"/>
-          </a:solidFill>
-          <a:ln>
-            <a:solidFill>
-              <a:schemeClr val="accent4"/>
-            </a:solidFill>
-          </a:ln>
-        </p:spPr>
-        <p:style>
-          <a:lnRef idx="2">
-            <a:schemeClr val="accent1">
-              <a:shade val="50000"/>
-            </a:schemeClr>
-          </a:lnRef>
-          <a:fillRef idx="1">
-            <a:schemeClr val="accent1"/>
-          </a:fillRef>
-          <a:effectRef idx="0">
-            <a:schemeClr val="accent1"/>
-          </a:effectRef>
-          <a:fontRef idx="minor">
-            <a:schemeClr val="lt1"/>
-          </a:fontRef>
-        </p:style>
-        <p:txBody>
-          <a:bodyPr rtlCol="0" anchor="ctr"/>
-          <a:lstStyle/>
-          <a:p>
-            <a:pPr algn="ctr"/>
-            <a:endParaRPr kumimoji="1" lang="ja-JP" altLang="en-US"/>
-          </a:p>
-        </p:txBody>
-      </p:sp>
-      <p:sp>
-        <p:nvSpPr>
-          <p:cNvPr id="38" name="テキスト ボックス 37">
-            <a:extLst>
-              <a:ext uri="{FF2B5EF4-FFF2-40B4-BE49-F238E27FC236}">
-                <a16:creationId xmlns:a16="http://schemas.microsoft.com/office/drawing/2014/main" id="{2039DE26-FFBD-6E09-98C7-40B7A2171F27}"/>
-              </a:ext>
-            </a:extLst>
-          </p:cNvPr>
-          <p:cNvSpPr txBox="1"/>
-          <p:nvPr/>
-        </p:nvSpPr>
-        <p:spPr>
-          <a:xfrm>
-            <a:off x="10170582" y="2373536"/>
-            <a:ext cx="1343785" cy="369332"/>
+            <a:off x="9547850" y="1704215"/>
+            <a:ext cx="1605597" cy="369332"/>
           </a:xfrm>
           <a:prstGeom prst="rect">
             <a:avLst/>
@@ -7797,58 +8383,12 @@
           </a:p>
         </p:txBody>
       </p:sp>
-      <p:cxnSp>
-        <p:nvCxnSpPr>
-          <p:cNvPr id="40" name="直線コネクタ 39">
-            <a:extLst>
-              <a:ext uri="{FF2B5EF4-FFF2-40B4-BE49-F238E27FC236}">
-                <a16:creationId xmlns:a16="http://schemas.microsoft.com/office/drawing/2014/main" id="{C2080F13-0BCF-384F-DF5A-135FB2F0B131}"/>
-              </a:ext>
-            </a:extLst>
-          </p:cNvPr>
-          <p:cNvCxnSpPr>
-            <a:cxnSpLocks/>
-            <a:stCxn id="7" idx="3"/>
-            <a:endCxn id="31" idx="4"/>
-          </p:cNvCxnSpPr>
-          <p:nvPr/>
-        </p:nvCxnSpPr>
-        <p:spPr>
-          <a:xfrm flipV="1">
-            <a:off x="4438394" y="5167865"/>
-            <a:ext cx="0" cy="1015303"/>
-          </a:xfrm>
-          <a:prstGeom prst="line">
-            <a:avLst/>
-          </a:prstGeom>
-          <a:ln w="28575">
-            <a:solidFill>
-              <a:schemeClr val="bg1"/>
-            </a:solidFill>
-            <a:prstDash val="dash"/>
-          </a:ln>
-        </p:spPr>
-        <p:style>
-          <a:lnRef idx="1">
-            <a:schemeClr val="accent1"/>
-          </a:lnRef>
-          <a:fillRef idx="0">
-            <a:schemeClr val="accent1"/>
-          </a:fillRef>
-          <a:effectRef idx="0">
-            <a:schemeClr val="accent1"/>
-          </a:effectRef>
-          <a:fontRef idx="minor">
-            <a:schemeClr val="tx1"/>
-          </a:fontRef>
-        </p:style>
-      </p:cxnSp>
-      <p:sp>
-        <p:nvSpPr>
-          <p:cNvPr id="31" name="楕円 30">
-            <a:extLst>
-              <a:ext uri="{FF2B5EF4-FFF2-40B4-BE49-F238E27FC236}">
-                <a16:creationId xmlns:a16="http://schemas.microsoft.com/office/drawing/2014/main" id="{507FEE3E-DA9E-36DE-CA22-3D32AC171F5C}"/>
+      <p:sp>
+        <p:nvSpPr>
+          <p:cNvPr id="13" name="四角形: 角を丸くする 12">
+            <a:extLst>
+              <a:ext uri="{FF2B5EF4-FFF2-40B4-BE49-F238E27FC236}">
+                <a16:creationId xmlns:a16="http://schemas.microsoft.com/office/drawing/2014/main" id="{4A5C54C2-1687-BDC6-D122-E83A5C827216}"/>
               </a:ext>
             </a:extLst>
           </p:cNvPr>
@@ -7857,392 +8397,14 @@
         </p:nvSpPr>
         <p:spPr>
           <a:xfrm>
-            <a:off x="4262803" y="4807865"/>
-            <a:ext cx="360000" cy="360000"/>
-          </a:xfrm>
-          <a:prstGeom prst="ellipse">
-            <a:avLst/>
-          </a:prstGeom>
-          <a:solidFill>
-            <a:schemeClr val="accent4">
-              <a:lumMod val="20000"/>
-              <a:lumOff val="80000"/>
-            </a:schemeClr>
-          </a:solidFill>
-          <a:ln>
-            <a:solidFill>
-              <a:schemeClr val="accent4">
-                <a:lumMod val="20000"/>
-                <a:lumOff val="80000"/>
-              </a:schemeClr>
-            </a:solidFill>
-          </a:ln>
-        </p:spPr>
-        <p:style>
-          <a:lnRef idx="2">
-            <a:schemeClr val="accent1">
-              <a:shade val="50000"/>
-            </a:schemeClr>
-          </a:lnRef>
-          <a:fillRef idx="1">
-            <a:schemeClr val="accent1"/>
-          </a:fillRef>
-          <a:effectRef idx="0">
-            <a:schemeClr val="accent1"/>
-          </a:effectRef>
-          <a:fontRef idx="minor">
-            <a:schemeClr val="lt1"/>
-          </a:fontRef>
-        </p:style>
-        <p:txBody>
-          <a:bodyPr rtlCol="0" anchor="ctr"/>
-          <a:lstStyle/>
-          <a:p>
-            <a:pPr algn="ctr"/>
-            <a:endParaRPr kumimoji="1" lang="ja-JP" altLang="en-US"/>
-          </a:p>
-        </p:txBody>
-      </p:sp>
-      <p:cxnSp>
-        <p:nvCxnSpPr>
-          <p:cNvPr id="45" name="直線コネクタ 44">
-            <a:extLst>
-              <a:ext uri="{FF2B5EF4-FFF2-40B4-BE49-F238E27FC236}">
-                <a16:creationId xmlns:a16="http://schemas.microsoft.com/office/drawing/2014/main" id="{0179E751-A254-C1C0-3267-3C8D6A0744C2}"/>
-              </a:ext>
-            </a:extLst>
-          </p:cNvPr>
-          <p:cNvCxnSpPr>
-            <a:cxnSpLocks/>
-            <a:endCxn id="31" idx="6"/>
-          </p:cNvCxnSpPr>
-          <p:nvPr/>
-        </p:nvCxnSpPr>
-        <p:spPr>
-          <a:xfrm flipH="1">
-            <a:off x="4622803" y="4987865"/>
-            <a:ext cx="1596844" cy="0"/>
-          </a:xfrm>
-          <a:prstGeom prst="line">
-            <a:avLst/>
-          </a:prstGeom>
-          <a:ln w="28575">
-            <a:solidFill>
-              <a:schemeClr val="bg1"/>
-            </a:solidFill>
-            <a:prstDash val="dash"/>
-          </a:ln>
-        </p:spPr>
-        <p:style>
-          <a:lnRef idx="1">
-            <a:schemeClr val="accent1"/>
-          </a:lnRef>
-          <a:fillRef idx="0">
-            <a:schemeClr val="accent1"/>
-          </a:fillRef>
-          <a:effectRef idx="0">
-            <a:schemeClr val="accent1"/>
-          </a:effectRef>
-          <a:fontRef idx="minor">
-            <a:schemeClr val="tx1"/>
-          </a:fontRef>
-        </p:style>
-      </p:cxnSp>
-      <p:cxnSp>
-        <p:nvCxnSpPr>
-          <p:cNvPr id="48" name="直線コネクタ 47">
-            <a:extLst>
-              <a:ext uri="{FF2B5EF4-FFF2-40B4-BE49-F238E27FC236}">
-                <a16:creationId xmlns:a16="http://schemas.microsoft.com/office/drawing/2014/main" id="{D141A9DC-CA73-BF3A-3335-3EF21F478D30}"/>
-              </a:ext>
-            </a:extLst>
-          </p:cNvPr>
-          <p:cNvCxnSpPr>
-            <a:cxnSpLocks/>
-            <a:endCxn id="33" idx="4"/>
-          </p:cNvCxnSpPr>
-          <p:nvPr/>
-        </p:nvCxnSpPr>
-        <p:spPr>
-          <a:xfrm flipV="1">
-            <a:off x="6256860" y="4197751"/>
-            <a:ext cx="0" cy="774995"/>
-          </a:xfrm>
-          <a:prstGeom prst="line">
-            <a:avLst/>
-          </a:prstGeom>
-          <a:ln w="28575">
-            <a:solidFill>
-              <a:schemeClr val="bg1"/>
-            </a:solidFill>
-            <a:prstDash val="dash"/>
-          </a:ln>
-        </p:spPr>
-        <p:style>
-          <a:lnRef idx="1">
-            <a:schemeClr val="accent1"/>
-          </a:lnRef>
-          <a:fillRef idx="0">
-            <a:schemeClr val="accent1"/>
-          </a:fillRef>
-          <a:effectRef idx="0">
-            <a:schemeClr val="accent1"/>
-          </a:effectRef>
-          <a:fontRef idx="minor">
-            <a:schemeClr val="tx1"/>
-          </a:fontRef>
-        </p:style>
-      </p:cxnSp>
-      <p:cxnSp>
-        <p:nvCxnSpPr>
-          <p:cNvPr id="51" name="直線コネクタ 50">
-            <a:extLst>
-              <a:ext uri="{FF2B5EF4-FFF2-40B4-BE49-F238E27FC236}">
-                <a16:creationId xmlns:a16="http://schemas.microsoft.com/office/drawing/2014/main" id="{AD389415-1326-958F-0DD7-A5728007F160}"/>
-              </a:ext>
-            </a:extLst>
-          </p:cNvPr>
-          <p:cNvCxnSpPr>
-            <a:cxnSpLocks/>
-            <a:endCxn id="33" idx="6"/>
-          </p:cNvCxnSpPr>
-          <p:nvPr/>
-        </p:nvCxnSpPr>
-        <p:spPr>
-          <a:xfrm flipH="1">
-            <a:off x="6436860" y="4017549"/>
-            <a:ext cx="1562651" cy="202"/>
-          </a:xfrm>
-          <a:prstGeom prst="line">
-            <a:avLst/>
-          </a:prstGeom>
-          <a:ln w="28575">
-            <a:solidFill>
-              <a:schemeClr val="bg1"/>
-            </a:solidFill>
-            <a:prstDash val="dash"/>
-          </a:ln>
-        </p:spPr>
-        <p:style>
-          <a:lnRef idx="1">
-            <a:schemeClr val="accent1"/>
-          </a:lnRef>
-          <a:fillRef idx="0">
-            <a:schemeClr val="accent1"/>
-          </a:fillRef>
-          <a:effectRef idx="0">
-            <a:schemeClr val="accent1"/>
-          </a:effectRef>
-          <a:fontRef idx="minor">
-            <a:schemeClr val="tx1"/>
-          </a:fontRef>
-        </p:style>
-      </p:cxnSp>
-      <p:cxnSp>
-        <p:nvCxnSpPr>
-          <p:cNvPr id="52" name="直線コネクタ 51">
-            <a:extLst>
-              <a:ext uri="{FF2B5EF4-FFF2-40B4-BE49-F238E27FC236}">
-                <a16:creationId xmlns:a16="http://schemas.microsoft.com/office/drawing/2014/main" id="{63DEC709-FC44-568E-0E27-5D156AD139C4}"/>
-              </a:ext>
-            </a:extLst>
-          </p:cNvPr>
-          <p:cNvCxnSpPr>
-            <a:cxnSpLocks/>
-            <a:endCxn id="35" idx="4"/>
-          </p:cNvCxnSpPr>
-          <p:nvPr/>
-        </p:nvCxnSpPr>
-        <p:spPr>
-          <a:xfrm flipH="1" flipV="1">
-            <a:off x="8056860" y="3229573"/>
-            <a:ext cx="0" cy="792000"/>
-          </a:xfrm>
-          <a:prstGeom prst="line">
-            <a:avLst/>
-          </a:prstGeom>
-          <a:ln w="28575">
-            <a:solidFill>
-              <a:schemeClr val="bg1"/>
-            </a:solidFill>
-            <a:prstDash val="dash"/>
-          </a:ln>
-        </p:spPr>
-        <p:style>
-          <a:lnRef idx="1">
-            <a:schemeClr val="accent1"/>
-          </a:lnRef>
-          <a:fillRef idx="0">
-            <a:schemeClr val="accent1"/>
-          </a:fillRef>
-          <a:effectRef idx="0">
-            <a:schemeClr val="accent1"/>
-          </a:effectRef>
-          <a:fontRef idx="minor">
-            <a:schemeClr val="tx1"/>
-          </a:fontRef>
-        </p:style>
-      </p:cxnSp>
-      <p:cxnSp>
-        <p:nvCxnSpPr>
-          <p:cNvPr id="60" name="直線コネクタ 59">
-            <a:extLst>
-              <a:ext uri="{FF2B5EF4-FFF2-40B4-BE49-F238E27FC236}">
-                <a16:creationId xmlns:a16="http://schemas.microsoft.com/office/drawing/2014/main" id="{EC6DD448-4BF4-2C1F-596F-5D244A9A2682}"/>
-              </a:ext>
-            </a:extLst>
-          </p:cNvPr>
-          <p:cNvCxnSpPr>
-            <a:cxnSpLocks/>
-            <a:endCxn id="35" idx="6"/>
-          </p:cNvCxnSpPr>
-          <p:nvPr/>
-        </p:nvCxnSpPr>
-        <p:spPr>
-          <a:xfrm flipH="1">
-            <a:off x="8236860" y="3042957"/>
-            <a:ext cx="1557895" cy="0"/>
-          </a:xfrm>
-          <a:prstGeom prst="line">
-            <a:avLst/>
-          </a:prstGeom>
-          <a:ln w="28575">
-            <a:solidFill>
-              <a:schemeClr val="bg1"/>
-            </a:solidFill>
-            <a:prstDash val="dash"/>
-          </a:ln>
-        </p:spPr>
-        <p:style>
-          <a:lnRef idx="1">
-            <a:schemeClr val="accent1"/>
-          </a:lnRef>
-          <a:fillRef idx="0">
-            <a:schemeClr val="accent1"/>
-          </a:fillRef>
-          <a:effectRef idx="0">
-            <a:schemeClr val="accent1"/>
-          </a:effectRef>
-          <a:fontRef idx="minor">
-            <a:schemeClr val="tx1"/>
-          </a:fontRef>
-        </p:style>
-      </p:cxnSp>
-      <p:cxnSp>
-        <p:nvCxnSpPr>
-          <p:cNvPr id="61" name="直線コネクタ 60">
-            <a:extLst>
-              <a:ext uri="{FF2B5EF4-FFF2-40B4-BE49-F238E27FC236}">
-                <a16:creationId xmlns:a16="http://schemas.microsoft.com/office/drawing/2014/main" id="{B9B1E74E-9A13-A0D6-4353-4BCD60BAD39B}"/>
-              </a:ext>
-            </a:extLst>
-          </p:cNvPr>
-          <p:cNvCxnSpPr>
-            <a:cxnSpLocks/>
-            <a:endCxn id="37" idx="4"/>
-          </p:cNvCxnSpPr>
-          <p:nvPr/>
-        </p:nvCxnSpPr>
-        <p:spPr>
-          <a:xfrm flipV="1">
-            <a:off x="9831968" y="2239474"/>
-            <a:ext cx="0" cy="788364"/>
-          </a:xfrm>
-          <a:prstGeom prst="line">
-            <a:avLst/>
-          </a:prstGeom>
-          <a:ln w="28575">
-            <a:solidFill>
-              <a:schemeClr val="bg1"/>
-            </a:solidFill>
-            <a:prstDash val="dash"/>
-          </a:ln>
-        </p:spPr>
-        <p:style>
-          <a:lnRef idx="1">
-            <a:schemeClr val="accent1"/>
-          </a:lnRef>
-          <a:fillRef idx="0">
-            <a:schemeClr val="accent1"/>
-          </a:fillRef>
-          <a:effectRef idx="0">
-            <a:schemeClr val="accent1"/>
-          </a:effectRef>
-          <a:fontRef idx="minor">
-            <a:schemeClr val="tx1"/>
-          </a:fontRef>
-        </p:style>
-      </p:cxnSp>
-      <p:cxnSp>
-        <p:nvCxnSpPr>
-          <p:cNvPr id="65" name="直線コネクタ 64">
-            <a:extLst>
-              <a:ext uri="{FF2B5EF4-FFF2-40B4-BE49-F238E27FC236}">
-                <a16:creationId xmlns:a16="http://schemas.microsoft.com/office/drawing/2014/main" id="{2B73B80F-A245-7FBD-71B8-C96370B7618E}"/>
-              </a:ext>
-            </a:extLst>
-          </p:cNvPr>
-          <p:cNvCxnSpPr>
-            <a:cxnSpLocks/>
-            <a:stCxn id="30" idx="0"/>
-            <a:endCxn id="37" idx="6"/>
-          </p:cNvCxnSpPr>
-          <p:nvPr/>
-        </p:nvCxnSpPr>
-        <p:spPr>
-          <a:xfrm flipH="1" flipV="1">
-            <a:off x="10016004" y="2059474"/>
-            <a:ext cx="1377328" cy="184"/>
-          </a:xfrm>
-          <a:prstGeom prst="line">
-            <a:avLst/>
-          </a:prstGeom>
-          <a:ln w="28575">
-            <a:solidFill>
-              <a:schemeClr val="bg1"/>
-            </a:solidFill>
-            <a:prstDash val="dash"/>
-          </a:ln>
-        </p:spPr>
-        <p:style>
-          <a:lnRef idx="1">
-            <a:schemeClr val="accent1"/>
-          </a:lnRef>
-          <a:fillRef idx="0">
-            <a:schemeClr val="accent1"/>
-          </a:fillRef>
-          <a:effectRef idx="0">
-            <a:schemeClr val="accent1"/>
-          </a:effectRef>
-          <a:fontRef idx="minor">
-            <a:schemeClr val="tx1"/>
-          </a:fontRef>
-        </p:style>
-      </p:cxnSp>
-      <p:sp>
-        <p:nvSpPr>
-          <p:cNvPr id="68" name="四角形: 角を丸くする 67">
-            <a:extLst>
-              <a:ext uri="{FF2B5EF4-FFF2-40B4-BE49-F238E27FC236}">
-                <a16:creationId xmlns:a16="http://schemas.microsoft.com/office/drawing/2014/main" id="{A3C45D03-1FC0-F4BD-21B8-36A85BFE95A4}"/>
-              </a:ext>
-            </a:extLst>
-          </p:cNvPr>
-          <p:cNvSpPr/>
-          <p:nvPr/>
-        </p:nvSpPr>
-        <p:spPr>
-          <a:xfrm>
-            <a:off x="1202908" y="4236445"/>
-            <a:ext cx="844564" cy="1846659"/>
+            <a:off x="6027877" y="4816845"/>
+            <a:ext cx="1641321" cy="625562"/>
           </a:xfrm>
           <a:prstGeom prst="roundRect">
             <a:avLst/>
           </a:prstGeom>
           <a:solidFill>
-            <a:schemeClr val="bg1">
-              <a:lumMod val="95000"/>
-            </a:schemeClr>
+            <a:schemeClr val="bg2"/>
           </a:solidFill>
           <a:ln>
             <a:solidFill>
@@ -8281,37 +8443,17 @@
                 <a:latin typeface="Meiryo UI" panose="020B0604030504040204" pitchFamily="50" charset="-128"/>
                 <a:ea typeface="Meiryo UI" panose="020B0604030504040204" pitchFamily="50" charset="-128"/>
               </a:rPr>
-              <a:t>NFT</a:t>
-            </a:r>
-          </a:p>
-          <a:p>
-            <a:pPr algn="ctr"/>
-            <a:r>
-              <a:rPr kumimoji="1" lang="en-US" altLang="ja-JP" sz="1200" b="1" dirty="0">
-                <a:solidFill>
-                  <a:schemeClr val="tx1"/>
-                </a:solidFill>
-                <a:latin typeface="Meiryo UI" panose="020B0604030504040204" pitchFamily="50" charset="-128"/>
-                <a:ea typeface="Meiryo UI" panose="020B0604030504040204" pitchFamily="50" charset="-128"/>
-              </a:rPr>
-              <a:t>(Non CF)</a:t>
-            </a:r>
-            <a:endParaRPr kumimoji="1" lang="ja-JP" altLang="en-US" sz="2400" b="1" dirty="0">
-              <a:solidFill>
-                <a:schemeClr val="tx1"/>
-              </a:solidFill>
-              <a:latin typeface="Meiryo UI" panose="020B0604030504040204" pitchFamily="50" charset="-128"/>
-              <a:ea typeface="Meiryo UI" panose="020B0604030504040204" pitchFamily="50" charset="-128"/>
-            </a:endParaRPr>
-          </a:p>
-        </p:txBody>
-      </p:sp>
-      <p:sp>
-        <p:nvSpPr>
-          <p:cNvPr id="69" name="四角形: 角を丸くする 68">
-            <a:extLst>
-              <a:ext uri="{FF2B5EF4-FFF2-40B4-BE49-F238E27FC236}">
-                <a16:creationId xmlns:a16="http://schemas.microsoft.com/office/drawing/2014/main" id="{A35D32C8-E6A2-1DA2-4718-611FF3742746}"/>
+              <a:t>STO</a:t>
+            </a:r>
+          </a:p>
+        </p:txBody>
+      </p:sp>
+      <p:sp>
+        <p:nvSpPr>
+          <p:cNvPr id="15" name="四角形: 角を丸くする 14">
+            <a:extLst>
+              <a:ext uri="{FF2B5EF4-FFF2-40B4-BE49-F238E27FC236}">
+                <a16:creationId xmlns:a16="http://schemas.microsoft.com/office/drawing/2014/main" id="{EC433A2E-D508-D1D3-1866-AAE5FF5A71EF}"/>
               </a:ext>
             </a:extLst>
           </p:cNvPr>
@@ -8320,16 +8462,14 @@
         </p:nvSpPr>
         <p:spPr>
           <a:xfrm>
-            <a:off x="1202908" y="3609506"/>
-            <a:ext cx="844564" cy="553484"/>
+            <a:off x="7829565" y="3192616"/>
+            <a:ext cx="1657759" cy="2262054"/>
           </a:xfrm>
           <a:prstGeom prst="roundRect">
             <a:avLst/>
           </a:prstGeom>
           <a:solidFill>
-            <a:schemeClr val="bg1">
-              <a:lumMod val="95000"/>
-            </a:schemeClr>
+            <a:schemeClr val="bg2"/>
           </a:solidFill>
           <a:ln>
             <a:solidFill>
@@ -8368,17 +8508,30 @@
                 <a:latin typeface="Meiryo UI" panose="020B0604030504040204" pitchFamily="50" charset="-128"/>
                 <a:ea typeface="Meiryo UI" panose="020B0604030504040204" pitchFamily="50" charset="-128"/>
               </a:rPr>
-              <a:t>STO</a:t>
-            </a:r>
-          </a:p>
-        </p:txBody>
-      </p:sp>
-      <p:sp>
-        <p:nvSpPr>
-          <p:cNvPr id="70" name="四角形: 角を丸くする 69">
-            <a:extLst>
-              <a:ext uri="{FF2B5EF4-FFF2-40B4-BE49-F238E27FC236}">
-                <a16:creationId xmlns:a16="http://schemas.microsoft.com/office/drawing/2014/main" id="{378BF066-FED4-9012-F724-F25A9214A3F4}"/>
+              <a:t>Passive</a:t>
+            </a:r>
+          </a:p>
+          <a:p>
+            <a:pPr algn="ctr"/>
+            <a:r>
+              <a:rPr kumimoji="1" lang="en-US" altLang="ja-JP" sz="2400" b="1" dirty="0">
+                <a:solidFill>
+                  <a:schemeClr val="tx1"/>
+                </a:solidFill>
+                <a:latin typeface="Meiryo UI" panose="020B0604030504040204" pitchFamily="50" charset="-128"/>
+                <a:ea typeface="Meiryo UI" panose="020B0604030504040204" pitchFamily="50" charset="-128"/>
+              </a:rPr>
+              <a:t>Fund</a:t>
+            </a:r>
+          </a:p>
+        </p:txBody>
+      </p:sp>
+      <p:sp>
+        <p:nvSpPr>
+          <p:cNvPr id="20" name="四角形: 角を丸くする 19">
+            <a:extLst>
+              <a:ext uri="{FF2B5EF4-FFF2-40B4-BE49-F238E27FC236}">
+                <a16:creationId xmlns:a16="http://schemas.microsoft.com/office/drawing/2014/main" id="{6EEEC21E-3487-CA95-FA02-C95AC4F6867B}"/>
               </a:ext>
             </a:extLst>
           </p:cNvPr>
@@ -8387,16 +8540,14 @@
         </p:nvSpPr>
         <p:spPr>
           <a:xfrm>
-            <a:off x="2133733" y="3625242"/>
-            <a:ext cx="1850871" cy="537748"/>
+            <a:off x="9546010" y="3780902"/>
+            <a:ext cx="1603389" cy="1656000"/>
           </a:xfrm>
           <a:prstGeom prst="roundRect">
             <a:avLst/>
           </a:prstGeom>
           <a:solidFill>
-            <a:schemeClr val="bg1">
-              <a:lumMod val="95000"/>
-            </a:schemeClr>
+            <a:schemeClr val="bg2"/>
           </a:solidFill>
           <a:ln>
             <a:solidFill>
@@ -8428,24 +8579,37 @@
           <a:p>
             <a:pPr algn="ctr"/>
             <a:r>
-              <a:rPr kumimoji="1" lang="en-US" altLang="ja-JP" sz="2000" b="1" dirty="0">
+              <a:rPr kumimoji="1" lang="en-US" altLang="ja-JP" sz="2400" b="1" dirty="0">
                 <a:solidFill>
                   <a:schemeClr val="tx1"/>
                 </a:solidFill>
                 <a:latin typeface="Meiryo UI" panose="020B0604030504040204" pitchFamily="50" charset="-128"/>
                 <a:ea typeface="Meiryo UI" panose="020B0604030504040204" pitchFamily="50" charset="-128"/>
               </a:rPr>
-              <a:t>Stock Token</a:t>
-            </a:r>
-          </a:p>
-        </p:txBody>
-      </p:sp>
-      <p:sp>
-        <p:nvSpPr>
-          <p:cNvPr id="71" name="四角形: 角を丸くする 70">
-            <a:extLst>
-              <a:ext uri="{FF2B5EF4-FFF2-40B4-BE49-F238E27FC236}">
-                <a16:creationId xmlns:a16="http://schemas.microsoft.com/office/drawing/2014/main" id="{AF9644D6-658C-2B5C-3175-C322E281878C}"/>
+              <a:t>Active</a:t>
+            </a:r>
+          </a:p>
+          <a:p>
+            <a:pPr algn="ctr"/>
+            <a:r>
+              <a:rPr kumimoji="1" lang="en-US" altLang="ja-JP" sz="2400" b="1" dirty="0">
+                <a:solidFill>
+                  <a:schemeClr val="tx1"/>
+                </a:solidFill>
+                <a:latin typeface="Meiryo UI" panose="020B0604030504040204" pitchFamily="50" charset="-128"/>
+                <a:ea typeface="Meiryo UI" panose="020B0604030504040204" pitchFamily="50" charset="-128"/>
+              </a:rPr>
+              <a:t>Fund</a:t>
+            </a:r>
+          </a:p>
+        </p:txBody>
+      </p:sp>
+      <p:sp>
+        <p:nvSpPr>
+          <p:cNvPr id="22" name="四角形: 角を丸くする 21">
+            <a:extLst>
+              <a:ext uri="{FF2B5EF4-FFF2-40B4-BE49-F238E27FC236}">
+                <a16:creationId xmlns:a16="http://schemas.microsoft.com/office/drawing/2014/main" id="{2C251CB9-B3C9-5405-EE02-ADFF60A6010B}"/>
               </a:ext>
             </a:extLst>
           </p:cNvPr>
@@ -8454,16 +8618,14 @@
         </p:nvSpPr>
         <p:spPr>
           <a:xfrm>
-            <a:off x="1202908" y="1397686"/>
-            <a:ext cx="2781696" cy="1018178"/>
+            <a:off x="6029124" y="4131816"/>
+            <a:ext cx="1641321" cy="625562"/>
           </a:xfrm>
           <a:prstGeom prst="roundRect">
             <a:avLst/>
           </a:prstGeom>
           <a:solidFill>
-            <a:schemeClr val="bg1">
-              <a:lumMod val="95000"/>
-            </a:schemeClr>
+            <a:schemeClr val="bg2"/>
           </a:solidFill>
           <a:ln>
             <a:solidFill>
@@ -8495,24 +8657,44 @@
           <a:p>
             <a:pPr algn="ctr"/>
             <a:r>
-              <a:rPr kumimoji="1" lang="en-US" altLang="ja-JP" sz="2400" b="1" dirty="0">
+              <a:rPr kumimoji="1" lang="en-US" altLang="ja-JP" sz="2000" b="1" dirty="0">
                 <a:solidFill>
                   <a:schemeClr val="tx1"/>
                 </a:solidFill>
                 <a:latin typeface="Meiryo UI" panose="020B0604030504040204" pitchFamily="50" charset="-128"/>
                 <a:ea typeface="Meiryo UI" panose="020B0604030504040204" pitchFamily="50" charset="-128"/>
               </a:rPr>
-              <a:t>Active Fund</a:t>
-            </a:r>
-          </a:p>
-        </p:txBody>
-      </p:sp>
-      <p:sp>
-        <p:nvSpPr>
-          <p:cNvPr id="72" name="四角形: 角を丸くする 71">
-            <a:extLst>
-              <a:ext uri="{FF2B5EF4-FFF2-40B4-BE49-F238E27FC236}">
-                <a16:creationId xmlns:a16="http://schemas.microsoft.com/office/drawing/2014/main" id="{8426BD4A-7D89-4572-8E4F-2804A2FFE707}"/>
+              <a:t>Stock</a:t>
+            </a:r>
+          </a:p>
+          <a:p>
+            <a:pPr algn="ctr"/>
+            <a:r>
+              <a:rPr lang="en-US" altLang="ja-JP" sz="2000" b="1" dirty="0">
+                <a:solidFill>
+                  <a:schemeClr val="tx1"/>
+                </a:solidFill>
+                <a:latin typeface="Meiryo UI" panose="020B0604030504040204" pitchFamily="50" charset="-128"/>
+                <a:ea typeface="Meiryo UI" panose="020B0604030504040204" pitchFamily="50" charset="-128"/>
+              </a:rPr>
+              <a:t>Token</a:t>
+            </a:r>
+            <a:endParaRPr kumimoji="1" lang="en-US" altLang="ja-JP" sz="2000" b="1" dirty="0">
+              <a:solidFill>
+                <a:schemeClr val="tx1"/>
+              </a:solidFill>
+              <a:latin typeface="Meiryo UI" panose="020B0604030504040204" pitchFamily="50" charset="-128"/>
+              <a:ea typeface="Meiryo UI" panose="020B0604030504040204" pitchFamily="50" charset="-128"/>
+            </a:endParaRPr>
+          </a:p>
+        </p:txBody>
+      </p:sp>
+      <p:sp>
+        <p:nvSpPr>
+          <p:cNvPr id="25" name="四角形: 角を丸くする 24">
+            <a:extLst>
+              <a:ext uri="{FF2B5EF4-FFF2-40B4-BE49-F238E27FC236}">
+                <a16:creationId xmlns:a16="http://schemas.microsoft.com/office/drawing/2014/main" id="{E13CCE4D-E233-EB31-09A6-4A877567FC00}"/>
               </a:ext>
             </a:extLst>
           </p:cNvPr>
@@ -8521,16 +8703,14 @@
         </p:nvSpPr>
         <p:spPr>
           <a:xfrm>
-            <a:off x="4197936" y="1397686"/>
-            <a:ext cx="2781696" cy="1018178"/>
+            <a:off x="9546010" y="2117606"/>
+            <a:ext cx="1603389" cy="1620000"/>
           </a:xfrm>
           <a:prstGeom prst="roundRect">
             <a:avLst/>
           </a:prstGeom>
           <a:solidFill>
-            <a:schemeClr val="bg1">
-              <a:lumMod val="95000"/>
-            </a:schemeClr>
+            <a:schemeClr val="bg2"/>
           </a:solidFill>
           <a:ln>
             <a:solidFill>
@@ -8569,41 +8749,197 @@
                 <a:latin typeface="Meiryo UI" panose="020B0604030504040204" pitchFamily="50" charset="-128"/>
                 <a:ea typeface="Meiryo UI" panose="020B0604030504040204" pitchFamily="50" charset="-128"/>
               </a:rPr>
-              <a:t>Hedge Fund</a:t>
-            </a:r>
-          </a:p>
-        </p:txBody>
-      </p:sp>
-      <p:sp>
-        <p:nvSpPr>
-          <p:cNvPr id="74" name="四角形: 角を丸くする 73">
-            <a:extLst>
-              <a:ext uri="{FF2B5EF4-FFF2-40B4-BE49-F238E27FC236}">
-                <a16:creationId xmlns:a16="http://schemas.microsoft.com/office/drawing/2014/main" id="{6BC48B8F-5EC7-9F0B-0DA4-28F55A11079D}"/>
-              </a:ext>
-            </a:extLst>
-          </p:cNvPr>
-          <p:cNvSpPr/>
+              <a:t>Hedge</a:t>
+            </a:r>
+          </a:p>
+          <a:p>
+            <a:pPr algn="ctr"/>
+            <a:r>
+              <a:rPr kumimoji="1" lang="en-US" altLang="ja-JP" sz="2400" b="1" dirty="0">
+                <a:solidFill>
+                  <a:schemeClr val="tx1"/>
+                </a:solidFill>
+                <a:latin typeface="Meiryo UI" panose="020B0604030504040204" pitchFamily="50" charset="-128"/>
+                <a:ea typeface="Meiryo UI" panose="020B0604030504040204" pitchFamily="50" charset="-128"/>
+              </a:rPr>
+              <a:t>Fund</a:t>
+            </a:r>
+          </a:p>
+        </p:txBody>
+      </p:sp>
+      <p:sp>
+        <p:nvSpPr>
+          <p:cNvPr id="26" name="テキスト ボックス 25">
+            <a:extLst>
+              <a:ext uri="{FF2B5EF4-FFF2-40B4-BE49-F238E27FC236}">
+                <a16:creationId xmlns:a16="http://schemas.microsoft.com/office/drawing/2014/main" id="{031120AF-FD71-590F-3A8A-3E760F74A09E}"/>
+              </a:ext>
+            </a:extLst>
+          </p:cNvPr>
+          <p:cNvSpPr txBox="1"/>
           <p:nvPr/>
         </p:nvSpPr>
         <p:spPr>
           <a:xfrm>
-            <a:off x="1202908" y="2489319"/>
-            <a:ext cx="4275622" cy="1018178"/>
-          </a:xfrm>
-          <a:prstGeom prst="roundRect">
+            <a:off x="6404649" y="5738111"/>
+            <a:ext cx="5371492" cy="523220"/>
+          </a:xfrm>
+          <a:prstGeom prst="rect">
+            <a:avLst/>
+          </a:prstGeom>
+          <a:noFill/>
+        </p:spPr>
+        <p:txBody>
+          <a:bodyPr wrap="square" rtlCol="0">
+            <a:spAutoFit/>
+          </a:bodyPr>
+          <a:lstStyle/>
+          <a:p>
+            <a:pPr algn="ctr"/>
+            <a:r>
+              <a:rPr kumimoji="1" lang="ja-JP" altLang="en-US" sz="2800" b="1" dirty="0">
+                <a:latin typeface="Meiryo UI" panose="020B0604030504040204" pitchFamily="50" charset="-128"/>
+                <a:ea typeface="Meiryo UI" panose="020B0604030504040204" pitchFamily="50" charset="-128"/>
+              </a:rPr>
+              <a:t>投資対象 </a:t>
+            </a:r>
+            <a:r>
+              <a:rPr kumimoji="1" lang="en-US" altLang="ja-JP" sz="2800" b="1" dirty="0">
+                <a:latin typeface="Meiryo UI" panose="020B0604030504040204" pitchFamily="50" charset="-128"/>
+                <a:ea typeface="Meiryo UI" panose="020B0604030504040204" pitchFamily="50" charset="-128"/>
+              </a:rPr>
+              <a:t>&amp; </a:t>
+            </a:r>
+            <a:r>
+              <a:rPr kumimoji="1" lang="ja-JP" altLang="en-US" sz="2800" b="1" dirty="0">
+                <a:latin typeface="Meiryo UI" panose="020B0604030504040204" pitchFamily="50" charset="-128"/>
+                <a:ea typeface="Meiryo UI" panose="020B0604030504040204" pitchFamily="50" charset="-128"/>
+              </a:rPr>
+              <a:t>ファンドの種類の拡大</a:t>
+            </a:r>
+            <a:endParaRPr kumimoji="1" lang="ja-JP" altLang="en-US" b="1" dirty="0">
+              <a:latin typeface="Meiryo UI" panose="020B0604030504040204" pitchFamily="50" charset="-128"/>
+              <a:ea typeface="Meiryo UI" panose="020B0604030504040204" pitchFamily="50" charset="-128"/>
+            </a:endParaRPr>
+          </a:p>
+        </p:txBody>
+      </p:sp>
+      <p:sp>
+        <p:nvSpPr>
+          <p:cNvPr id="42" name="テキスト ボックス 41">
+            <a:extLst>
+              <a:ext uri="{FF2B5EF4-FFF2-40B4-BE49-F238E27FC236}">
+                <a16:creationId xmlns:a16="http://schemas.microsoft.com/office/drawing/2014/main" id="{D16FDCF2-9738-79CA-F10C-BE782E1A0D4C}"/>
+              </a:ext>
+            </a:extLst>
+          </p:cNvPr>
+          <p:cNvSpPr txBox="1"/>
+          <p:nvPr/>
+        </p:nvSpPr>
+        <p:spPr>
+          <a:xfrm>
+            <a:off x="6621432" y="865223"/>
+            <a:ext cx="2363437" cy="1015663"/>
+          </a:xfrm>
+          <a:prstGeom prst="rect">
             <a:avLst/>
           </a:prstGeom>
           <a:solidFill>
-            <a:schemeClr val="bg1">
-              <a:lumMod val="95000"/>
-            </a:schemeClr>
+            <a:schemeClr val="accent4"/>
+          </a:solidFill>
+        </p:spPr>
+        <p:txBody>
+          <a:bodyPr wrap="square">
+            <a:spAutoFit/>
+          </a:bodyPr>
+          <a:lstStyle/>
+          <a:p>
+            <a:r>
+              <a:rPr lang="ja-JP" altLang="en-US" sz="2400" u="sng" dirty="0">
+                <a:solidFill>
+                  <a:schemeClr val="tx1"/>
+                </a:solidFill>
+                <a:latin typeface="Meiryo UI" panose="020B0604030504040204" pitchFamily="50" charset="-128"/>
+                <a:ea typeface="Meiryo UI" panose="020B0604030504040204" pitchFamily="50" charset="-128"/>
+              </a:rPr>
+              <a:t>運用指示者追加</a:t>
+            </a:r>
+            <a:endParaRPr lang="en-US" altLang="ja-JP" sz="2400" u="sng" dirty="0">
+              <a:solidFill>
+                <a:schemeClr val="tx1"/>
+              </a:solidFill>
+              <a:latin typeface="Meiryo UI" panose="020B0604030504040204" pitchFamily="50" charset="-128"/>
+              <a:ea typeface="Meiryo UI" panose="020B0604030504040204" pitchFamily="50" charset="-128"/>
+            </a:endParaRPr>
+          </a:p>
+          <a:p>
+            <a:pPr marL="342900" indent="-342900">
+              <a:buFont typeface="Wingdings" panose="05000000000000000000" pitchFamily="2" charset="2"/>
+              <a:buChar char="ü"/>
+            </a:pPr>
+            <a:r>
+              <a:rPr lang="ja-JP" altLang="en-US" dirty="0">
+                <a:latin typeface="Meiryo UI" panose="020B0604030504040204" pitchFamily="50" charset="-128"/>
+                <a:ea typeface="Meiryo UI" panose="020B0604030504040204" pitchFamily="50" charset="-128"/>
+              </a:rPr>
+              <a:t>セキュリティ強化</a:t>
+            </a:r>
+            <a:endParaRPr lang="en-US" altLang="ja-JP" dirty="0">
+              <a:latin typeface="Meiryo UI" panose="020B0604030504040204" pitchFamily="50" charset="-128"/>
+              <a:ea typeface="Meiryo UI" panose="020B0604030504040204" pitchFamily="50" charset="-128"/>
+            </a:endParaRPr>
+          </a:p>
+          <a:p>
+            <a:pPr marL="342900" indent="-342900">
+              <a:buFont typeface="Wingdings" panose="05000000000000000000" pitchFamily="2" charset="2"/>
+              <a:buChar char="ü"/>
+            </a:pPr>
+            <a:r>
+              <a:rPr lang="ja-JP" altLang="en-US" dirty="0">
+                <a:solidFill>
+                  <a:schemeClr val="tx1"/>
+                </a:solidFill>
+                <a:latin typeface="Meiryo UI" panose="020B0604030504040204" pitchFamily="50" charset="-128"/>
+                <a:ea typeface="Meiryo UI" panose="020B0604030504040204" pitchFamily="50" charset="-128"/>
+              </a:rPr>
+              <a:t>運用内容透明化</a:t>
+            </a:r>
+            <a:endParaRPr lang="en-US" altLang="ja-JP" dirty="0">
+              <a:solidFill>
+                <a:schemeClr val="tx1"/>
+              </a:solidFill>
+              <a:latin typeface="Meiryo UI" panose="020B0604030504040204" pitchFamily="50" charset="-128"/>
+              <a:ea typeface="Meiryo UI" panose="020B0604030504040204" pitchFamily="50" charset="-128"/>
+            </a:endParaRPr>
+          </a:p>
+        </p:txBody>
+      </p:sp>
+      <p:sp>
+        <p:nvSpPr>
+          <p:cNvPr id="43" name="矢印: 下 42">
+            <a:extLst>
+              <a:ext uri="{FF2B5EF4-FFF2-40B4-BE49-F238E27FC236}">
+                <a16:creationId xmlns:a16="http://schemas.microsoft.com/office/drawing/2014/main" id="{05C3186B-6060-DD2E-A360-D426521387AC}"/>
+              </a:ext>
+            </a:extLst>
+          </p:cNvPr>
+          <p:cNvSpPr/>
+          <p:nvPr/>
+        </p:nvSpPr>
+        <p:spPr>
+          <a:xfrm>
+            <a:off x="2224304" y="1447051"/>
+            <a:ext cx="452487" cy="374567"/>
+          </a:xfrm>
+          <a:prstGeom prst="downArrow">
+            <a:avLst/>
+          </a:prstGeom>
+          <a:solidFill>
+            <a:schemeClr val="accent5"/>
           </a:solidFill>
           <a:ln>
             <a:solidFill>
-              <a:schemeClr val="bg1">
-                <a:lumMod val="95000"/>
-              </a:schemeClr>
+              <a:schemeClr val="accent5"/>
             </a:solidFill>
           </a:ln>
         </p:spPr>
@@ -8624,239 +8960,18 @@
           </a:fontRef>
         </p:style>
         <p:txBody>
-          <a:bodyPr wrap="none" rtlCol="0" anchor="ctr"/>
+          <a:bodyPr rtlCol="0" anchor="ctr"/>
           <a:lstStyle/>
           <a:p>
             <a:pPr algn="ctr"/>
-            <a:r>
-              <a:rPr kumimoji="1" lang="en-US" altLang="ja-JP" sz="2400" b="1" dirty="0">
-                <a:solidFill>
-                  <a:schemeClr val="tx1"/>
-                </a:solidFill>
-                <a:latin typeface="Meiryo UI" panose="020B0604030504040204" pitchFamily="50" charset="-128"/>
-                <a:ea typeface="Meiryo UI" panose="020B0604030504040204" pitchFamily="50" charset="-128"/>
-              </a:rPr>
-              <a:t>Passive Fund</a:t>
-            </a:r>
-          </a:p>
-        </p:txBody>
-      </p:sp>
-      <p:sp>
-        <p:nvSpPr>
-          <p:cNvPr id="75" name="四角形: 角を丸くする 74">
-            <a:extLst>
-              <a:ext uri="{FF2B5EF4-FFF2-40B4-BE49-F238E27FC236}">
-                <a16:creationId xmlns:a16="http://schemas.microsoft.com/office/drawing/2014/main" id="{FCB5BC8F-BAA9-1EEA-3197-02E7FF134954}"/>
-              </a:ext>
-            </a:extLst>
-          </p:cNvPr>
-          <p:cNvSpPr/>
-          <p:nvPr/>
-        </p:nvSpPr>
-        <p:spPr>
-          <a:xfrm>
-            <a:off x="8420307" y="4133464"/>
-            <a:ext cx="3477196" cy="1326660"/>
-          </a:xfrm>
-          <a:prstGeom prst="roundRect">
-            <a:avLst/>
-          </a:prstGeom>
-          <a:solidFill>
-            <a:schemeClr val="accent2">
-              <a:lumMod val="20000"/>
-              <a:lumOff val="80000"/>
-            </a:schemeClr>
-          </a:solidFill>
-          <a:ln w="28575">
-            <a:solidFill>
-              <a:srgbClr val="FF0000"/>
-            </a:solidFill>
-          </a:ln>
-        </p:spPr>
-        <p:style>
-          <a:lnRef idx="2">
-            <a:schemeClr val="accent1">
-              <a:shade val="50000"/>
-            </a:schemeClr>
-          </a:lnRef>
-          <a:fillRef idx="1">
-            <a:schemeClr val="accent1"/>
-          </a:fillRef>
-          <a:effectRef idx="0">
-            <a:schemeClr val="accent1"/>
-          </a:effectRef>
-          <a:fontRef idx="minor">
-            <a:schemeClr val="lt1"/>
-          </a:fontRef>
-        </p:style>
-        <p:txBody>
-          <a:bodyPr rtlCol="0" anchor="ctr"/>
-          <a:lstStyle/>
-          <a:p>
-            <a:pPr algn="ctr"/>
-            <a:r>
-              <a:rPr kumimoji="1" lang="ja-JP" altLang="en-US" b="1" dirty="0">
-                <a:solidFill>
-                  <a:srgbClr val="FF0000"/>
-                </a:solidFill>
-                <a:latin typeface="Meiryo UI" panose="020B0604030504040204" pitchFamily="50" charset="-128"/>
-                <a:ea typeface="Meiryo UI" panose="020B0604030504040204" pitchFamily="50" charset="-128"/>
-              </a:rPr>
-              <a:t>ハッカソン期間内で実装した箇所</a:t>
-            </a:r>
-            <a:endParaRPr kumimoji="1" lang="en-US" altLang="ja-JP" b="1" dirty="0">
-              <a:solidFill>
-                <a:srgbClr val="FF0000"/>
-              </a:solidFill>
-              <a:latin typeface="Meiryo UI" panose="020B0604030504040204" pitchFamily="50" charset="-128"/>
-              <a:ea typeface="Meiryo UI" panose="020B0604030504040204" pitchFamily="50" charset="-128"/>
-            </a:endParaRPr>
-          </a:p>
-          <a:p>
-            <a:pPr marL="742950" lvl="1" indent="-285750">
-              <a:buFont typeface="Wingdings" panose="05000000000000000000" pitchFamily="2" charset="2"/>
-              <a:buChar char="ü"/>
-            </a:pPr>
-            <a:r>
-              <a:rPr lang="ja-JP" altLang="en-US" b="1" dirty="0">
-                <a:solidFill>
-                  <a:srgbClr val="FF0000"/>
-                </a:solidFill>
-                <a:latin typeface="Meiryo UI" panose="020B0604030504040204" pitchFamily="50" charset="-128"/>
-                <a:ea typeface="Meiryo UI" panose="020B0604030504040204" pitchFamily="50" charset="-128"/>
-              </a:rPr>
-              <a:t>ファンドの登録</a:t>
-            </a:r>
-            <a:endParaRPr lang="en-US" altLang="ja-JP" b="1" dirty="0">
-              <a:solidFill>
-                <a:srgbClr val="FF0000"/>
-              </a:solidFill>
-              <a:latin typeface="Meiryo UI" panose="020B0604030504040204" pitchFamily="50" charset="-128"/>
-              <a:ea typeface="Meiryo UI" panose="020B0604030504040204" pitchFamily="50" charset="-128"/>
-            </a:endParaRPr>
-          </a:p>
-          <a:p>
-            <a:pPr marL="742950" lvl="1" indent="-285750">
-              <a:buFont typeface="Wingdings" panose="05000000000000000000" pitchFamily="2" charset="2"/>
-              <a:buChar char="ü"/>
-            </a:pPr>
-            <a:r>
-              <a:rPr lang="ja-JP" altLang="en-US" b="1" dirty="0">
-                <a:solidFill>
-                  <a:srgbClr val="FF0000"/>
-                </a:solidFill>
-                <a:latin typeface="Meiryo UI" panose="020B0604030504040204" pitchFamily="50" charset="-128"/>
-                <a:ea typeface="Meiryo UI" panose="020B0604030504040204" pitchFamily="50" charset="-128"/>
-              </a:rPr>
-              <a:t>投資金投入</a:t>
-            </a:r>
-            <a:endParaRPr lang="en-US" altLang="ja-JP" b="1" dirty="0">
-              <a:solidFill>
-                <a:srgbClr val="FF0000"/>
-              </a:solidFill>
-              <a:latin typeface="Meiryo UI" panose="020B0604030504040204" pitchFamily="50" charset="-128"/>
-              <a:ea typeface="Meiryo UI" panose="020B0604030504040204" pitchFamily="50" charset="-128"/>
-            </a:endParaRPr>
-          </a:p>
-          <a:p>
-            <a:pPr marL="742950" lvl="1" indent="-285750">
-              <a:buFont typeface="Wingdings" panose="05000000000000000000" pitchFamily="2" charset="2"/>
-              <a:buChar char="ü"/>
-            </a:pPr>
-            <a:r>
-              <a:rPr kumimoji="1" lang="ja-JP" altLang="en-US" b="1" dirty="0">
-                <a:solidFill>
-                  <a:srgbClr val="FF0000"/>
-                </a:solidFill>
-                <a:latin typeface="Meiryo UI" panose="020B0604030504040204" pitchFamily="50" charset="-128"/>
-                <a:ea typeface="Meiryo UI" panose="020B0604030504040204" pitchFamily="50" charset="-128"/>
-              </a:rPr>
-              <a:t>トークン発行</a:t>
-            </a:r>
-            <a:endParaRPr kumimoji="1" lang="en-US" altLang="ja-JP" b="1" dirty="0">
-              <a:solidFill>
-                <a:srgbClr val="FF0000"/>
-              </a:solidFill>
-              <a:latin typeface="Meiryo UI" panose="020B0604030504040204" pitchFamily="50" charset="-128"/>
-              <a:ea typeface="Meiryo UI" panose="020B0604030504040204" pitchFamily="50" charset="-128"/>
-            </a:endParaRPr>
-          </a:p>
-        </p:txBody>
-      </p:sp>
-      <p:sp>
-        <p:nvSpPr>
-          <p:cNvPr id="76" name="正方形/長方形 75">
-            <a:extLst>
-              <a:ext uri="{FF2B5EF4-FFF2-40B4-BE49-F238E27FC236}">
-                <a16:creationId xmlns:a16="http://schemas.microsoft.com/office/drawing/2014/main" id="{721DDD90-496F-47A9-4794-4F1D00121C44}"/>
-              </a:ext>
-            </a:extLst>
-          </p:cNvPr>
-          <p:cNvSpPr/>
-          <p:nvPr/>
-        </p:nvSpPr>
-        <p:spPr>
-          <a:xfrm>
-            <a:off x="212388" y="728343"/>
-            <a:ext cx="11767223" cy="472099"/>
-          </a:xfrm>
-          <a:prstGeom prst="rect">
-            <a:avLst/>
-          </a:prstGeom>
-          <a:solidFill>
-            <a:schemeClr val="bg1"/>
-          </a:solidFill>
-          <a:ln w="38100">
-            <a:solidFill>
-              <a:srgbClr val="002060"/>
-            </a:solidFill>
-          </a:ln>
-        </p:spPr>
-        <p:style>
-          <a:lnRef idx="2">
-            <a:schemeClr val="accent1">
-              <a:shade val="50000"/>
-            </a:schemeClr>
-          </a:lnRef>
-          <a:fillRef idx="1">
-            <a:schemeClr val="accent1"/>
-          </a:fillRef>
-          <a:effectRef idx="0">
-            <a:schemeClr val="accent1"/>
-          </a:effectRef>
-          <a:fontRef idx="minor">
-            <a:schemeClr val="lt1"/>
-          </a:fontRef>
-        </p:style>
-        <p:txBody>
-          <a:bodyPr rtlCol="0" anchor="ctr"/>
-          <a:lstStyle/>
-          <a:p>
-            <a:pPr algn="ctr"/>
-            <a:r>
-              <a:rPr lang="ja-JP" altLang="en-US" sz="2800" dirty="0">
-                <a:solidFill>
-                  <a:schemeClr val="tx1"/>
-                </a:solidFill>
-                <a:latin typeface="Meiryo UI" panose="020B0604030504040204" pitchFamily="50" charset="-128"/>
-                <a:ea typeface="Meiryo UI" panose="020B0604030504040204" pitchFamily="50" charset="-128"/>
-              </a:rPr>
-              <a:t>機能拡張にともなって、取り扱い可能な投資対象、ファンドの範囲が拡大。</a:t>
-            </a:r>
-            <a:endParaRPr kumimoji="1" lang="en-US" altLang="ja-JP" sz="2800" dirty="0">
-              <a:solidFill>
-                <a:schemeClr val="tx1"/>
-              </a:solidFill>
-              <a:latin typeface="Meiryo UI" panose="020B0604030504040204" pitchFamily="50" charset="-128"/>
-              <a:ea typeface="Meiryo UI" panose="020B0604030504040204" pitchFamily="50" charset="-128"/>
-            </a:endParaRPr>
+            <a:endParaRPr kumimoji="1" lang="ja-JP" altLang="en-US"/>
           </a:p>
         </p:txBody>
       </p:sp>
     </p:spTree>
     <p:extLst>
       <p:ext uri="{BB962C8B-B14F-4D97-AF65-F5344CB8AC3E}">
-        <p14:creationId xmlns:p14="http://schemas.microsoft.com/office/powerpoint/2010/main" val="3413491264"/>
+        <p14:creationId xmlns:p14="http://schemas.microsoft.com/office/powerpoint/2010/main" val="3147485132"/>
       </p:ext>
     </p:extLst>
   </p:cSld>
@@ -9020,6 +9135,160 @@
     <p:extLst>
       <p:ext uri="{BB962C8B-B14F-4D97-AF65-F5344CB8AC3E}">
         <p14:creationId xmlns:p14="http://schemas.microsoft.com/office/powerpoint/2010/main" val="2466524590"/>
+      </p:ext>
+    </p:extLst>
+  </p:cSld>
+  <p:clrMapOvr>
+    <a:masterClrMapping/>
+  </p:clrMapOvr>
+</p:sld>
+</file>
+
+<file path=ppt/slides/slide6.xml><?xml version="1.0" encoding="utf-8"?>
+<p:sld xmlns:a="http://schemas.openxmlformats.org/drawingml/2006/main" xmlns:r="http://schemas.openxmlformats.org/officeDocument/2006/relationships" xmlns:p="http://schemas.openxmlformats.org/presentationml/2006/main">
+  <p:cSld>
+    <p:spTree>
+      <p:nvGrpSpPr>
+        <p:cNvPr id="1" name=""/>
+        <p:cNvGrpSpPr/>
+        <p:nvPr/>
+      </p:nvGrpSpPr>
+      <p:grpSpPr>
+        <a:xfrm>
+          <a:off x="0" y="0"/>
+          <a:ext cx="0" cy="0"/>
+          <a:chOff x="0" y="0"/>
+          <a:chExt cx="0" cy="0"/>
+        </a:xfrm>
+      </p:grpSpPr>
+      <p:sp>
+        <p:nvSpPr>
+          <p:cNvPr id="2" name="タイトル 1">
+            <a:extLst>
+              <a:ext uri="{FF2B5EF4-FFF2-40B4-BE49-F238E27FC236}">
+                <a16:creationId xmlns:a16="http://schemas.microsoft.com/office/drawing/2014/main" id="{5D4029DC-641B-8D0B-B973-2566B980E168}"/>
+              </a:ext>
+            </a:extLst>
+          </p:cNvPr>
+          <p:cNvSpPr>
+            <a:spLocks noGrp="1"/>
+          </p:cNvSpPr>
+          <p:nvPr>
+            <p:ph type="title"/>
+          </p:nvPr>
+        </p:nvSpPr>
+        <p:spPr/>
+        <p:txBody>
+          <a:bodyPr anchor="ctr"/>
+          <a:lstStyle/>
+          <a:p>
+            <a:pPr algn="ctr"/>
+            <a:r>
+              <a:rPr kumimoji="1" lang="ja-JP" altLang="en-US" sz="8000" dirty="0"/>
+              <a:t>質疑応答</a:t>
+            </a:r>
+          </a:p>
+        </p:txBody>
+      </p:sp>
+      <p:sp>
+        <p:nvSpPr>
+          <p:cNvPr id="4" name="日付プレースホルダー 3">
+            <a:extLst>
+              <a:ext uri="{FF2B5EF4-FFF2-40B4-BE49-F238E27FC236}">
+                <a16:creationId xmlns:a16="http://schemas.microsoft.com/office/drawing/2014/main" id="{7BD0F27B-DE8A-A59C-31F6-29C0A02D2157}"/>
+              </a:ext>
+            </a:extLst>
+          </p:cNvPr>
+          <p:cNvSpPr>
+            <a:spLocks noGrp="1"/>
+          </p:cNvSpPr>
+          <p:nvPr>
+            <p:ph type="dt" sz="half" idx="10"/>
+          </p:nvPr>
+        </p:nvSpPr>
+        <p:spPr/>
+        <p:txBody>
+          <a:bodyPr/>
+          <a:lstStyle/>
+          <a:p>
+            <a:r>
+              <a:rPr kumimoji="1" lang="en-US" altLang="ja-JP"/>
+              <a:t>2022/11/12</a:t>
+            </a:r>
+            <a:endParaRPr kumimoji="1" lang="ja-JP" altLang="en-US"/>
+          </a:p>
+        </p:txBody>
+      </p:sp>
+      <p:sp>
+        <p:nvSpPr>
+          <p:cNvPr id="5" name="フッター プレースホルダー 4">
+            <a:extLst>
+              <a:ext uri="{FF2B5EF4-FFF2-40B4-BE49-F238E27FC236}">
+                <a16:creationId xmlns:a16="http://schemas.microsoft.com/office/drawing/2014/main" id="{906BBE9B-5A0F-826C-9DF3-D7EF81A9725C}"/>
+              </a:ext>
+            </a:extLst>
+          </p:cNvPr>
+          <p:cNvSpPr>
+            <a:spLocks noGrp="1"/>
+          </p:cNvSpPr>
+          <p:nvPr>
+            <p:ph type="ftr" sz="quarter" idx="11"/>
+          </p:nvPr>
+        </p:nvSpPr>
+        <p:spPr/>
+        <p:txBody>
+          <a:bodyPr/>
+          <a:lstStyle/>
+          <a:p>
+            <a:r>
+              <a:rPr kumimoji="1" lang="ja-JP" altLang="en-US"/>
+              <a:t>東京</a:t>
+            </a:r>
+            <a:r>
+              <a:rPr kumimoji="1" lang="en-US" altLang="ja-JP"/>
+              <a:t>Web3</a:t>
+            </a:r>
+            <a:r>
+              <a:rPr kumimoji="1" lang="ja-JP" altLang="en-US"/>
+              <a:t>ハッカソン</a:t>
+            </a:r>
+          </a:p>
+        </p:txBody>
+      </p:sp>
+      <p:sp>
+        <p:nvSpPr>
+          <p:cNvPr id="6" name="スライド番号プレースホルダー 5">
+            <a:extLst>
+              <a:ext uri="{FF2B5EF4-FFF2-40B4-BE49-F238E27FC236}">
+                <a16:creationId xmlns:a16="http://schemas.microsoft.com/office/drawing/2014/main" id="{F841EAD2-D0AA-F66E-F202-5843EC70C192}"/>
+              </a:ext>
+            </a:extLst>
+          </p:cNvPr>
+          <p:cNvSpPr>
+            <a:spLocks noGrp="1"/>
+          </p:cNvSpPr>
+          <p:nvPr>
+            <p:ph type="sldNum" sz="quarter" idx="12"/>
+          </p:nvPr>
+        </p:nvSpPr>
+        <p:spPr/>
+        <p:txBody>
+          <a:bodyPr/>
+          <a:lstStyle/>
+          <a:p>
+            <a:fld id="{74A7634F-4BD6-43A5-9D65-1BF6B63C3BB3}" type="slidenum">
+              <a:rPr lang="ja-JP" altLang="en-US" smtClean="0"/>
+              <a:pPr/>
+              <a:t>6</a:t>
+            </a:fld>
+            <a:endParaRPr kumimoji="1" lang="ja-JP" altLang="en-US" dirty="0"/>
+          </a:p>
+        </p:txBody>
+      </p:sp>
+    </p:spTree>
+    <p:extLst>
+      <p:ext uri="{BB962C8B-B14F-4D97-AF65-F5344CB8AC3E}">
+        <p14:creationId xmlns:p14="http://schemas.microsoft.com/office/powerpoint/2010/main" val="2449133787"/>
       </p:ext>
     </p:extLst>
   </p:cSld>
